--- a/Chytrá domácnost prezentace.pptx
+++ b/Chytrá domácnost prezentace.pptx
@@ -6,8 +6,15 @@
   </p:sldMasterIdLst>
   <p:sldIdLst>
     <p:sldId id="256" r:id="rId2"/>
-    <p:sldId id="258" r:id="rId3"/>
-    <p:sldId id="259" r:id="rId4"/>
+    <p:sldId id="260" r:id="rId3"/>
+    <p:sldId id="262" r:id="rId4"/>
+    <p:sldId id="263" r:id="rId5"/>
+    <p:sldId id="267" r:id="rId6"/>
+    <p:sldId id="264" r:id="rId7"/>
+    <p:sldId id="268" r:id="rId8"/>
+    <p:sldId id="261" r:id="rId9"/>
+    <p:sldId id="259" r:id="rId10"/>
+    <p:sldId id="258" r:id="rId11"/>
   </p:sldIdLst>
   <p:sldSz cx="12192000" cy="6858000"/>
   <p:notesSz cx="6858000" cy="9144000"/>
@@ -112,8 +119,15 @@
         <p14:section name="Výchozí oddíl" id="{7CAF23E8-5C87-4269-9262-C40D3B107A1B}">
           <p14:sldIdLst>
             <p14:sldId id="256"/>
+            <p14:sldId id="260"/>
+            <p14:sldId id="262"/>
+            <p14:sldId id="263"/>
+            <p14:sldId id="267"/>
+            <p14:sldId id="264"/>
+            <p14:sldId id="268"/>
+            <p14:sldId id="261"/>
+            <p14:sldId id="259"/>
             <p14:sldId id="258"/>
-            <p14:sldId id="259"/>
           </p14:sldIdLst>
         </p14:section>
       </p14:sectionLst>
@@ -272,7 +286,7 @@
           <a:p>
             <a:fld id="{8B68C605-6696-4422-8824-F3ABA8648C1D}" type="datetimeFigureOut">
               <a:rPr lang="cs-CZ" smtClean="0"/>
-              <a:t>07.01.2023</a:t>
+              <a:t>15.01.2023</a:t>
             </a:fld>
             <a:endParaRPr lang="cs-CZ"/>
           </a:p>
@@ -342,13 +356,13 @@
   <p:clrMapOvr>
     <a:masterClrMapping/>
   </p:clrMapOvr>
-  <mc:AlternateContent xmlns:mc="http://schemas.openxmlformats.org/markup-compatibility/2006">
-    <mc:Choice xmlns:p14="http://schemas.microsoft.com/office/powerpoint/2010/main" Requires="p14">
+  <mc:AlternateContent xmlns:mc="http://schemas.openxmlformats.org/markup-compatibility/2006" xmlns:p14="http://schemas.microsoft.com/office/powerpoint/2010/main">
+    <mc:Choice Requires="p14">
       <p:transition spd="slow" p14:dur="800">
         <p:circle/>
       </p:transition>
     </mc:Choice>
-    <mc:Fallback>
+    <mc:Fallback xmlns="">
       <p:transition spd="slow">
         <p:circle/>
       </p:transition>
@@ -482,7 +496,7 @@
           <a:p>
             <a:fld id="{8B68C605-6696-4422-8824-F3ABA8648C1D}" type="datetimeFigureOut">
               <a:rPr lang="cs-CZ" smtClean="0"/>
-              <a:t>07.01.2023</a:t>
+              <a:t>15.01.2023</a:t>
             </a:fld>
             <a:endParaRPr lang="cs-CZ"/>
           </a:p>
@@ -552,13 +566,13 @@
   <p:clrMapOvr>
     <a:masterClrMapping/>
   </p:clrMapOvr>
-  <mc:AlternateContent xmlns:mc="http://schemas.openxmlformats.org/markup-compatibility/2006">
-    <mc:Choice xmlns:p14="http://schemas.microsoft.com/office/powerpoint/2010/main" Requires="p14">
+  <mc:AlternateContent xmlns:mc="http://schemas.openxmlformats.org/markup-compatibility/2006" xmlns:p14="http://schemas.microsoft.com/office/powerpoint/2010/main">
+    <mc:Choice Requires="p14">
       <p:transition spd="slow" p14:dur="800">
         <p:circle/>
       </p:transition>
     </mc:Choice>
-    <mc:Fallback>
+    <mc:Fallback xmlns="">
       <p:transition spd="slow">
         <p:circle/>
       </p:transition>
@@ -702,7 +716,7 @@
           <a:p>
             <a:fld id="{8B68C605-6696-4422-8824-F3ABA8648C1D}" type="datetimeFigureOut">
               <a:rPr lang="cs-CZ" smtClean="0"/>
-              <a:t>07.01.2023</a:t>
+              <a:t>15.01.2023</a:t>
             </a:fld>
             <a:endParaRPr lang="cs-CZ"/>
           </a:p>
@@ -772,13 +786,13 @@
   <p:clrMapOvr>
     <a:masterClrMapping/>
   </p:clrMapOvr>
-  <mc:AlternateContent xmlns:mc="http://schemas.openxmlformats.org/markup-compatibility/2006">
-    <mc:Choice xmlns:p14="http://schemas.microsoft.com/office/powerpoint/2010/main" Requires="p14">
+  <mc:AlternateContent xmlns:mc="http://schemas.openxmlformats.org/markup-compatibility/2006" xmlns:p14="http://schemas.microsoft.com/office/powerpoint/2010/main">
+    <mc:Choice Requires="p14">
       <p:transition spd="slow" p14:dur="800">
         <p:circle/>
       </p:transition>
     </mc:Choice>
-    <mc:Fallback>
+    <mc:Fallback xmlns="">
       <p:transition spd="slow">
         <p:circle/>
       </p:transition>
@@ -912,7 +926,7 @@
           <a:p>
             <a:fld id="{8B68C605-6696-4422-8824-F3ABA8648C1D}" type="datetimeFigureOut">
               <a:rPr lang="cs-CZ" smtClean="0"/>
-              <a:t>07.01.2023</a:t>
+              <a:t>15.01.2023</a:t>
             </a:fld>
             <a:endParaRPr lang="cs-CZ"/>
           </a:p>
@@ -982,13 +996,13 @@
   <p:clrMapOvr>
     <a:masterClrMapping/>
   </p:clrMapOvr>
-  <mc:AlternateContent xmlns:mc="http://schemas.openxmlformats.org/markup-compatibility/2006">
-    <mc:Choice xmlns:p14="http://schemas.microsoft.com/office/powerpoint/2010/main" Requires="p14">
+  <mc:AlternateContent xmlns:mc="http://schemas.openxmlformats.org/markup-compatibility/2006" xmlns:p14="http://schemas.microsoft.com/office/powerpoint/2010/main">
+    <mc:Choice Requires="p14">
       <p:transition spd="slow" p14:dur="800">
         <p:circle/>
       </p:transition>
     </mc:Choice>
-    <mc:Fallback>
+    <mc:Fallback xmlns="">
       <p:transition spd="slow">
         <p:circle/>
       </p:transition>
@@ -1199,7 +1213,7 @@
           <a:p>
             <a:fld id="{8B68C605-6696-4422-8824-F3ABA8648C1D}" type="datetimeFigureOut">
               <a:rPr lang="cs-CZ" smtClean="0"/>
-              <a:t>07.01.2023</a:t>
+              <a:t>15.01.2023</a:t>
             </a:fld>
             <a:endParaRPr lang="cs-CZ"/>
           </a:p>
@@ -1269,13 +1283,13 @@
   <p:clrMapOvr>
     <a:masterClrMapping/>
   </p:clrMapOvr>
-  <mc:AlternateContent xmlns:mc="http://schemas.openxmlformats.org/markup-compatibility/2006">
-    <mc:Choice xmlns:p14="http://schemas.microsoft.com/office/powerpoint/2010/main" Requires="p14">
+  <mc:AlternateContent xmlns:mc="http://schemas.openxmlformats.org/markup-compatibility/2006" xmlns:p14="http://schemas.microsoft.com/office/powerpoint/2010/main">
+    <mc:Choice Requires="p14">
       <p:transition spd="slow" p14:dur="800">
         <p:circle/>
       </p:transition>
     </mc:Choice>
-    <mc:Fallback>
+    <mc:Fallback xmlns="">
       <p:transition spd="slow">
         <p:circle/>
       </p:transition>
@@ -1476,7 +1490,7 @@
           <a:p>
             <a:fld id="{8B68C605-6696-4422-8824-F3ABA8648C1D}" type="datetimeFigureOut">
               <a:rPr lang="cs-CZ" smtClean="0"/>
-              <a:t>07.01.2023</a:t>
+              <a:t>15.01.2023</a:t>
             </a:fld>
             <a:endParaRPr lang="cs-CZ"/>
           </a:p>
@@ -1546,13 +1560,13 @@
   <p:clrMapOvr>
     <a:masterClrMapping/>
   </p:clrMapOvr>
-  <mc:AlternateContent xmlns:mc="http://schemas.openxmlformats.org/markup-compatibility/2006">
-    <mc:Choice xmlns:p14="http://schemas.microsoft.com/office/powerpoint/2010/main" Requires="p14">
+  <mc:AlternateContent xmlns:mc="http://schemas.openxmlformats.org/markup-compatibility/2006" xmlns:p14="http://schemas.microsoft.com/office/powerpoint/2010/main">
+    <mc:Choice Requires="p14">
       <p:transition spd="slow" p14:dur="800">
         <p:circle/>
       </p:transition>
     </mc:Choice>
-    <mc:Fallback>
+    <mc:Fallback xmlns="">
       <p:transition spd="slow">
         <p:circle/>
       </p:transition>
@@ -1900,7 +1914,7 @@
           <a:p>
             <a:fld id="{8B68C605-6696-4422-8824-F3ABA8648C1D}" type="datetimeFigureOut">
               <a:rPr lang="cs-CZ" smtClean="0"/>
-              <a:t>07.01.2023</a:t>
+              <a:t>15.01.2023</a:t>
             </a:fld>
             <a:endParaRPr lang="cs-CZ"/>
           </a:p>
@@ -1970,13 +1984,13 @@
   <p:clrMapOvr>
     <a:masterClrMapping/>
   </p:clrMapOvr>
-  <mc:AlternateContent xmlns:mc="http://schemas.openxmlformats.org/markup-compatibility/2006">
-    <mc:Choice xmlns:p14="http://schemas.microsoft.com/office/powerpoint/2010/main" Requires="p14">
+  <mc:AlternateContent xmlns:mc="http://schemas.openxmlformats.org/markup-compatibility/2006" xmlns:p14="http://schemas.microsoft.com/office/powerpoint/2010/main">
+    <mc:Choice Requires="p14">
       <p:transition spd="slow" p14:dur="800">
         <p:circle/>
       </p:transition>
     </mc:Choice>
-    <mc:Fallback>
+    <mc:Fallback xmlns="">
       <p:transition spd="slow">
         <p:circle/>
       </p:transition>
@@ -2053,7 +2067,7 @@
           <a:p>
             <a:fld id="{8B68C605-6696-4422-8824-F3ABA8648C1D}" type="datetimeFigureOut">
               <a:rPr lang="cs-CZ" smtClean="0"/>
-              <a:t>07.01.2023</a:t>
+              <a:t>15.01.2023</a:t>
             </a:fld>
             <a:endParaRPr lang="cs-CZ"/>
           </a:p>
@@ -2123,13 +2137,13 @@
   <p:clrMapOvr>
     <a:masterClrMapping/>
   </p:clrMapOvr>
-  <mc:AlternateContent xmlns:mc="http://schemas.openxmlformats.org/markup-compatibility/2006">
-    <mc:Choice xmlns:p14="http://schemas.microsoft.com/office/powerpoint/2010/main" Requires="p14">
+  <mc:AlternateContent xmlns:mc="http://schemas.openxmlformats.org/markup-compatibility/2006" xmlns:p14="http://schemas.microsoft.com/office/powerpoint/2010/main">
+    <mc:Choice Requires="p14">
       <p:transition spd="slow" p14:dur="800">
         <p:circle/>
       </p:transition>
     </mc:Choice>
-    <mc:Fallback>
+    <mc:Fallback xmlns="">
       <p:transition spd="slow">
         <p:circle/>
       </p:transition>
@@ -2178,7 +2192,7 @@
           <a:p>
             <a:fld id="{8B68C605-6696-4422-8824-F3ABA8648C1D}" type="datetimeFigureOut">
               <a:rPr lang="cs-CZ" smtClean="0"/>
-              <a:t>07.01.2023</a:t>
+              <a:t>15.01.2023</a:t>
             </a:fld>
             <a:endParaRPr lang="cs-CZ"/>
           </a:p>
@@ -2248,13 +2262,13 @@
   <p:clrMapOvr>
     <a:masterClrMapping/>
   </p:clrMapOvr>
-  <mc:AlternateContent xmlns:mc="http://schemas.openxmlformats.org/markup-compatibility/2006">
-    <mc:Choice xmlns:p14="http://schemas.microsoft.com/office/powerpoint/2010/main" Requires="p14">
+  <mc:AlternateContent xmlns:mc="http://schemas.openxmlformats.org/markup-compatibility/2006" xmlns:p14="http://schemas.microsoft.com/office/powerpoint/2010/main">
+    <mc:Choice Requires="p14">
       <p:transition spd="slow" p14:dur="800">
         <p:circle/>
       </p:transition>
     </mc:Choice>
-    <mc:Fallback>
+    <mc:Fallback xmlns="">
       <p:transition spd="slow">
         <p:circle/>
       </p:transition>
@@ -2501,7 +2515,7 @@
           <a:p>
             <a:fld id="{8B68C605-6696-4422-8824-F3ABA8648C1D}" type="datetimeFigureOut">
               <a:rPr lang="cs-CZ" smtClean="0"/>
-              <a:t>07.01.2023</a:t>
+              <a:t>15.01.2023</a:t>
             </a:fld>
             <a:endParaRPr lang="cs-CZ"/>
           </a:p>
@@ -2571,13 +2585,13 @@
   <p:clrMapOvr>
     <a:masterClrMapping/>
   </p:clrMapOvr>
-  <mc:AlternateContent xmlns:mc="http://schemas.openxmlformats.org/markup-compatibility/2006">
-    <mc:Choice xmlns:p14="http://schemas.microsoft.com/office/powerpoint/2010/main" Requires="p14">
+  <mc:AlternateContent xmlns:mc="http://schemas.openxmlformats.org/markup-compatibility/2006" xmlns:p14="http://schemas.microsoft.com/office/powerpoint/2010/main">
+    <mc:Choice Requires="p14">
       <p:transition spd="slow" p14:dur="800">
         <p:circle/>
       </p:transition>
     </mc:Choice>
-    <mc:Fallback>
+    <mc:Fallback xmlns="">
       <p:transition spd="slow">
         <p:circle/>
       </p:transition>
@@ -2801,7 +2815,7 @@
           <a:p>
             <a:fld id="{8B68C605-6696-4422-8824-F3ABA8648C1D}" type="datetimeFigureOut">
               <a:rPr lang="cs-CZ" smtClean="0"/>
-              <a:t>07.01.2023</a:t>
+              <a:t>15.01.2023</a:t>
             </a:fld>
             <a:endParaRPr lang="cs-CZ"/>
           </a:p>
@@ -2871,13 +2885,13 @@
   <p:clrMapOvr>
     <a:masterClrMapping/>
   </p:clrMapOvr>
-  <mc:AlternateContent xmlns:mc="http://schemas.openxmlformats.org/markup-compatibility/2006">
-    <mc:Choice xmlns:p14="http://schemas.microsoft.com/office/powerpoint/2010/main" Requires="p14">
+  <mc:AlternateContent xmlns:mc="http://schemas.openxmlformats.org/markup-compatibility/2006" xmlns:p14="http://schemas.microsoft.com/office/powerpoint/2010/main">
+    <mc:Choice Requires="p14">
       <p:transition spd="slow" p14:dur="800">
         <p:circle/>
       </p:transition>
     </mc:Choice>
-    <mc:Fallback>
+    <mc:Fallback xmlns="">
       <p:transition spd="slow">
         <p:circle/>
       </p:transition>
@@ -3054,7 +3068,7 @@
           <a:p>
             <a:fld id="{8B68C605-6696-4422-8824-F3ABA8648C1D}" type="datetimeFigureOut">
               <a:rPr lang="cs-CZ" smtClean="0"/>
-              <a:t>07.01.2023</a:t>
+              <a:t>15.01.2023</a:t>
             </a:fld>
             <a:endParaRPr lang="cs-CZ"/>
           </a:p>
@@ -3171,13 +3185,13 @@
     <p:sldLayoutId id="2147483658" r:id="rId10"/>
     <p:sldLayoutId id="2147483659" r:id="rId11"/>
   </p:sldLayoutIdLst>
-  <mc:AlternateContent xmlns:mc="http://schemas.openxmlformats.org/markup-compatibility/2006">
-    <mc:Choice xmlns:p14="http://schemas.microsoft.com/office/powerpoint/2010/main" Requires="p14">
+  <mc:AlternateContent xmlns:mc="http://schemas.openxmlformats.org/markup-compatibility/2006" xmlns:p14="http://schemas.microsoft.com/office/powerpoint/2010/main">
+    <mc:Choice Requires="p14">
       <p:transition spd="slow" p14:dur="800">
         <p:circle/>
       </p:transition>
     </mc:Choice>
-    <mc:Fallback>
+    <mc:Fallback xmlns="">
       <p:transition spd="slow">
         <p:circle/>
       </p:transition>
@@ -3747,14 +3761,14 @@
   <p:clrMapOvr>
     <a:overrideClrMapping bg1="dk1" tx1="lt1" bg2="dk2" tx2="lt2" accent1="accent1" accent2="accent2" accent3="accent3" accent4="accent4" accent5="accent5" accent6="accent6" hlink="hlink" folHlink="folHlink"/>
   </p:clrMapOvr>
-  <mc:AlternateContent xmlns:mc="http://schemas.openxmlformats.org/markup-compatibility/2006">
-    <mc:Choice xmlns:p159="http://schemas.microsoft.com/office/powerpoint/2015/09/main" Requires="p159">
-      <p:transition xmlns:p14="http://schemas.microsoft.com/office/powerpoint/2010/main" spd="slow" p14:dur="2000">
-        <p159:morph option="byObject"/>
+  <mc:AlternateContent xmlns:mc="http://schemas.openxmlformats.org/markup-compatibility/2006" xmlns:p14="http://schemas.microsoft.com/office/powerpoint/2010/main">
+    <mc:Choice Requires="p14">
+      <p:transition spd="med" p14:dur="700">
+        <p:fade/>
       </p:transition>
     </mc:Choice>
-    <mc:Fallback>
-      <p:transition spd="slow">
+    <mc:Fallback xmlns="">
+      <p:transition spd="med">
         <p:fade/>
       </p:transition>
     </mc:Fallback>
@@ -3783,9 +3797,9 @@
                             </p:stCondLst>
                             <p:childTnLst>
                               <p:par>
-                                <p:cTn id="5" presetID="10" presetClass="entr" presetSubtype="0" fill="hold" grpId="0" nodeType="afterEffect">
+                                <p:cTn id="5" presetID="14" presetClass="entr" presetSubtype="10" fill="hold" grpId="0" nodeType="withEffect">
                                   <p:stCondLst>
-                                    <p:cond delay="0"/>
+                                    <p:cond delay="100"/>
                                   </p:stCondLst>
                                   <p:childTnLst>
                                     <p:set>
@@ -3806,14 +3820,37 @@
                                         <p:strVal val="visible"/>
                                       </p:to>
                                     </p:set>
-                                    <p:animEffect transition="in" filter="fade">
+                                    <p:animEffect transition="in" filter="randombar(horizontal)">
                                       <p:cBhvr>
-                                        <p:cTn id="7" dur="500"/>
+                                        <p:cTn id="7" dur="250"/>
                                         <p:tgtEl>
                                           <p:spTgt spid="2"/>
                                         </p:tgtEl>
                                       </p:cBhvr>
                                     </p:animEffect>
+                                  </p:childTnLst>
+                                </p:cTn>
+                              </p:par>
+                              <p:par>
+                                <p:cTn id="8" presetID="3" presetClass="emph" presetSubtype="2" fill="hold" grpId="1" nodeType="withEffect">
+                                  <p:stCondLst>
+                                    <p:cond delay="400"/>
+                                  </p:stCondLst>
+                                  <p:childTnLst>
+                                    <p:animClr clrSpc="rgb" dir="cw">
+                                      <p:cBhvr override="childStyle">
+                                        <p:cTn id="9" dur="2000" fill="hold"/>
+                                        <p:tgtEl>
+                                          <p:spTgt spid="2"/>
+                                        </p:tgtEl>
+                                        <p:attrNameLst>
+                                          <p:attrName>style.color</p:attrName>
+                                        </p:attrNameLst>
+                                      </p:cBhvr>
+                                      <p:to>
+                                        <a:srgbClr val="C5DCF1"/>
+                                      </p:to>
+                                    </p:animClr>
                                   </p:childTnLst>
                                 </p:cTn>
                               </p:par>
@@ -3846,12 +3883,13 @@
     </p:tnLst>
     <p:bldLst>
       <p:bldP spid="2" grpId="0"/>
+      <p:bldP spid="2" grpId="1"/>
     </p:bldLst>
   </p:timing>
 </p:sld>
 </file>
 
-<file path=ppt/slides/slide2.xml><?xml version="1.0" encoding="utf-8"?>
+<file path=ppt/slides/slide10.xml><?xml version="1.0" encoding="utf-8"?>
 <p:sld xmlns:a="http://schemas.openxmlformats.org/drawingml/2006/main" xmlns:r="http://schemas.openxmlformats.org/officeDocument/2006/relationships" xmlns:p="http://schemas.openxmlformats.org/presentationml/2006/main">
   <p:cSld>
     <p:bg>
@@ -4174,6 +4212,400 @@
           </a:p>
         </p:txBody>
       </p:sp>
+      <p:sp>
+        <p:nvSpPr>
+          <p:cNvPr id="4" name="TextovéPole 3">
+            <a:extLst>
+              <a:ext uri="{FF2B5EF4-FFF2-40B4-BE49-F238E27FC236}">
+                <a16:creationId xmlns:a16="http://schemas.microsoft.com/office/drawing/2014/main" id="{6AEF58D9-89CB-0C27-BF7C-BC5424A3B7B0}"/>
+              </a:ext>
+            </a:extLst>
+          </p:cNvPr>
+          <p:cNvSpPr txBox="1"/>
+          <p:nvPr/>
+        </p:nvSpPr>
+        <p:spPr>
+          <a:xfrm>
+            <a:off x="5509090" y="474731"/>
+            <a:ext cx="9845093" cy="784830"/>
+          </a:xfrm>
+          <a:prstGeom prst="rect">
+            <a:avLst/>
+          </a:prstGeom>
+          <a:noFill/>
+        </p:spPr>
+        <p:txBody>
+          <a:bodyPr wrap="square" rtlCol="0">
+            <a:spAutoFit/>
+          </a:bodyPr>
+          <a:lstStyle/>
+          <a:p>
+            <a:r>
+              <a:rPr lang="cs-CZ" sz="4500" b="1" dirty="0">
+                <a:ln w="9525">
+                  <a:solidFill>
+                    <a:schemeClr val="bg1"/>
+                  </a:solidFill>
+                  <a:prstDash val="solid"/>
+                </a:ln>
+                <a:solidFill>
+                  <a:srgbClr val="49A9F9"/>
+                </a:solidFill>
+                <a:effectLst>
+                  <a:outerShdw blurRad="12700" dist="38100" dir="2700000" algn="tl" rotWithShape="0">
+                    <a:schemeClr val="bg1">
+                      <a:lumMod val="50000"/>
+                    </a:schemeClr>
+                  </a:outerShdw>
+                </a:effectLst>
+                <a:latin typeface="Franklin Gothic Demi Cond" panose="020B0706030402020204" pitchFamily="34" charset="0"/>
+              </a:rPr>
+              <a:t>Co</a:t>
+            </a:r>
+            <a:r>
+              <a:rPr lang="cs-CZ" sz="4500" b="1" dirty="0">
+                <a:solidFill>
+                  <a:srgbClr val="0168A7"/>
+                </a:solidFill>
+                <a:latin typeface="Franklin Gothic Demi Cond" panose="020B0706030402020204" pitchFamily="34" charset="0"/>
+              </a:rPr>
+              <a:t> </a:t>
+            </a:r>
+            <a:r>
+              <a:rPr lang="cs-CZ" sz="4500" b="1" dirty="0">
+                <a:ln w="9525">
+                  <a:solidFill>
+                    <a:schemeClr val="bg1"/>
+                  </a:solidFill>
+                  <a:prstDash val="solid"/>
+                </a:ln>
+                <a:solidFill>
+                  <a:srgbClr val="4FABFF"/>
+                </a:solidFill>
+                <a:effectLst>
+                  <a:outerShdw blurRad="12700" dist="38100" dir="2700000" algn="tl" rotWithShape="0">
+                    <a:schemeClr val="bg1">
+                      <a:lumMod val="50000"/>
+                    </a:schemeClr>
+                  </a:outerShdw>
+                </a:effectLst>
+                <a:latin typeface="Franklin Gothic Demi Cond" panose="020B0706030402020204" pitchFamily="34" charset="0"/>
+              </a:rPr>
+              <a:t>je to chytrá domácnost?</a:t>
+            </a:r>
+            <a:endParaRPr lang="cs-CZ" sz="4500" b="1" dirty="0">
+              <a:solidFill>
+                <a:srgbClr val="4FABFF"/>
+              </a:solidFill>
+              <a:latin typeface="Franklin Gothic Demi Cond" panose="020B0706030402020204" pitchFamily="34" charset="0"/>
+            </a:endParaRPr>
+          </a:p>
+        </p:txBody>
+      </p:sp>
+      <p:sp>
+        <p:nvSpPr>
+          <p:cNvPr id="3" name="TextovéPole 2">
+            <a:extLst>
+              <a:ext uri="{FF2B5EF4-FFF2-40B4-BE49-F238E27FC236}">
+                <a16:creationId xmlns:a16="http://schemas.microsoft.com/office/drawing/2014/main" id="{12343FEA-840D-61EF-EBB1-4412C710A08F}"/>
+              </a:ext>
+            </a:extLst>
+          </p:cNvPr>
+          <p:cNvSpPr txBox="1"/>
+          <p:nvPr/>
+        </p:nvSpPr>
+        <p:spPr>
+          <a:xfrm>
+            <a:off x="5587218" y="2151726"/>
+            <a:ext cx="6519398" cy="2554545"/>
+          </a:xfrm>
+          <a:prstGeom prst="rect">
+            <a:avLst/>
+          </a:prstGeom>
+          <a:noFill/>
+        </p:spPr>
+        <p:txBody>
+          <a:bodyPr wrap="square" rtlCol="0">
+            <a:spAutoFit/>
+          </a:bodyPr>
+          <a:lstStyle/>
+          <a:p>
+            <a:r>
+              <a:rPr lang="cs-CZ" sz="3200" b="1" dirty="0">
+                <a:solidFill>
+                  <a:schemeClr val="accent1">
+                    <a:lumMod val="75000"/>
+                  </a:schemeClr>
+                </a:solidFill>
+                <a:latin typeface="Franklin Gothic Demi Cond" panose="020B0706030402020204" pitchFamily="34" charset="0"/>
+              </a:rPr>
+              <a:t>Chytrá domácnost se zaměřuje na propojení elektronických zařízení po domácnosti pomocí internetu. </a:t>
+            </a:r>
+          </a:p>
+          <a:p>
+            <a:r>
+              <a:rPr lang="cs-CZ" sz="3200" b="1" dirty="0">
+                <a:solidFill>
+                  <a:schemeClr val="accent1">
+                    <a:lumMod val="75000"/>
+                  </a:schemeClr>
+                </a:solidFill>
+                <a:latin typeface="Franklin Gothic Demi Cond" panose="020B0706030402020204" pitchFamily="34" charset="0"/>
+              </a:rPr>
+              <a:t>U</a:t>
+            </a:r>
+            <a:r>
+              <a:rPr lang="cs-CZ" sz="3200" dirty="0">
+                <a:solidFill>
+                  <a:schemeClr val="accent1">
+                    <a:lumMod val="75000"/>
+                  </a:schemeClr>
+                </a:solidFill>
+                <a:latin typeface="Franklin Gothic Demi Cond" panose="020B0706030402020204" pitchFamily="34" charset="0"/>
+              </a:rPr>
+              <a:t>možňuje automatizaci a dálkový přístup k jejich kontrole.</a:t>
+            </a:r>
+            <a:endParaRPr lang="cs-CZ" sz="3200" b="1" dirty="0">
+              <a:solidFill>
+                <a:schemeClr val="accent1">
+                  <a:lumMod val="75000"/>
+                </a:schemeClr>
+              </a:solidFill>
+              <a:latin typeface="Franklin Gothic Demi Cond" panose="020B0706030402020204" pitchFamily="34" charset="0"/>
+            </a:endParaRPr>
+          </a:p>
+        </p:txBody>
+      </p:sp>
+      <p:sp>
+        <p:nvSpPr>
+          <p:cNvPr id="8" name="Ovál 7">
+            <a:extLst>
+              <a:ext uri="{FF2B5EF4-FFF2-40B4-BE49-F238E27FC236}">
+                <a16:creationId xmlns:a16="http://schemas.microsoft.com/office/drawing/2014/main" id="{FD402FEF-4815-BB85-36FC-E9F55153D412}"/>
+              </a:ext>
+            </a:extLst>
+          </p:cNvPr>
+          <p:cNvSpPr/>
+          <p:nvPr/>
+        </p:nvSpPr>
+        <p:spPr>
+          <a:xfrm>
+            <a:off x="391029" y="1160185"/>
+            <a:ext cx="4443070" cy="4397418"/>
+          </a:xfrm>
+          <a:prstGeom prst="ellipse">
+            <a:avLst/>
+          </a:prstGeom>
+          <a:solidFill>
+            <a:schemeClr val="accent1">
+              <a:lumMod val="60000"/>
+              <a:lumOff val="40000"/>
+            </a:schemeClr>
+          </a:solidFill>
+        </p:spPr>
+        <p:style>
+          <a:lnRef idx="2">
+            <a:schemeClr val="accent1">
+              <a:shade val="50000"/>
+            </a:schemeClr>
+          </a:lnRef>
+          <a:fillRef idx="1">
+            <a:schemeClr val="accent1"/>
+          </a:fillRef>
+          <a:effectRef idx="0">
+            <a:schemeClr val="accent1"/>
+          </a:effectRef>
+          <a:fontRef idx="minor">
+            <a:schemeClr val="lt1"/>
+          </a:fontRef>
+        </p:style>
+        <p:txBody>
+          <a:bodyPr rtlCol="0" anchor="ctr"/>
+          <a:lstStyle/>
+          <a:p>
+            <a:pPr algn="ctr"/>
+            <a:endParaRPr lang="cs-CZ"/>
+          </a:p>
+        </p:txBody>
+      </p:sp>
+      <p:sp>
+        <p:nvSpPr>
+          <p:cNvPr id="9" name="Ovál 8">
+            <a:extLst>
+              <a:ext uri="{FF2B5EF4-FFF2-40B4-BE49-F238E27FC236}">
+                <a16:creationId xmlns:a16="http://schemas.microsoft.com/office/drawing/2014/main" id="{4126D16A-C7FC-272F-6877-0F3B955ABBDB}"/>
+              </a:ext>
+            </a:extLst>
+          </p:cNvPr>
+          <p:cNvSpPr/>
+          <p:nvPr/>
+        </p:nvSpPr>
+        <p:spPr>
+          <a:xfrm>
+            <a:off x="3451986" y="993098"/>
+            <a:ext cx="1418882" cy="4871803"/>
+          </a:xfrm>
+          <a:prstGeom prst="ellipse">
+            <a:avLst/>
+          </a:prstGeom>
+          <a:solidFill>
+            <a:srgbClr val="3F3F3F"/>
+          </a:solidFill>
+          <a:ln>
+            <a:noFill/>
+          </a:ln>
+        </p:spPr>
+        <p:style>
+          <a:lnRef idx="2">
+            <a:schemeClr val="accent1">
+              <a:shade val="50000"/>
+            </a:schemeClr>
+          </a:lnRef>
+          <a:fillRef idx="1">
+            <a:schemeClr val="accent1"/>
+          </a:fillRef>
+          <a:effectRef idx="0">
+            <a:schemeClr val="accent1"/>
+          </a:effectRef>
+          <a:fontRef idx="minor">
+            <a:schemeClr val="lt1"/>
+          </a:fontRef>
+        </p:style>
+        <p:txBody>
+          <a:bodyPr rtlCol="0" anchor="ctr"/>
+          <a:lstStyle/>
+          <a:p>
+            <a:pPr algn="ctr"/>
+            <a:endParaRPr lang="cs-CZ" dirty="0">
+              <a:noFill/>
+            </a:endParaRPr>
+          </a:p>
+        </p:txBody>
+      </p:sp>
+      <mc:AlternateContent xmlns:mc="http://schemas.openxmlformats.org/markup-compatibility/2006">
+        <mc:Choice xmlns:am3d="http://schemas.microsoft.com/office/drawing/2017/model3d" Requires="am3d">
+          <p:graphicFrame>
+            <p:nvGraphicFramePr>
+              <p:cNvPr id="13" name="3D model 12" descr="HoloLens">
+                <a:extLst>
+                  <a:ext uri="{FF2B5EF4-FFF2-40B4-BE49-F238E27FC236}">
+                    <a16:creationId xmlns:a16="http://schemas.microsoft.com/office/drawing/2014/main" id="{0D67061A-0851-B30A-C902-9813931D3E3A}"/>
+                  </a:ext>
+                </a:extLst>
+              </p:cNvPr>
+              <p:cNvGraphicFramePr>
+                <a:graphicFrameLocks noChangeAspect="1"/>
+              </p:cNvGraphicFramePr>
+              <p:nvPr>
+                <p:extLst>
+                  <p:ext uri="{D42A27DB-BD31-4B8C-83A1-F6EECF244321}">
+                    <p14:modId xmlns:p14="http://schemas.microsoft.com/office/powerpoint/2010/main" val="1516831358"/>
+                  </p:ext>
+                </p:extLst>
+              </p:nvPr>
+            </p:nvGraphicFramePr>
+            <p:xfrm>
+              <a:off x="609407" y="1822557"/>
+              <a:ext cx="2480267" cy="3296041"/>
+            </p:xfrm>
+            <a:graphic>
+              <a:graphicData uri="http://schemas.microsoft.com/office/drawing/2017/model3d">
+                <am3d:model3d r:embed="rId2">
+                  <am3d:spPr>
+                    <a:xfrm>
+                      <a:off x="0" y="0"/>
+                      <a:ext cx="2480267" cy="3296041"/>
+                    </a:xfrm>
+                    <a:prstGeom prst="rect">
+                      <a:avLst/>
+                    </a:prstGeom>
+                  </am3d:spPr>
+                  <am3d:camera>
+                    <am3d:pos x="0" y="0" z="60618996"/>
+                    <am3d:up dx="0" dy="36000000" dz="0"/>
+                    <am3d:lookAt x="0" y="0" z="0"/>
+                    <am3d:perspective fov="2700000"/>
+                  </am3d:camera>
+                  <am3d:trans>
+                    <am3d:meterPerModelUnit n="3762251" d="1000000"/>
+                    <am3d:preTrans dx="0" dy="-5538550" dz="0"/>
+                    <am3d:scale>
+                      <am3d:sx n="1000000" d="1000000"/>
+                      <am3d:sy n="1000000" d="1000000"/>
+                      <am3d:sz n="1000000" d="1000000"/>
+                    </am3d:scale>
+                    <am3d:rot ax="5400000"/>
+                    <am3d:postTrans dx="0" dy="0" dz="0"/>
+                  </am3d:trans>
+                  <am3d:raster rName="Office3DRenderer" rVer="16.0.8326">
+                    <am3d:blip r:embed="rId3"/>
+                  </am3d:raster>
+                  <am3d:objViewport viewportSz="4177746"/>
+                  <am3d:ambientLight>
+                    <am3d:clr>
+                      <a:scrgbClr r="50000" g="50000" b="50000"/>
+                    </am3d:clr>
+                    <am3d:illuminance n="500000" d="1000000"/>
+                  </am3d:ambientLight>
+                  <am3d:ptLight rad="0">
+                    <am3d:clr>
+                      <a:scrgbClr r="100000" g="75000" b="50000"/>
+                    </am3d:clr>
+                    <am3d:intensity n="9765625" d="1000000"/>
+                    <am3d:pos x="21959998" y="70920001" z="16344003"/>
+                  </am3d:ptLight>
+                  <am3d:ptLight rad="0">
+                    <am3d:clr>
+                      <a:scrgbClr r="40000" g="60000" b="95000"/>
+                    </am3d:clr>
+                    <am3d:intensity n="12250000" d="1000000"/>
+                    <am3d:pos x="-37964106" y="51130435" z="57631972"/>
+                  </am3d:ptLight>
+                  <am3d:ptLight rad="0">
+                    <am3d:clr>
+                      <a:scrgbClr r="86837" g="72700" b="100000"/>
+                    </am3d:clr>
+                    <am3d:intensity n="3125000" d="1000000"/>
+                    <am3d:pos x="-37739122" y="58056624" z="-34769649"/>
+                  </am3d:ptLight>
+                </am3d:model3d>
+              </a:graphicData>
+            </a:graphic>
+          </p:graphicFrame>
+        </mc:Choice>
+        <mc:Fallback>
+          <p:pic>
+            <p:nvPicPr>
+              <p:cNvPr id="13" name="3D model 12" descr="HoloLens">
+                <a:extLst>
+                  <a:ext uri="{FF2B5EF4-FFF2-40B4-BE49-F238E27FC236}">
+                    <a16:creationId xmlns:a16="http://schemas.microsoft.com/office/drawing/2014/main" id="{0D67061A-0851-B30A-C902-9813931D3E3A}"/>
+                  </a:ext>
+                </a:extLst>
+              </p:cNvPr>
+              <p:cNvPicPr>
+                <a:picLocks noGrp="1" noRot="1" noChangeAspect="1" noMove="1" noResize="1" noEditPoints="1" noAdjustHandles="1" noChangeArrowheads="1" noChangeShapeType="1" noCrop="1"/>
+              </p:cNvPicPr>
+              <p:nvPr/>
+            </p:nvPicPr>
+            <p:blipFill>
+              <a:blip r:embed="rId3"/>
+              <a:stretch>
+                <a:fillRect/>
+              </a:stretch>
+            </p:blipFill>
+            <p:spPr>
+              <a:xfrm>
+                <a:off x="609407" y="1822557"/>
+                <a:ext cx="2480267" cy="3296041"/>
+              </a:xfrm>
+              <a:prstGeom prst="rect">
+                <a:avLst/>
+              </a:prstGeom>
+            </p:spPr>
+          </p:pic>
+        </mc:Fallback>
+      </mc:AlternateContent>
     </p:spTree>
     <p:extLst>
       <p:ext uri="{BB962C8B-B14F-4D97-AF65-F5344CB8AC3E}">
@@ -4184,13 +4616,7797 @@
   <p:clrMapOvr>
     <a:overrideClrMapping bg1="dk1" tx1="lt1" bg2="dk2" tx2="lt2" accent1="accent1" accent2="accent2" accent3="accent3" accent4="accent4" accent5="accent5" accent6="accent6" hlink="hlink" folHlink="folHlink"/>
   </p:clrMapOvr>
-  <p:transition>
-    <p:cover dir="ru"/>
-  </p:transition>
+  <mc:AlternateContent xmlns:mc="http://schemas.openxmlformats.org/markup-compatibility/2006" xmlns:p14="http://schemas.microsoft.com/office/powerpoint/2010/main">
+    <mc:Choice Requires="p14">
+      <p:transition p14:dur="350" advClick="0">
+        <p:cover dir="ru"/>
+      </p:transition>
+    </mc:Choice>
+    <mc:Fallback xmlns="">
+      <p:transition advClick="0">
+        <p:cover dir="ru"/>
+      </p:transition>
+    </mc:Fallback>
+  </mc:AlternateContent>
+</p:sld>
+</file>
+
+<file path=ppt/slides/slide2.xml><?xml version="1.0" encoding="utf-8"?>
+<p:sld xmlns:a="http://schemas.openxmlformats.org/drawingml/2006/main" xmlns:r="http://schemas.openxmlformats.org/officeDocument/2006/relationships" xmlns:p="http://schemas.openxmlformats.org/presentationml/2006/main">
+  <p:cSld>
+    <p:bg>
+      <p:bgPr>
+        <a:solidFill>
+          <a:schemeClr val="bg1">
+            <a:tint val="95000"/>
+            <a:satMod val="170000"/>
+          </a:schemeClr>
+        </a:solidFill>
+        <a:effectLst/>
+      </p:bgPr>
+    </p:bg>
+    <p:spTree>
+      <p:nvGrpSpPr>
+        <p:cNvPr id="1" name=""/>
+        <p:cNvGrpSpPr/>
+        <p:nvPr/>
+      </p:nvGrpSpPr>
+      <p:grpSpPr>
+        <a:xfrm>
+          <a:off x="0" y="0"/>
+          <a:ext cx="0" cy="0"/>
+          <a:chOff x="0" y="0"/>
+          <a:chExt cx="0" cy="0"/>
+        </a:xfrm>
+      </p:grpSpPr>
+      <p:sp>
+        <p:nvSpPr>
+          <p:cNvPr id="23" name="Freeform 49">
+            <a:extLst>
+              <a:ext uri="{FF2B5EF4-FFF2-40B4-BE49-F238E27FC236}">
+                <a16:creationId xmlns:a16="http://schemas.microsoft.com/office/drawing/2014/main" id="{EF9B8DF2-C3F5-49A2-94D2-F7B65A0F1F15}"/>
+              </a:ext>
+              <a:ext uri="{C183D7F6-B498-43B3-948B-1728B52AA6E4}">
+                <adec:decorative xmlns:adec="http://schemas.microsoft.com/office/drawing/2017/decorative" val="1"/>
+              </a:ext>
+            </a:extLst>
+          </p:cNvPr>
+          <p:cNvSpPr>
+            <a:spLocks noGrp="1" noRot="1" noChangeAspect="1" noMove="1" noResize="1" noEditPoints="1" noAdjustHandles="1" noChangeArrowheads="1" noChangeShapeType="1" noTextEdit="1"/>
+          </p:cNvSpPr>
+          <p:nvPr>
+            <p:extLst>
+              <p:ext uri="{386F3935-93C4-4BCD-93E2-E3B085C9AB24}">
+                <p16:designElem xmlns:p16="http://schemas.microsoft.com/office/powerpoint/2015/main" val="1"/>
+              </p:ext>
+            </p:extLst>
+          </p:nvPr>
+        </p:nvSpPr>
+        <p:spPr>
+          <a:xfrm flipH="1">
+            <a:off x="6713914" y="581159"/>
+            <a:ext cx="5478085" cy="6276841"/>
+          </a:xfrm>
+          <a:custGeom>
+            <a:avLst/>
+            <a:gdLst>
+              <a:gd name="connsiteX0" fmla="*/ 2178155 w 5478085"/>
+              <a:gd name="connsiteY0" fmla="*/ 0 h 6276841"/>
+              <a:gd name="connsiteX1" fmla="*/ 5478085 w 5478085"/>
+              <a:gd name="connsiteY1" fmla="*/ 3299930 h 6276841"/>
+              <a:gd name="connsiteX2" fmla="*/ 3751098 w 5478085"/>
+              <a:gd name="connsiteY2" fmla="*/ 6201577 h 6276841"/>
+              <a:gd name="connsiteX3" fmla="*/ 3594858 w 5478085"/>
+              <a:gd name="connsiteY3" fmla="*/ 6276841 h 6276841"/>
+              <a:gd name="connsiteX4" fmla="*/ 761453 w 5478085"/>
+              <a:gd name="connsiteY4" fmla="*/ 6276841 h 6276841"/>
+              <a:gd name="connsiteX5" fmla="*/ 605213 w 5478085"/>
+              <a:gd name="connsiteY5" fmla="*/ 6201577 h 6276841"/>
+              <a:gd name="connsiteX6" fmla="*/ 79093 w 5478085"/>
+              <a:gd name="connsiteY6" fmla="*/ 5846317 h 6276841"/>
+              <a:gd name="connsiteX7" fmla="*/ 0 w 5478085"/>
+              <a:gd name="connsiteY7" fmla="*/ 5774432 h 6276841"/>
+              <a:gd name="connsiteX8" fmla="*/ 0 w 5478085"/>
+              <a:gd name="connsiteY8" fmla="*/ 825429 h 6276841"/>
+              <a:gd name="connsiteX9" fmla="*/ 79093 w 5478085"/>
+              <a:gd name="connsiteY9" fmla="*/ 753544 h 6276841"/>
+              <a:gd name="connsiteX10" fmla="*/ 2178155 w 5478085"/>
+              <a:gd name="connsiteY10" fmla="*/ 0 h 6276841"/>
+            </a:gdLst>
+            <a:ahLst/>
+            <a:cxnLst>
+              <a:cxn ang="0">
+                <a:pos x="connsiteX0" y="connsiteY0"/>
+              </a:cxn>
+              <a:cxn ang="0">
+                <a:pos x="connsiteX1" y="connsiteY1"/>
+              </a:cxn>
+              <a:cxn ang="0">
+                <a:pos x="connsiteX2" y="connsiteY2"/>
+              </a:cxn>
+              <a:cxn ang="0">
+                <a:pos x="connsiteX3" y="connsiteY3"/>
+              </a:cxn>
+              <a:cxn ang="0">
+                <a:pos x="connsiteX4" y="connsiteY4"/>
+              </a:cxn>
+              <a:cxn ang="0">
+                <a:pos x="connsiteX5" y="connsiteY5"/>
+              </a:cxn>
+              <a:cxn ang="0">
+                <a:pos x="connsiteX6" y="connsiteY6"/>
+              </a:cxn>
+              <a:cxn ang="0">
+                <a:pos x="connsiteX7" y="connsiteY7"/>
+              </a:cxn>
+              <a:cxn ang="0">
+                <a:pos x="connsiteX8" y="connsiteY8"/>
+              </a:cxn>
+              <a:cxn ang="0">
+                <a:pos x="connsiteX9" y="connsiteY9"/>
+              </a:cxn>
+              <a:cxn ang="0">
+                <a:pos x="connsiteX10" y="connsiteY10"/>
+              </a:cxn>
+            </a:cxnLst>
+            <a:rect l="l" t="t" r="r" b="b"/>
+            <a:pathLst>
+              <a:path w="5478085" h="6276841">
+                <a:moveTo>
+                  <a:pt x="2178155" y="0"/>
+                </a:moveTo>
+                <a:cubicBezTo>
+                  <a:pt x="4000656" y="0"/>
+                  <a:pt x="5478085" y="1477429"/>
+                  <a:pt x="5478085" y="3299930"/>
+                </a:cubicBezTo>
+                <a:cubicBezTo>
+                  <a:pt x="5478085" y="4552900"/>
+                  <a:pt x="4779769" y="5642769"/>
+                  <a:pt x="3751098" y="6201577"/>
+                </a:cubicBezTo>
+                <a:lnTo>
+                  <a:pt x="3594858" y="6276841"/>
+                </a:lnTo>
+                <a:lnTo>
+                  <a:pt x="761453" y="6276841"/>
+                </a:lnTo>
+                <a:lnTo>
+                  <a:pt x="605213" y="6201577"/>
+                </a:lnTo>
+                <a:cubicBezTo>
+                  <a:pt x="418182" y="6099975"/>
+                  <a:pt x="242071" y="5980818"/>
+                  <a:pt x="79093" y="5846317"/>
+                </a:cubicBezTo>
+                <a:lnTo>
+                  <a:pt x="0" y="5774432"/>
+                </a:lnTo>
+                <a:lnTo>
+                  <a:pt x="0" y="825429"/>
+                </a:lnTo>
+                <a:lnTo>
+                  <a:pt x="79093" y="753544"/>
+                </a:lnTo>
+                <a:cubicBezTo>
+                  <a:pt x="649516" y="282789"/>
+                  <a:pt x="1380811" y="0"/>
+                  <a:pt x="2178155" y="0"/>
+                </a:cubicBezTo>
+                <a:close/>
+              </a:path>
+            </a:pathLst>
+          </a:custGeom>
+          <a:solidFill>
+            <a:srgbClr val="FFFFFF">
+              <a:alpha val="80000"/>
+            </a:srgbClr>
+          </a:solidFill>
+          <a:ln w="31750">
+            <a:noFill/>
+          </a:ln>
+        </p:spPr>
+        <p:style>
+          <a:lnRef idx="2">
+            <a:schemeClr val="accent1">
+              <a:shade val="50000"/>
+            </a:schemeClr>
+          </a:lnRef>
+          <a:fillRef idx="1">
+            <a:schemeClr val="accent1"/>
+          </a:fillRef>
+          <a:effectRef idx="0">
+            <a:schemeClr val="accent1"/>
+          </a:effectRef>
+          <a:fontRef idx="minor">
+            <a:schemeClr val="lt1"/>
+          </a:fontRef>
+        </p:style>
+        <p:txBody>
+          <a:bodyPr wrap="square" rtlCol="0" anchor="ctr">
+            <a:noAutofit/>
+          </a:bodyPr>
+          <a:lstStyle/>
+          <a:p>
+            <a:pPr marL="0" marR="0" lvl="0" indent="0" algn="ctr" defTabSz="914400" rtl="0" eaLnBrk="1" fontAlgn="auto" latinLnBrk="0" hangingPunct="1">
+              <a:lnSpc>
+                <a:spcPct val="100000"/>
+              </a:lnSpc>
+              <a:spcBef>
+                <a:spcPts val="0"/>
+              </a:spcBef>
+              <a:spcAft>
+                <a:spcPts val="0"/>
+              </a:spcAft>
+              <a:buClrTx/>
+              <a:buSzTx/>
+              <a:buFontTx/>
+              <a:buNone/>
+              <a:tabLst/>
+              <a:defRPr/>
+            </a:pPr>
+            <a:endParaRPr kumimoji="0" lang="en-US" sz="1800" b="0" i="0" u="none" strike="noStrike" kern="1200" cap="none" spc="0" normalizeH="0" baseline="0" noProof="0">
+              <a:ln>
+                <a:noFill/>
+              </a:ln>
+              <a:solidFill>
+                <a:prstClr val="white"/>
+              </a:solidFill>
+              <a:effectLst/>
+              <a:uLnTx/>
+              <a:uFillTx/>
+              <a:latin typeface="Calibri" panose="020F0502020204030204"/>
+              <a:ea typeface="+mn-ea"/>
+              <a:cs typeface="+mn-cs"/>
+            </a:endParaRPr>
+          </a:p>
+        </p:txBody>
+      </p:sp>
+      <p:sp>
+        <p:nvSpPr>
+          <p:cNvPr id="24" name="Freeform: Shape 20">
+            <a:extLst>
+              <a:ext uri="{FF2B5EF4-FFF2-40B4-BE49-F238E27FC236}">
+                <a16:creationId xmlns:a16="http://schemas.microsoft.com/office/drawing/2014/main" id="{4330B6AC-E6AB-45E4-A303-C8DE90EB2AAC}"/>
+              </a:ext>
+              <a:ext uri="{C183D7F6-B498-43B3-948B-1728B52AA6E4}">
+                <adec:decorative xmlns:adec="http://schemas.microsoft.com/office/drawing/2017/decorative" val="1"/>
+              </a:ext>
+            </a:extLst>
+          </p:cNvPr>
+          <p:cNvSpPr>
+            <a:spLocks noGrp="1" noRot="1" noChangeAspect="1" noMove="1" noResize="1" noEditPoints="1" noAdjustHandles="1" noChangeArrowheads="1" noChangeShapeType="1" noTextEdit="1"/>
+          </p:cNvSpPr>
+          <p:nvPr>
+            <p:extLst>
+              <p:ext uri="{386F3935-93C4-4BCD-93E2-E3B085C9AB24}">
+                <p16:designElem xmlns:p16="http://schemas.microsoft.com/office/powerpoint/2015/main" val="1"/>
+              </p:ext>
+            </p:extLst>
+          </p:nvPr>
+        </p:nvSpPr>
+        <p:spPr>
+          <a:xfrm>
+            <a:off x="6893318" y="760562"/>
+            <a:ext cx="5298683" cy="6097438"/>
+          </a:xfrm>
+          <a:custGeom>
+            <a:avLst/>
+            <a:gdLst>
+              <a:gd name="connsiteX0" fmla="*/ 3120528 w 5298683"/>
+              <a:gd name="connsiteY0" fmla="*/ 0 h 6097438"/>
+              <a:gd name="connsiteX1" fmla="*/ 5105473 w 5298683"/>
+              <a:gd name="connsiteY1" fmla="*/ 712577 h 6097438"/>
+              <a:gd name="connsiteX2" fmla="*/ 5298683 w 5298683"/>
+              <a:gd name="connsiteY2" fmla="*/ 888178 h 6097438"/>
+              <a:gd name="connsiteX3" fmla="*/ 5298683 w 5298683"/>
+              <a:gd name="connsiteY3" fmla="*/ 5352876 h 6097438"/>
+              <a:gd name="connsiteX4" fmla="*/ 5105473 w 5298683"/>
+              <a:gd name="connsiteY4" fmla="*/ 5528477 h 6097438"/>
+              <a:gd name="connsiteX5" fmla="*/ 4335177 w 5298683"/>
+              <a:gd name="connsiteY5" fmla="*/ 5995828 h 6097438"/>
+              <a:gd name="connsiteX6" fmla="*/ 4057556 w 5298683"/>
+              <a:gd name="connsiteY6" fmla="*/ 6097438 h 6097438"/>
+              <a:gd name="connsiteX7" fmla="*/ 2183499 w 5298683"/>
+              <a:gd name="connsiteY7" fmla="*/ 6097438 h 6097438"/>
+              <a:gd name="connsiteX8" fmla="*/ 1905878 w 5298683"/>
+              <a:gd name="connsiteY8" fmla="*/ 5995828 h 6097438"/>
+              <a:gd name="connsiteX9" fmla="*/ 0 w 5298683"/>
+              <a:gd name="connsiteY9" fmla="*/ 3120527 h 6097438"/>
+              <a:gd name="connsiteX10" fmla="*/ 3120528 w 5298683"/>
+              <a:gd name="connsiteY10" fmla="*/ 0 h 6097438"/>
+            </a:gdLst>
+            <a:ahLst/>
+            <a:cxnLst>
+              <a:cxn ang="0">
+                <a:pos x="connsiteX0" y="connsiteY0"/>
+              </a:cxn>
+              <a:cxn ang="0">
+                <a:pos x="connsiteX1" y="connsiteY1"/>
+              </a:cxn>
+              <a:cxn ang="0">
+                <a:pos x="connsiteX2" y="connsiteY2"/>
+              </a:cxn>
+              <a:cxn ang="0">
+                <a:pos x="connsiteX3" y="connsiteY3"/>
+              </a:cxn>
+              <a:cxn ang="0">
+                <a:pos x="connsiteX4" y="connsiteY4"/>
+              </a:cxn>
+              <a:cxn ang="0">
+                <a:pos x="connsiteX5" y="connsiteY5"/>
+              </a:cxn>
+              <a:cxn ang="0">
+                <a:pos x="connsiteX6" y="connsiteY6"/>
+              </a:cxn>
+              <a:cxn ang="0">
+                <a:pos x="connsiteX7" y="connsiteY7"/>
+              </a:cxn>
+              <a:cxn ang="0">
+                <a:pos x="connsiteX8" y="connsiteY8"/>
+              </a:cxn>
+              <a:cxn ang="0">
+                <a:pos x="connsiteX9" y="connsiteY9"/>
+              </a:cxn>
+              <a:cxn ang="0">
+                <a:pos x="connsiteX10" y="connsiteY10"/>
+              </a:cxn>
+            </a:cxnLst>
+            <a:rect l="l" t="t" r="r" b="b"/>
+            <a:pathLst>
+              <a:path w="5298683" h="6097438">
+                <a:moveTo>
+                  <a:pt x="3120528" y="0"/>
+                </a:moveTo>
+                <a:cubicBezTo>
+                  <a:pt x="3874524" y="0"/>
+                  <a:pt x="4566062" y="267415"/>
+                  <a:pt x="5105473" y="712577"/>
+                </a:cubicBezTo>
+                <a:lnTo>
+                  <a:pt x="5298683" y="888178"/>
+                </a:lnTo>
+                <a:lnTo>
+                  <a:pt x="5298683" y="5352876"/>
+                </a:lnTo>
+                <a:lnTo>
+                  <a:pt x="5105473" y="5528477"/>
+                </a:lnTo>
+                <a:cubicBezTo>
+                  <a:pt x="4874296" y="5719261"/>
+                  <a:pt x="4615179" y="5877397"/>
+                  <a:pt x="4335177" y="5995828"/>
+                </a:cubicBezTo>
+                <a:lnTo>
+                  <a:pt x="4057556" y="6097438"/>
+                </a:lnTo>
+                <a:lnTo>
+                  <a:pt x="2183499" y="6097438"/>
+                </a:lnTo>
+                <a:lnTo>
+                  <a:pt x="1905878" y="5995828"/>
+                </a:lnTo>
+                <a:cubicBezTo>
+                  <a:pt x="785873" y="5522106"/>
+                  <a:pt x="0" y="4413092"/>
+                  <a:pt x="0" y="3120527"/>
+                </a:cubicBezTo>
+                <a:cubicBezTo>
+                  <a:pt x="0" y="1397108"/>
+                  <a:pt x="1397108" y="0"/>
+                  <a:pt x="3120528" y="0"/>
+                </a:cubicBezTo>
+                <a:close/>
+              </a:path>
+            </a:pathLst>
+          </a:custGeom>
+          <a:solidFill>
+            <a:schemeClr val="tx1"/>
+          </a:solidFill>
+          <a:ln>
+            <a:noFill/>
+          </a:ln>
+        </p:spPr>
+        <p:style>
+          <a:lnRef idx="2">
+            <a:schemeClr val="accent1">
+              <a:shade val="50000"/>
+            </a:schemeClr>
+          </a:lnRef>
+          <a:fillRef idx="1">
+            <a:schemeClr val="accent1"/>
+          </a:fillRef>
+          <a:effectRef idx="0">
+            <a:schemeClr val="accent1"/>
+          </a:effectRef>
+          <a:fontRef idx="minor">
+            <a:schemeClr val="lt1"/>
+          </a:fontRef>
+        </p:style>
+        <p:txBody>
+          <a:bodyPr rtlCol="0" anchor="ctr"/>
+          <a:lstStyle/>
+          <a:p>
+            <a:pPr marL="0" marR="0" lvl="0" indent="0" algn="ctr" defTabSz="914400" rtl="0" eaLnBrk="1" fontAlgn="auto" latinLnBrk="0" hangingPunct="1">
+              <a:lnSpc>
+                <a:spcPct val="100000"/>
+              </a:lnSpc>
+              <a:spcBef>
+                <a:spcPts val="0"/>
+              </a:spcBef>
+              <a:spcAft>
+                <a:spcPts val="0"/>
+              </a:spcAft>
+              <a:buClrTx/>
+              <a:buSzTx/>
+              <a:buFontTx/>
+              <a:buNone/>
+              <a:tabLst/>
+              <a:defRPr/>
+            </a:pPr>
+            <a:endParaRPr kumimoji="0" lang="en-US" sz="1800" b="0" i="0" u="none" strike="noStrike" kern="1200" cap="none" spc="0" normalizeH="0" baseline="0" noProof="0">
+              <a:ln>
+                <a:noFill/>
+              </a:ln>
+              <a:solidFill>
+                <a:prstClr val="white"/>
+              </a:solidFill>
+              <a:effectLst/>
+              <a:uLnTx/>
+              <a:uFillTx/>
+              <a:latin typeface="Calibri" panose="020F0502020204030204"/>
+              <a:ea typeface="+mn-ea"/>
+              <a:cs typeface="+mn-cs"/>
+            </a:endParaRPr>
+          </a:p>
+        </p:txBody>
+      </p:sp>
+      <p:pic>
+        <p:nvPicPr>
+          <p:cNvPr id="25" name="Graphic 15" descr="Dům">
+            <a:extLst>
+              <a:ext uri="{FF2B5EF4-FFF2-40B4-BE49-F238E27FC236}">
+                <a16:creationId xmlns:a16="http://schemas.microsoft.com/office/drawing/2014/main" id="{F6192561-6715-5F1D-8F4F-B23497A94C3C}"/>
+              </a:ext>
+            </a:extLst>
+          </p:cNvPr>
+          <p:cNvPicPr>
+            <a:picLocks noChangeAspect="1"/>
+          </p:cNvPicPr>
+          <p:nvPr/>
+        </p:nvPicPr>
+        <p:blipFill>
+          <a:blip r:embed="rId2">
+            <a:extLst>
+              <a:ext uri="{28A0092B-C50C-407E-A947-70E740481C1C}">
+                <a14:useLocalDpi xmlns:a14="http://schemas.microsoft.com/office/drawing/2010/main" val="0"/>
+              </a:ext>
+              <a:ext uri="{96DAC541-7B7A-43D3-8B79-37D633B846F1}">
+                <asvg:svgBlip xmlns:asvg="http://schemas.microsoft.com/office/drawing/2016/SVG/main" r:embed="rId3"/>
+              </a:ext>
+            </a:extLst>
+          </a:blip>
+          <a:stretch>
+            <a:fillRect/>
+          </a:stretch>
+        </p:blipFill>
+        <p:spPr>
+          <a:xfrm>
+            <a:off x="7924800" y="1957050"/>
+            <a:ext cx="3945463" cy="3945463"/>
+          </a:xfrm>
+          <a:prstGeom prst="rect">
+            <a:avLst/>
+          </a:prstGeom>
+        </p:spPr>
+      </p:pic>
+      <p:sp>
+        <p:nvSpPr>
+          <p:cNvPr id="2" name="TextovéPole 1">
+            <a:extLst>
+              <a:ext uri="{FF2B5EF4-FFF2-40B4-BE49-F238E27FC236}">
+                <a16:creationId xmlns:a16="http://schemas.microsoft.com/office/drawing/2014/main" id="{6C482F3C-EC65-2DB0-29B1-2BA899A40129}"/>
+              </a:ext>
+            </a:extLst>
+          </p:cNvPr>
+          <p:cNvSpPr txBox="1"/>
+          <p:nvPr/>
+        </p:nvSpPr>
+        <p:spPr>
+          <a:xfrm>
+            <a:off x="6096000" y="1399032"/>
+            <a:ext cx="5501834" cy="4471416"/>
+          </a:xfrm>
+          <a:prstGeom prst="rect">
+            <a:avLst/>
+          </a:prstGeom>
+        </p:spPr>
+        <p:txBody>
+          <a:bodyPr vert="horz" lIns="91440" tIns="45720" rIns="91440" bIns="45720" rtlCol="0" anchor="ctr">
+            <a:normAutofit/>
+          </a:bodyPr>
+          <a:lstStyle/>
+          <a:p>
+            <a:pPr>
+              <a:lnSpc>
+                <a:spcPct val="90000"/>
+              </a:lnSpc>
+              <a:spcAft>
+                <a:spcPts val="600"/>
+              </a:spcAft>
+            </a:pPr>
+            <a:endParaRPr lang="en-US" sz="1500" dirty="0">
+              <a:solidFill>
+                <a:schemeClr val="bg1"/>
+              </a:solidFill>
+            </a:endParaRPr>
+          </a:p>
+        </p:txBody>
+      </p:sp>
+      <p:sp>
+        <p:nvSpPr>
+          <p:cNvPr id="3" name="TextovéPole 2">
+            <a:extLst>
+              <a:ext uri="{FF2B5EF4-FFF2-40B4-BE49-F238E27FC236}">
+                <a16:creationId xmlns:a16="http://schemas.microsoft.com/office/drawing/2014/main" id="{22E1D114-5FE7-176C-0C51-65D9B9D005DF}"/>
+              </a:ext>
+            </a:extLst>
+          </p:cNvPr>
+          <p:cNvSpPr txBox="1"/>
+          <p:nvPr/>
+        </p:nvSpPr>
+        <p:spPr>
+          <a:xfrm>
+            <a:off x="864497" y="690104"/>
+            <a:ext cx="9845093" cy="784830"/>
+          </a:xfrm>
+          <a:prstGeom prst="rect">
+            <a:avLst/>
+          </a:prstGeom>
+          <a:noFill/>
+        </p:spPr>
+        <p:txBody>
+          <a:bodyPr wrap="square" rtlCol="0">
+            <a:spAutoFit/>
+          </a:bodyPr>
+          <a:lstStyle/>
+          <a:p>
+            <a:r>
+              <a:rPr lang="cs-CZ" sz="4500" b="1" dirty="0">
+                <a:ln w="9525">
+                  <a:solidFill>
+                    <a:schemeClr val="bg1"/>
+                  </a:solidFill>
+                  <a:prstDash val="solid"/>
+                </a:ln>
+                <a:solidFill>
+                  <a:srgbClr val="49A9F9"/>
+                </a:solidFill>
+                <a:effectLst>
+                  <a:outerShdw blurRad="12700" dist="38100" dir="2700000" algn="tl" rotWithShape="0">
+                    <a:schemeClr val="bg1">
+                      <a:lumMod val="50000"/>
+                    </a:schemeClr>
+                  </a:outerShdw>
+                </a:effectLst>
+                <a:latin typeface="Franklin Gothic Demi Cond" panose="020B0706030402020204" pitchFamily="34" charset="0"/>
+              </a:rPr>
+              <a:t>Co</a:t>
+            </a:r>
+            <a:r>
+              <a:rPr lang="cs-CZ" sz="4500" b="1" dirty="0">
+                <a:solidFill>
+                  <a:srgbClr val="0168A7"/>
+                </a:solidFill>
+                <a:latin typeface="Franklin Gothic Demi Cond" panose="020B0706030402020204" pitchFamily="34" charset="0"/>
+              </a:rPr>
+              <a:t> </a:t>
+            </a:r>
+            <a:r>
+              <a:rPr lang="cs-CZ" sz="4500" b="1" dirty="0">
+                <a:ln w="9525">
+                  <a:solidFill>
+                    <a:schemeClr val="bg1"/>
+                  </a:solidFill>
+                  <a:prstDash val="solid"/>
+                </a:ln>
+                <a:solidFill>
+                  <a:srgbClr val="4FABFF"/>
+                </a:solidFill>
+                <a:effectLst>
+                  <a:outerShdw blurRad="12700" dist="38100" dir="2700000" algn="tl" rotWithShape="0">
+                    <a:schemeClr val="bg1">
+                      <a:lumMod val="50000"/>
+                    </a:schemeClr>
+                  </a:outerShdw>
+                </a:effectLst>
+                <a:latin typeface="Franklin Gothic Demi Cond" panose="020B0706030402020204" pitchFamily="34" charset="0"/>
+              </a:rPr>
+              <a:t>je to chytrá domácnost?</a:t>
+            </a:r>
+            <a:endParaRPr lang="cs-CZ" sz="4500" b="1" dirty="0">
+              <a:solidFill>
+                <a:srgbClr val="4FABFF"/>
+              </a:solidFill>
+              <a:latin typeface="Franklin Gothic Demi Cond" panose="020B0706030402020204" pitchFamily="34" charset="0"/>
+            </a:endParaRPr>
+          </a:p>
+        </p:txBody>
+      </p:sp>
+      <p:sp>
+        <p:nvSpPr>
+          <p:cNvPr id="6" name="TextovéPole 5">
+            <a:extLst>
+              <a:ext uri="{FF2B5EF4-FFF2-40B4-BE49-F238E27FC236}">
+                <a16:creationId xmlns:a16="http://schemas.microsoft.com/office/drawing/2014/main" id="{98E938CF-4DDD-128A-7043-1075EFABD22F}"/>
+              </a:ext>
+            </a:extLst>
+          </p:cNvPr>
+          <p:cNvSpPr txBox="1"/>
+          <p:nvPr/>
+        </p:nvSpPr>
+        <p:spPr>
+          <a:xfrm>
+            <a:off x="220550" y="2395418"/>
+            <a:ext cx="6519398" cy="2554545"/>
+          </a:xfrm>
+          <a:prstGeom prst="rect">
+            <a:avLst/>
+          </a:prstGeom>
+          <a:noFill/>
+        </p:spPr>
+        <p:txBody>
+          <a:bodyPr wrap="square" rtlCol="0">
+            <a:spAutoFit/>
+          </a:bodyPr>
+          <a:lstStyle/>
+          <a:p>
+            <a:r>
+              <a:rPr lang="cs-CZ" sz="3200" dirty="0">
+                <a:latin typeface="Franklin Gothic Demi Cond" panose="020B0706030402020204" pitchFamily="34" charset="0"/>
+              </a:rPr>
+              <a:t>Chytrá domácnost se zaměřuje na propojení elektronických zařízení po domácnosti pomocí internetu. </a:t>
+            </a:r>
+          </a:p>
+          <a:p>
+            <a:r>
+              <a:rPr lang="cs-CZ" sz="3200" dirty="0">
+                <a:latin typeface="Franklin Gothic Demi Cond" panose="020B0706030402020204" pitchFamily="34" charset="0"/>
+              </a:rPr>
+              <a:t>Umožňuje automatizaci a dálkový přístup k jejich kontrole.</a:t>
+            </a:r>
+          </a:p>
+        </p:txBody>
+      </p:sp>
+      <p:sp>
+        <p:nvSpPr>
+          <p:cNvPr id="5" name="Ovál 4">
+            <a:extLst>
+              <a:ext uri="{FF2B5EF4-FFF2-40B4-BE49-F238E27FC236}">
+                <a16:creationId xmlns:a16="http://schemas.microsoft.com/office/drawing/2014/main" id="{310BDC8C-F5CC-29ED-F275-9ABA7A548C59}"/>
+              </a:ext>
+            </a:extLst>
+          </p:cNvPr>
+          <p:cNvSpPr/>
+          <p:nvPr/>
+        </p:nvSpPr>
+        <p:spPr>
+          <a:xfrm>
+            <a:off x="22561241" y="3986292"/>
+            <a:ext cx="1104182" cy="1081924"/>
+          </a:xfrm>
+          <a:prstGeom prst="ellipse">
+            <a:avLst/>
+          </a:prstGeom>
+          <a:solidFill>
+            <a:srgbClr val="064C8C"/>
+          </a:solidFill>
+          <a:ln>
+            <a:noFill/>
+          </a:ln>
+        </p:spPr>
+        <p:style>
+          <a:lnRef idx="2">
+            <a:schemeClr val="accent1">
+              <a:shade val="50000"/>
+            </a:schemeClr>
+          </a:lnRef>
+          <a:fillRef idx="1">
+            <a:schemeClr val="accent1"/>
+          </a:fillRef>
+          <a:effectRef idx="0">
+            <a:schemeClr val="accent1"/>
+          </a:effectRef>
+          <a:fontRef idx="minor">
+            <a:schemeClr val="lt1"/>
+          </a:fontRef>
+        </p:style>
+        <p:txBody>
+          <a:bodyPr rtlCol="0" anchor="ctr"/>
+          <a:lstStyle/>
+          <a:p>
+            <a:pPr algn="ctr"/>
+            <a:endParaRPr lang="cs-CZ"/>
+          </a:p>
+        </p:txBody>
+      </p:sp>
+      <p:pic>
+        <p:nvPicPr>
+          <p:cNvPr id="7" name="Grafický objekt 6" descr="Zloděj obrys">
+            <a:extLst>
+              <a:ext uri="{FF2B5EF4-FFF2-40B4-BE49-F238E27FC236}">
+                <a16:creationId xmlns:a16="http://schemas.microsoft.com/office/drawing/2014/main" id="{884F345E-5EB8-A560-C889-BAA12F980AA4}"/>
+              </a:ext>
+            </a:extLst>
+          </p:cNvPr>
+          <p:cNvPicPr>
+            <a:picLocks noChangeAspect="1"/>
+          </p:cNvPicPr>
+          <p:nvPr/>
+        </p:nvPicPr>
+        <p:blipFill>
+          <a:blip r:embed="rId4">
+            <a:extLst>
+              <a:ext uri="{28A0092B-C50C-407E-A947-70E740481C1C}">
+                <a14:useLocalDpi xmlns:a14="http://schemas.microsoft.com/office/drawing/2010/main" val="0"/>
+              </a:ext>
+              <a:ext uri="{96DAC541-7B7A-43D3-8B79-37D633B846F1}">
+                <asvg:svgBlip xmlns:asvg="http://schemas.microsoft.com/office/drawing/2016/SVG/main" r:embed="rId5"/>
+              </a:ext>
+            </a:extLst>
+          </a:blip>
+          <a:stretch>
+            <a:fillRect/>
+          </a:stretch>
+        </p:blipFill>
+        <p:spPr>
+          <a:xfrm>
+            <a:off x="22622374" y="4082733"/>
+            <a:ext cx="931135" cy="931135"/>
+          </a:xfrm>
+          <a:prstGeom prst="rect">
+            <a:avLst/>
+          </a:prstGeom>
+        </p:spPr>
+      </p:pic>
+      <p:sp>
+        <p:nvSpPr>
+          <p:cNvPr id="8" name="Ovál 7">
+            <a:extLst>
+              <a:ext uri="{FF2B5EF4-FFF2-40B4-BE49-F238E27FC236}">
+                <a16:creationId xmlns:a16="http://schemas.microsoft.com/office/drawing/2014/main" id="{0BF9F604-8D88-7452-2F59-B58BD4CA2315}"/>
+              </a:ext>
+            </a:extLst>
+          </p:cNvPr>
+          <p:cNvSpPr/>
+          <p:nvPr/>
+        </p:nvSpPr>
+        <p:spPr>
+          <a:xfrm>
+            <a:off x="17401515" y="2245810"/>
+            <a:ext cx="1104182" cy="1081924"/>
+          </a:xfrm>
+          <a:prstGeom prst="ellipse">
+            <a:avLst/>
+          </a:prstGeom>
+          <a:solidFill>
+            <a:srgbClr val="064C8C"/>
+          </a:solidFill>
+          <a:ln>
+            <a:noFill/>
+          </a:ln>
+        </p:spPr>
+        <p:style>
+          <a:lnRef idx="2">
+            <a:schemeClr val="accent1">
+              <a:shade val="50000"/>
+            </a:schemeClr>
+          </a:lnRef>
+          <a:fillRef idx="1">
+            <a:schemeClr val="accent1"/>
+          </a:fillRef>
+          <a:effectRef idx="0">
+            <a:schemeClr val="accent1"/>
+          </a:effectRef>
+          <a:fontRef idx="minor">
+            <a:schemeClr val="lt1"/>
+          </a:fontRef>
+        </p:style>
+        <p:txBody>
+          <a:bodyPr rtlCol="0" anchor="ctr"/>
+          <a:lstStyle/>
+          <a:p>
+            <a:pPr algn="ctr"/>
+            <a:endParaRPr lang="cs-CZ"/>
+          </a:p>
+        </p:txBody>
+      </p:sp>
+      <p:pic>
+        <p:nvPicPr>
+          <p:cNvPr id="9" name="Grafický objekt 8" descr="Plná baterie se souvislou výplní">
+            <a:extLst>
+              <a:ext uri="{FF2B5EF4-FFF2-40B4-BE49-F238E27FC236}">
+                <a16:creationId xmlns:a16="http://schemas.microsoft.com/office/drawing/2014/main" id="{6B8A2555-85D7-40B9-46AC-A8AFB12D7311}"/>
+              </a:ext>
+            </a:extLst>
+          </p:cNvPr>
+          <p:cNvPicPr>
+            <a:picLocks noChangeAspect="1"/>
+          </p:cNvPicPr>
+          <p:nvPr/>
+        </p:nvPicPr>
+        <p:blipFill>
+          <a:blip r:embed="rId6">
+            <a:extLst>
+              <a:ext uri="{28A0092B-C50C-407E-A947-70E740481C1C}">
+                <a14:useLocalDpi xmlns:a14="http://schemas.microsoft.com/office/drawing/2010/main" val="0"/>
+              </a:ext>
+              <a:ext uri="{96DAC541-7B7A-43D3-8B79-37D633B846F1}">
+                <asvg:svgBlip xmlns:asvg="http://schemas.microsoft.com/office/drawing/2016/SVG/main" r:embed="rId7"/>
+              </a:ext>
+            </a:extLst>
+          </a:blip>
+          <a:stretch>
+            <a:fillRect/>
+          </a:stretch>
+        </p:blipFill>
+        <p:spPr>
+          <a:xfrm>
+            <a:off x="17511350" y="2329572"/>
+            <a:ext cx="914400" cy="914400"/>
+          </a:xfrm>
+          <a:prstGeom prst="rect">
+            <a:avLst/>
+          </a:prstGeom>
+        </p:spPr>
+      </p:pic>
+      <p:sp>
+        <p:nvSpPr>
+          <p:cNvPr id="10" name="Ovál 9">
+            <a:extLst>
+              <a:ext uri="{FF2B5EF4-FFF2-40B4-BE49-F238E27FC236}">
+                <a16:creationId xmlns:a16="http://schemas.microsoft.com/office/drawing/2014/main" id="{180CE890-1C3D-68B6-5E74-E4FB10AD34D5}"/>
+              </a:ext>
+            </a:extLst>
+          </p:cNvPr>
+          <p:cNvSpPr/>
+          <p:nvPr/>
+        </p:nvSpPr>
+        <p:spPr>
+          <a:xfrm>
+            <a:off x="27066623" y="5876752"/>
+            <a:ext cx="1104182" cy="1081924"/>
+          </a:xfrm>
+          <a:prstGeom prst="ellipse">
+            <a:avLst/>
+          </a:prstGeom>
+          <a:solidFill>
+            <a:srgbClr val="064C8C"/>
+          </a:solidFill>
+          <a:ln>
+            <a:noFill/>
+          </a:ln>
+        </p:spPr>
+        <p:style>
+          <a:lnRef idx="2">
+            <a:schemeClr val="accent1">
+              <a:shade val="50000"/>
+            </a:schemeClr>
+          </a:lnRef>
+          <a:fillRef idx="1">
+            <a:schemeClr val="accent1"/>
+          </a:fillRef>
+          <a:effectRef idx="0">
+            <a:schemeClr val="accent1"/>
+          </a:effectRef>
+          <a:fontRef idx="minor">
+            <a:schemeClr val="lt1"/>
+          </a:fontRef>
+        </p:style>
+        <p:txBody>
+          <a:bodyPr rtlCol="0" anchor="ctr"/>
+          <a:lstStyle/>
+          <a:p>
+            <a:pPr algn="ctr"/>
+            <a:endParaRPr lang="cs-CZ"/>
+          </a:p>
+        </p:txBody>
+      </p:sp>
+      <p:pic>
+        <p:nvPicPr>
+          <p:cNvPr id="11" name="Grafický objekt 10" descr="Robotická ruka obrys">
+            <a:extLst>
+              <a:ext uri="{FF2B5EF4-FFF2-40B4-BE49-F238E27FC236}">
+                <a16:creationId xmlns:a16="http://schemas.microsoft.com/office/drawing/2014/main" id="{89446BC7-EB6E-A622-2141-F92FD9B8CC1D}"/>
+              </a:ext>
+            </a:extLst>
+          </p:cNvPr>
+          <p:cNvPicPr>
+            <a:picLocks noChangeAspect="1"/>
+          </p:cNvPicPr>
+          <p:nvPr/>
+        </p:nvPicPr>
+        <p:blipFill>
+          <a:blip r:embed="rId8">
+            <a:extLst>
+              <a:ext uri="{28A0092B-C50C-407E-A947-70E740481C1C}">
+                <a14:useLocalDpi xmlns:a14="http://schemas.microsoft.com/office/drawing/2010/main" val="0"/>
+              </a:ext>
+              <a:ext uri="{96DAC541-7B7A-43D3-8B79-37D633B846F1}">
+                <asvg:svgBlip xmlns:asvg="http://schemas.microsoft.com/office/drawing/2016/SVG/main" r:embed="rId9"/>
+              </a:ext>
+            </a:extLst>
+          </a:blip>
+          <a:stretch>
+            <a:fillRect/>
+          </a:stretch>
+        </p:blipFill>
+        <p:spPr>
+          <a:xfrm>
+            <a:off x="27232158" y="5943243"/>
+            <a:ext cx="914400" cy="914400"/>
+          </a:xfrm>
+          <a:prstGeom prst="rect">
+            <a:avLst/>
+          </a:prstGeom>
+        </p:spPr>
+      </p:pic>
+      <p:sp>
+        <p:nvSpPr>
+          <p:cNvPr id="12" name="Obdélník: se zakulacenými rohy 11">
+            <a:extLst>
+              <a:ext uri="{FF2B5EF4-FFF2-40B4-BE49-F238E27FC236}">
+                <a16:creationId xmlns:a16="http://schemas.microsoft.com/office/drawing/2014/main" id="{9357D0B0-6F2C-49BA-D837-540FB3883261}"/>
+              </a:ext>
+            </a:extLst>
+          </p:cNvPr>
+          <p:cNvSpPr/>
+          <p:nvPr/>
+        </p:nvSpPr>
+        <p:spPr>
+          <a:xfrm>
+            <a:off x="14647491" y="489670"/>
+            <a:ext cx="2581812" cy="998163"/>
+          </a:xfrm>
+          <a:prstGeom prst="roundRect">
+            <a:avLst>
+              <a:gd name="adj" fmla="val 26794"/>
+            </a:avLst>
+          </a:prstGeom>
+          <a:solidFill>
+            <a:srgbClr val="064C8C"/>
+          </a:solidFill>
+          <a:ln>
+            <a:noFill/>
+          </a:ln>
+        </p:spPr>
+        <p:style>
+          <a:lnRef idx="2">
+            <a:schemeClr val="accent1">
+              <a:shade val="50000"/>
+            </a:schemeClr>
+          </a:lnRef>
+          <a:fillRef idx="1">
+            <a:schemeClr val="accent1"/>
+          </a:fillRef>
+          <a:effectRef idx="0">
+            <a:schemeClr val="accent1"/>
+          </a:effectRef>
+          <a:fontRef idx="minor">
+            <a:schemeClr val="lt1"/>
+          </a:fontRef>
+        </p:style>
+        <p:txBody>
+          <a:bodyPr rtlCol="0" anchor="ctr"/>
+          <a:lstStyle/>
+          <a:p>
+            <a:pPr algn="ctr"/>
+            <a:endParaRPr lang="cs-CZ"/>
+          </a:p>
+        </p:txBody>
+      </p:sp>
+      <p:sp>
+        <p:nvSpPr>
+          <p:cNvPr id="13" name="TextovéPole 12">
+            <a:extLst>
+              <a:ext uri="{FF2B5EF4-FFF2-40B4-BE49-F238E27FC236}">
+                <a16:creationId xmlns:a16="http://schemas.microsoft.com/office/drawing/2014/main" id="{CE88A99C-1E2C-D27F-572D-EE756144F713}"/>
+              </a:ext>
+            </a:extLst>
+          </p:cNvPr>
+          <p:cNvSpPr txBox="1"/>
+          <p:nvPr/>
+        </p:nvSpPr>
+        <p:spPr>
+          <a:xfrm>
+            <a:off x="14992233" y="558799"/>
+            <a:ext cx="3986621" cy="815608"/>
+          </a:xfrm>
+          <a:prstGeom prst="rect">
+            <a:avLst/>
+          </a:prstGeom>
+          <a:noFill/>
+        </p:spPr>
+        <p:txBody>
+          <a:bodyPr wrap="square" rtlCol="0">
+            <a:spAutoFit/>
+          </a:bodyPr>
+          <a:lstStyle/>
+          <a:p>
+            <a:r>
+              <a:rPr lang="cs-CZ" sz="4700" dirty="0">
+                <a:solidFill>
+                  <a:srgbClr val="FFFFFF"/>
+                </a:solidFill>
+                <a:latin typeface="Franklin Gothic Demi Cond" panose="020B0706030402020204" pitchFamily="34" charset="0"/>
+              </a:rPr>
+              <a:t>Pohodlí</a:t>
+            </a:r>
+          </a:p>
+        </p:txBody>
+      </p:sp>
+      <p:sp>
+        <p:nvSpPr>
+          <p:cNvPr id="14" name="Obdélník: se zakulacenými rohy 13">
+            <a:extLst>
+              <a:ext uri="{FF2B5EF4-FFF2-40B4-BE49-F238E27FC236}">
+                <a16:creationId xmlns:a16="http://schemas.microsoft.com/office/drawing/2014/main" id="{E6EE23C5-F33B-2CE5-AF0C-B6AB833FDCD3}"/>
+              </a:ext>
+            </a:extLst>
+          </p:cNvPr>
+          <p:cNvSpPr/>
+          <p:nvPr/>
+        </p:nvSpPr>
+        <p:spPr>
+          <a:xfrm>
+            <a:off x="18978854" y="2252112"/>
+            <a:ext cx="3557427" cy="998163"/>
+          </a:xfrm>
+          <a:prstGeom prst="roundRect">
+            <a:avLst>
+              <a:gd name="adj" fmla="val 26794"/>
+            </a:avLst>
+          </a:prstGeom>
+          <a:solidFill>
+            <a:srgbClr val="064C8C"/>
+          </a:solidFill>
+          <a:ln>
+            <a:noFill/>
+          </a:ln>
+        </p:spPr>
+        <p:style>
+          <a:lnRef idx="2">
+            <a:schemeClr val="accent1">
+              <a:shade val="50000"/>
+            </a:schemeClr>
+          </a:lnRef>
+          <a:fillRef idx="1">
+            <a:schemeClr val="accent1"/>
+          </a:fillRef>
+          <a:effectRef idx="0">
+            <a:schemeClr val="accent1"/>
+          </a:effectRef>
+          <a:fontRef idx="minor">
+            <a:schemeClr val="lt1"/>
+          </a:fontRef>
+        </p:style>
+        <p:txBody>
+          <a:bodyPr rtlCol="0" anchor="ctr"/>
+          <a:lstStyle/>
+          <a:p>
+            <a:pPr algn="ctr"/>
+            <a:endParaRPr lang="cs-CZ"/>
+          </a:p>
+        </p:txBody>
+      </p:sp>
+      <p:sp>
+        <p:nvSpPr>
+          <p:cNvPr id="15" name="TextovéPole 14">
+            <a:extLst>
+              <a:ext uri="{FF2B5EF4-FFF2-40B4-BE49-F238E27FC236}">
+                <a16:creationId xmlns:a16="http://schemas.microsoft.com/office/drawing/2014/main" id="{8891F905-97DC-2082-B007-55592CE72B86}"/>
+              </a:ext>
+            </a:extLst>
+          </p:cNvPr>
+          <p:cNvSpPr txBox="1"/>
+          <p:nvPr/>
+        </p:nvSpPr>
+        <p:spPr>
+          <a:xfrm>
+            <a:off x="19063448" y="2331803"/>
+            <a:ext cx="3986621" cy="1461939"/>
+          </a:xfrm>
+          <a:prstGeom prst="rect">
+            <a:avLst/>
+          </a:prstGeom>
+          <a:noFill/>
+        </p:spPr>
+        <p:txBody>
+          <a:bodyPr wrap="square" rtlCol="0">
+            <a:spAutoFit/>
+          </a:bodyPr>
+          <a:lstStyle/>
+          <a:p>
+            <a:r>
+              <a:rPr lang="cs-CZ" sz="4400" dirty="0">
+                <a:latin typeface="Franklin Gothic Demi Cond" panose="020B0706030402020204" pitchFamily="34" charset="0"/>
+              </a:rPr>
+              <a:t>Úspora energie</a:t>
+            </a:r>
+          </a:p>
+          <a:p>
+            <a:endParaRPr lang="cs-CZ" sz="4500" dirty="0">
+              <a:solidFill>
+                <a:srgbClr val="FFFFFF"/>
+              </a:solidFill>
+              <a:latin typeface="Franklin Gothic Demi Cond" panose="020B0706030402020204" pitchFamily="34" charset="0"/>
+            </a:endParaRPr>
+          </a:p>
+        </p:txBody>
+      </p:sp>
+      <p:sp>
+        <p:nvSpPr>
+          <p:cNvPr id="16" name="Obdélník: se zakulacenými rohy 15">
+            <a:extLst>
+              <a:ext uri="{FF2B5EF4-FFF2-40B4-BE49-F238E27FC236}">
+                <a16:creationId xmlns:a16="http://schemas.microsoft.com/office/drawing/2014/main" id="{317B9C17-AB1A-0FD3-FF5F-0DE306914936}"/>
+              </a:ext>
+            </a:extLst>
+          </p:cNvPr>
+          <p:cNvSpPr/>
+          <p:nvPr/>
+        </p:nvSpPr>
+        <p:spPr>
+          <a:xfrm>
+            <a:off x="24133621" y="3986292"/>
+            <a:ext cx="2933002" cy="1081924"/>
+          </a:xfrm>
+          <a:prstGeom prst="roundRect">
+            <a:avLst>
+              <a:gd name="adj" fmla="val 26794"/>
+            </a:avLst>
+          </a:prstGeom>
+          <a:solidFill>
+            <a:srgbClr val="064C8C"/>
+          </a:solidFill>
+          <a:ln>
+            <a:noFill/>
+          </a:ln>
+        </p:spPr>
+        <p:style>
+          <a:lnRef idx="2">
+            <a:schemeClr val="accent1">
+              <a:shade val="50000"/>
+            </a:schemeClr>
+          </a:lnRef>
+          <a:fillRef idx="1">
+            <a:schemeClr val="accent1"/>
+          </a:fillRef>
+          <a:effectRef idx="0">
+            <a:schemeClr val="accent1"/>
+          </a:effectRef>
+          <a:fontRef idx="minor">
+            <a:schemeClr val="lt1"/>
+          </a:fontRef>
+        </p:style>
+        <p:txBody>
+          <a:bodyPr rtlCol="0" anchor="ctr"/>
+          <a:lstStyle/>
+          <a:p>
+            <a:pPr algn="ctr"/>
+            <a:endParaRPr lang="cs-CZ"/>
+          </a:p>
+        </p:txBody>
+      </p:sp>
+      <p:sp>
+        <p:nvSpPr>
+          <p:cNvPr id="17" name="TextovéPole 16">
+            <a:extLst>
+              <a:ext uri="{FF2B5EF4-FFF2-40B4-BE49-F238E27FC236}">
+                <a16:creationId xmlns:a16="http://schemas.microsoft.com/office/drawing/2014/main" id="{9B726EA9-7DF4-2B92-F654-509C71BC5F95}"/>
+              </a:ext>
+            </a:extLst>
+          </p:cNvPr>
+          <p:cNvSpPr txBox="1"/>
+          <p:nvPr/>
+        </p:nvSpPr>
+        <p:spPr>
+          <a:xfrm>
+            <a:off x="24220949" y="4127980"/>
+            <a:ext cx="3789444" cy="800219"/>
+          </a:xfrm>
+          <a:prstGeom prst="rect">
+            <a:avLst/>
+          </a:prstGeom>
+          <a:noFill/>
+        </p:spPr>
+        <p:txBody>
+          <a:bodyPr wrap="square" rtlCol="0">
+            <a:spAutoFit/>
+          </a:bodyPr>
+          <a:lstStyle/>
+          <a:p>
+            <a:r>
+              <a:rPr lang="cs-CZ" sz="4600" dirty="0">
+                <a:latin typeface="Franklin Gothic Demi Cond" panose="020B0706030402020204" pitchFamily="34" charset="0"/>
+              </a:rPr>
+              <a:t>Bezpečnost</a:t>
+            </a:r>
+          </a:p>
+        </p:txBody>
+      </p:sp>
+      <p:sp>
+        <p:nvSpPr>
+          <p:cNvPr id="18" name="Obdélník: se zakulacenými rohy 17">
+            <a:extLst>
+              <a:ext uri="{FF2B5EF4-FFF2-40B4-BE49-F238E27FC236}">
+                <a16:creationId xmlns:a16="http://schemas.microsoft.com/office/drawing/2014/main" id="{2811B047-05B0-C76D-5A06-9E355E6D6FA9}"/>
+              </a:ext>
+            </a:extLst>
+          </p:cNvPr>
+          <p:cNvSpPr/>
+          <p:nvPr/>
+        </p:nvSpPr>
+        <p:spPr>
+          <a:xfrm>
+            <a:off x="28606978" y="5870448"/>
+            <a:ext cx="3479934" cy="1081924"/>
+          </a:xfrm>
+          <a:prstGeom prst="roundRect">
+            <a:avLst>
+              <a:gd name="adj" fmla="val 26794"/>
+            </a:avLst>
+          </a:prstGeom>
+          <a:solidFill>
+            <a:srgbClr val="064C8C"/>
+          </a:solidFill>
+          <a:ln>
+            <a:noFill/>
+          </a:ln>
+        </p:spPr>
+        <p:style>
+          <a:lnRef idx="2">
+            <a:schemeClr val="accent1">
+              <a:shade val="50000"/>
+            </a:schemeClr>
+          </a:lnRef>
+          <a:fillRef idx="1">
+            <a:schemeClr val="accent1"/>
+          </a:fillRef>
+          <a:effectRef idx="0">
+            <a:schemeClr val="accent1"/>
+          </a:effectRef>
+          <a:fontRef idx="minor">
+            <a:schemeClr val="lt1"/>
+          </a:fontRef>
+        </p:style>
+        <p:txBody>
+          <a:bodyPr rtlCol="0" anchor="ctr"/>
+          <a:lstStyle/>
+          <a:p>
+            <a:pPr algn="ctr"/>
+            <a:endParaRPr lang="cs-CZ"/>
+          </a:p>
+        </p:txBody>
+      </p:sp>
+      <p:sp>
+        <p:nvSpPr>
+          <p:cNvPr id="19" name="TextovéPole 18">
+            <a:extLst>
+              <a:ext uri="{FF2B5EF4-FFF2-40B4-BE49-F238E27FC236}">
+                <a16:creationId xmlns:a16="http://schemas.microsoft.com/office/drawing/2014/main" id="{CE05044D-1240-0EC1-1FF8-D00376634A79}"/>
+              </a:ext>
+            </a:extLst>
+          </p:cNvPr>
+          <p:cNvSpPr txBox="1"/>
+          <p:nvPr/>
+        </p:nvSpPr>
+        <p:spPr>
+          <a:xfrm>
+            <a:off x="28733050" y="5994260"/>
+            <a:ext cx="3789444" cy="800219"/>
+          </a:xfrm>
+          <a:prstGeom prst="rect">
+            <a:avLst/>
+          </a:prstGeom>
+          <a:noFill/>
+        </p:spPr>
+        <p:txBody>
+          <a:bodyPr wrap="square" rtlCol="0">
+            <a:spAutoFit/>
+          </a:bodyPr>
+          <a:lstStyle/>
+          <a:p>
+            <a:r>
+              <a:rPr lang="cs-CZ" sz="4600" dirty="0">
+                <a:latin typeface="Franklin Gothic Demi Cond" panose="020B0706030402020204" pitchFamily="34" charset="0"/>
+              </a:rPr>
+              <a:t>Automatizace</a:t>
+            </a:r>
+          </a:p>
+        </p:txBody>
+      </p:sp>
+      <p:sp>
+        <p:nvSpPr>
+          <p:cNvPr id="20" name="Ovál 19">
+            <a:extLst>
+              <a:ext uri="{FF2B5EF4-FFF2-40B4-BE49-F238E27FC236}">
+                <a16:creationId xmlns:a16="http://schemas.microsoft.com/office/drawing/2014/main" id="{59358023-D0F3-C07E-F822-AEF81D9B5065}"/>
+              </a:ext>
+            </a:extLst>
+          </p:cNvPr>
+          <p:cNvSpPr/>
+          <p:nvPr/>
+        </p:nvSpPr>
+        <p:spPr>
+          <a:xfrm>
+            <a:off x="13093794" y="421095"/>
+            <a:ext cx="1107230" cy="1097720"/>
+          </a:xfrm>
+          <a:prstGeom prst="ellipse">
+            <a:avLst/>
+          </a:prstGeom>
+          <a:solidFill>
+            <a:srgbClr val="064C8C"/>
+          </a:solidFill>
+          <a:ln>
+            <a:noFill/>
+          </a:ln>
+        </p:spPr>
+        <p:style>
+          <a:lnRef idx="2">
+            <a:schemeClr val="accent1">
+              <a:shade val="50000"/>
+            </a:schemeClr>
+          </a:lnRef>
+          <a:fillRef idx="1">
+            <a:schemeClr val="accent1"/>
+          </a:fillRef>
+          <a:effectRef idx="0">
+            <a:schemeClr val="accent1"/>
+          </a:effectRef>
+          <a:fontRef idx="minor">
+            <a:schemeClr val="lt1"/>
+          </a:fontRef>
+        </p:style>
+        <p:txBody>
+          <a:bodyPr rtlCol="0" anchor="ctr"/>
+          <a:lstStyle/>
+          <a:p>
+            <a:pPr algn="ctr"/>
+            <a:endParaRPr lang="cs-CZ"/>
+          </a:p>
+        </p:txBody>
+      </p:sp>
+      <p:pic>
+        <p:nvPicPr>
+          <p:cNvPr id="21" name="Grafický objekt 20" descr="Spánek obrys">
+            <a:extLst>
+              <a:ext uri="{FF2B5EF4-FFF2-40B4-BE49-F238E27FC236}">
+                <a16:creationId xmlns:a16="http://schemas.microsoft.com/office/drawing/2014/main" id="{124E0BA9-0AC3-F523-C596-AFB00ACCD68A}"/>
+              </a:ext>
+            </a:extLst>
+          </p:cNvPr>
+          <p:cNvPicPr>
+            <a:picLocks noChangeAspect="1"/>
+          </p:cNvPicPr>
+          <p:nvPr/>
+        </p:nvPicPr>
+        <p:blipFill>
+          <a:blip r:embed="rId10">
+            <a:extLst>
+              <a:ext uri="{28A0092B-C50C-407E-A947-70E740481C1C}">
+                <a14:useLocalDpi xmlns:a14="http://schemas.microsoft.com/office/drawing/2010/main" val="0"/>
+              </a:ext>
+              <a:ext uri="{96DAC541-7B7A-43D3-8B79-37D633B846F1}">
+                <asvg:svgBlip xmlns:asvg="http://schemas.microsoft.com/office/drawing/2016/SVG/main" r:embed="rId11"/>
+              </a:ext>
+            </a:extLst>
+          </a:blip>
+          <a:stretch>
+            <a:fillRect/>
+          </a:stretch>
+        </p:blipFill>
+        <p:spPr>
+          <a:xfrm>
+            <a:off x="13210957" y="484845"/>
+            <a:ext cx="914400" cy="914400"/>
+          </a:xfrm>
+          <a:prstGeom prst="rect">
+            <a:avLst/>
+          </a:prstGeom>
+        </p:spPr>
+      </p:pic>
+    </p:spTree>
+    <p:extLst>
+      <p:ext uri="{BB962C8B-B14F-4D97-AF65-F5344CB8AC3E}">
+        <p14:creationId xmlns:p14="http://schemas.microsoft.com/office/powerpoint/2010/main" val="3433648730"/>
+      </p:ext>
+    </p:extLst>
+  </p:cSld>
+  <p:clrMapOvr>
+    <a:overrideClrMapping bg1="dk1" tx1="lt1" bg2="dk2" tx2="lt2" accent1="accent1" accent2="accent2" accent3="accent3" accent4="accent4" accent5="accent5" accent6="accent6" hlink="hlink" folHlink="folHlink"/>
+  </p:clrMapOvr>
+  <mc:AlternateContent xmlns:mc="http://schemas.openxmlformats.org/markup-compatibility/2006" xmlns:p14="http://schemas.microsoft.com/office/powerpoint/2010/main">
+    <mc:Choice Requires="p14">
+      <p:transition p14:dur="350" advClick="0">
+        <p:cover dir="ru"/>
+      </p:transition>
+    </mc:Choice>
+    <mc:Fallback xmlns="">
+      <p:transition advClick="0">
+        <p:cover dir="ru"/>
+      </p:transition>
+    </mc:Fallback>
+  </mc:AlternateContent>
 </p:sld>
 </file>
 
 <file path=ppt/slides/slide3.xml><?xml version="1.0" encoding="utf-8"?>
+<p:sld xmlns:a="http://schemas.openxmlformats.org/drawingml/2006/main" xmlns:r="http://schemas.openxmlformats.org/officeDocument/2006/relationships" xmlns:p="http://schemas.openxmlformats.org/presentationml/2006/main">
+  <p:cSld>
+    <p:bg>
+      <p:bgPr>
+        <a:solidFill>
+          <a:schemeClr val="bg1">
+            <a:tint val="95000"/>
+            <a:satMod val="170000"/>
+          </a:schemeClr>
+        </a:solidFill>
+        <a:effectLst/>
+      </p:bgPr>
+    </p:bg>
+    <p:spTree>
+      <p:nvGrpSpPr>
+        <p:cNvPr id="1" name=""/>
+        <p:cNvGrpSpPr/>
+        <p:nvPr/>
+      </p:nvGrpSpPr>
+      <p:grpSpPr>
+        <a:xfrm>
+          <a:off x="0" y="0"/>
+          <a:ext cx="0" cy="0"/>
+          <a:chOff x="0" y="0"/>
+          <a:chExt cx="0" cy="0"/>
+        </a:xfrm>
+      </p:grpSpPr>
+      <p:sp>
+        <p:nvSpPr>
+          <p:cNvPr id="26" name="Freeform: Shape 6">
+            <a:extLst>
+              <a:ext uri="{FF2B5EF4-FFF2-40B4-BE49-F238E27FC236}">
+                <a16:creationId xmlns:a16="http://schemas.microsoft.com/office/drawing/2014/main" id="{5125A249-647E-856F-4379-DB48541AF871}"/>
+              </a:ext>
+              <a:ext uri="{C183D7F6-B498-43B3-948B-1728B52AA6E4}">
+                <adec:decorative xmlns:adec="http://schemas.microsoft.com/office/drawing/2017/decorative" val="1"/>
+              </a:ext>
+            </a:extLst>
+          </p:cNvPr>
+          <p:cNvSpPr>
+            <a:spLocks noChangeAspect="1"/>
+          </p:cNvSpPr>
+          <p:nvPr>
+            <p:extLst>
+              <p:ext uri="{386F3935-93C4-4BCD-93E2-E3B085C9AB24}">
+                <p16:designElem xmlns:p16="http://schemas.microsoft.com/office/powerpoint/2015/main" val="1"/>
+              </p:ext>
+            </p:extLst>
+          </p:nvPr>
+        </p:nvSpPr>
+        <p:spPr>
+          <a:xfrm>
+            <a:off x="5414682" y="0"/>
+            <a:ext cx="6777318" cy="6858000"/>
+          </a:xfrm>
+          <a:custGeom>
+            <a:avLst/>
+            <a:gdLst>
+              <a:gd name="connsiteX0" fmla="*/ 361354 w 7281316"/>
+              <a:gd name="connsiteY0" fmla="*/ 0 h 6858000"/>
+              <a:gd name="connsiteX1" fmla="*/ 7281316 w 7281316"/>
+              <a:gd name="connsiteY1" fmla="*/ 0 h 6858000"/>
+              <a:gd name="connsiteX2" fmla="*/ 7281316 w 7281316"/>
+              <a:gd name="connsiteY2" fmla="*/ 6858000 h 6858000"/>
+              <a:gd name="connsiteX3" fmla="*/ 696735 w 7281316"/>
+              <a:gd name="connsiteY3" fmla="*/ 6858000 h 6858000"/>
+              <a:gd name="connsiteX4" fmla="*/ 690849 w 7281316"/>
+              <a:gd name="connsiteY4" fmla="*/ 6842426 h 6858000"/>
+              <a:gd name="connsiteX5" fmla="*/ 335637 w 7281316"/>
+              <a:gd name="connsiteY5" fmla="*/ 94722 h 6858000"/>
+            </a:gdLst>
+            <a:ahLst/>
+            <a:cxnLst>
+              <a:cxn ang="0">
+                <a:pos x="connsiteX0" y="connsiteY0"/>
+              </a:cxn>
+              <a:cxn ang="0">
+                <a:pos x="connsiteX1" y="connsiteY1"/>
+              </a:cxn>
+              <a:cxn ang="0">
+                <a:pos x="connsiteX2" y="connsiteY2"/>
+              </a:cxn>
+              <a:cxn ang="0">
+                <a:pos x="connsiteX3" y="connsiteY3"/>
+              </a:cxn>
+              <a:cxn ang="0">
+                <a:pos x="connsiteX4" y="connsiteY4"/>
+              </a:cxn>
+              <a:cxn ang="0">
+                <a:pos x="connsiteX5" y="connsiteY5"/>
+              </a:cxn>
+            </a:cxnLst>
+            <a:rect l="l" t="t" r="r" b="b"/>
+            <a:pathLst>
+              <a:path w="7281316" h="6858000">
+                <a:moveTo>
+                  <a:pt x="361354" y="0"/>
+                </a:moveTo>
+                <a:lnTo>
+                  <a:pt x="7281316" y="0"/>
+                </a:lnTo>
+                <a:lnTo>
+                  <a:pt x="7281316" y="6858000"/>
+                </a:lnTo>
+                <a:lnTo>
+                  <a:pt x="696735" y="6858000"/>
+                </a:lnTo>
+                <a:lnTo>
+                  <a:pt x="690849" y="6842426"/>
+                </a:lnTo>
+                <a:cubicBezTo>
+                  <a:pt x="-65870" y="4704140"/>
+                  <a:pt x="-226206" y="2374054"/>
+                  <a:pt x="335637" y="94722"/>
+                </a:cubicBezTo>
+                <a:close/>
+              </a:path>
+            </a:pathLst>
+          </a:custGeom>
+          <a:solidFill>
+            <a:schemeClr val="accent1">
+              <a:lumMod val="40000"/>
+              <a:lumOff val="60000"/>
+              <a:alpha val="80000"/>
+            </a:schemeClr>
+          </a:solidFill>
+          <a:ln>
+            <a:noFill/>
+          </a:ln>
+        </p:spPr>
+        <p:style>
+          <a:lnRef idx="2">
+            <a:schemeClr val="accent1">
+              <a:shade val="50000"/>
+            </a:schemeClr>
+          </a:lnRef>
+          <a:fillRef idx="1">
+            <a:schemeClr val="accent1"/>
+          </a:fillRef>
+          <a:effectRef idx="0">
+            <a:schemeClr val="accent1"/>
+          </a:effectRef>
+          <a:fontRef idx="minor">
+            <a:schemeClr val="lt1"/>
+          </a:fontRef>
+        </p:style>
+        <p:txBody>
+          <a:bodyPr rtlCol="0" anchor="ctr"/>
+          <a:lstStyle/>
+          <a:p>
+            <a:pPr algn="ctr"/>
+            <a:endParaRPr lang="en-US"/>
+          </a:p>
+        </p:txBody>
+      </p:sp>
+      <p:sp>
+        <p:nvSpPr>
+          <p:cNvPr id="11" name="Freeform: Shape 6">
+            <a:extLst>
+              <a:ext uri="{FF2B5EF4-FFF2-40B4-BE49-F238E27FC236}">
+                <a16:creationId xmlns:a16="http://schemas.microsoft.com/office/drawing/2014/main" id="{DFF2AC85-FAA0-4844-813F-83C04D7382E2}"/>
+              </a:ext>
+              <a:ext uri="{C183D7F6-B498-43B3-948B-1728B52AA6E4}">
+                <adec:decorative xmlns:adec="http://schemas.microsoft.com/office/drawing/2017/decorative" val="1"/>
+              </a:ext>
+            </a:extLst>
+          </p:cNvPr>
+          <p:cNvSpPr>
+            <a:spLocks noChangeAspect="1"/>
+          </p:cNvSpPr>
+          <p:nvPr>
+            <p:extLst>
+              <p:ext uri="{386F3935-93C4-4BCD-93E2-E3B085C9AB24}">
+                <p16:designElem xmlns:p16="http://schemas.microsoft.com/office/powerpoint/2015/main" val="1"/>
+              </p:ext>
+            </p:extLst>
+          </p:nvPr>
+        </p:nvSpPr>
+        <p:spPr>
+          <a:xfrm>
+            <a:off x="5667475" y="0"/>
+            <a:ext cx="6521476" cy="6858000"/>
+          </a:xfrm>
+          <a:custGeom>
+            <a:avLst/>
+            <a:gdLst>
+              <a:gd name="connsiteX0" fmla="*/ 361354 w 7281316"/>
+              <a:gd name="connsiteY0" fmla="*/ 0 h 6858000"/>
+              <a:gd name="connsiteX1" fmla="*/ 7281316 w 7281316"/>
+              <a:gd name="connsiteY1" fmla="*/ 0 h 6858000"/>
+              <a:gd name="connsiteX2" fmla="*/ 7281316 w 7281316"/>
+              <a:gd name="connsiteY2" fmla="*/ 6858000 h 6858000"/>
+              <a:gd name="connsiteX3" fmla="*/ 696735 w 7281316"/>
+              <a:gd name="connsiteY3" fmla="*/ 6858000 h 6858000"/>
+              <a:gd name="connsiteX4" fmla="*/ 690849 w 7281316"/>
+              <a:gd name="connsiteY4" fmla="*/ 6842426 h 6858000"/>
+              <a:gd name="connsiteX5" fmla="*/ 335637 w 7281316"/>
+              <a:gd name="connsiteY5" fmla="*/ 94722 h 6858000"/>
+            </a:gdLst>
+            <a:ahLst/>
+            <a:cxnLst>
+              <a:cxn ang="0">
+                <a:pos x="connsiteX0" y="connsiteY0"/>
+              </a:cxn>
+              <a:cxn ang="0">
+                <a:pos x="connsiteX1" y="connsiteY1"/>
+              </a:cxn>
+              <a:cxn ang="0">
+                <a:pos x="connsiteX2" y="connsiteY2"/>
+              </a:cxn>
+              <a:cxn ang="0">
+                <a:pos x="connsiteX3" y="connsiteY3"/>
+              </a:cxn>
+              <a:cxn ang="0">
+                <a:pos x="connsiteX4" y="connsiteY4"/>
+              </a:cxn>
+              <a:cxn ang="0">
+                <a:pos x="connsiteX5" y="connsiteY5"/>
+              </a:cxn>
+            </a:cxnLst>
+            <a:rect l="l" t="t" r="r" b="b"/>
+            <a:pathLst>
+              <a:path w="7281316" h="6858000">
+                <a:moveTo>
+                  <a:pt x="361354" y="0"/>
+                </a:moveTo>
+                <a:lnTo>
+                  <a:pt x="7281316" y="0"/>
+                </a:lnTo>
+                <a:lnTo>
+                  <a:pt x="7281316" y="6858000"/>
+                </a:lnTo>
+                <a:lnTo>
+                  <a:pt x="696735" y="6858000"/>
+                </a:lnTo>
+                <a:lnTo>
+                  <a:pt x="690849" y="6842426"/>
+                </a:lnTo>
+                <a:cubicBezTo>
+                  <a:pt x="-65870" y="4704140"/>
+                  <a:pt x="-226206" y="2374054"/>
+                  <a:pt x="335637" y="94722"/>
+                </a:cubicBezTo>
+                <a:close/>
+              </a:path>
+            </a:pathLst>
+          </a:custGeom>
+          <a:solidFill>
+            <a:schemeClr val="tx1">
+              <a:lumMod val="75000"/>
+              <a:alpha val="80000"/>
+            </a:schemeClr>
+          </a:solidFill>
+          <a:ln>
+            <a:noFill/>
+          </a:ln>
+        </p:spPr>
+        <p:style>
+          <a:lnRef idx="2">
+            <a:schemeClr val="accent1">
+              <a:shade val="50000"/>
+            </a:schemeClr>
+          </a:lnRef>
+          <a:fillRef idx="1">
+            <a:schemeClr val="accent1"/>
+          </a:fillRef>
+          <a:effectRef idx="0">
+            <a:schemeClr val="accent1"/>
+          </a:effectRef>
+          <a:fontRef idx="minor">
+            <a:schemeClr val="lt1"/>
+          </a:fontRef>
+        </p:style>
+        <p:txBody>
+          <a:bodyPr rtlCol="0" anchor="ctr"/>
+          <a:lstStyle/>
+          <a:p>
+            <a:pPr algn="ctr"/>
+            <a:endParaRPr lang="en-US"/>
+          </a:p>
+        </p:txBody>
+      </p:sp>
+      <p:sp>
+        <p:nvSpPr>
+          <p:cNvPr id="12" name="Freeform: Shape 8">
+            <a:extLst>
+              <a:ext uri="{FF2B5EF4-FFF2-40B4-BE49-F238E27FC236}">
+                <a16:creationId xmlns:a16="http://schemas.microsoft.com/office/drawing/2014/main" id="{89CC0F1E-BAA2-47B1-8F83-7ECB9FD9E009}"/>
+              </a:ext>
+              <a:ext uri="{C183D7F6-B498-43B3-948B-1728B52AA6E4}">
+                <adec:decorative xmlns:adec="http://schemas.microsoft.com/office/drawing/2017/decorative" val="1"/>
+              </a:ext>
+            </a:extLst>
+          </p:cNvPr>
+          <p:cNvSpPr>
+            <a:spLocks noChangeAspect="1"/>
+          </p:cNvSpPr>
+          <p:nvPr>
+            <p:extLst>
+              <p:ext uri="{386F3935-93C4-4BCD-93E2-E3B085C9AB24}">
+                <p16:designElem xmlns:p16="http://schemas.microsoft.com/office/powerpoint/2015/main" val="1"/>
+              </p:ext>
+            </p:extLst>
+          </p:nvPr>
+        </p:nvSpPr>
+        <p:spPr>
+          <a:xfrm>
+            <a:off x="5984086" y="0"/>
+            <a:ext cx="6204866" cy="6858000"/>
+          </a:xfrm>
+          <a:custGeom>
+            <a:avLst/>
+            <a:gdLst>
+              <a:gd name="connsiteX0" fmla="*/ 6999394 w 6999394"/>
+              <a:gd name="connsiteY0" fmla="*/ 0 h 6858000"/>
+              <a:gd name="connsiteX1" fmla="*/ 6999394 w 6999394"/>
+              <a:gd name="connsiteY1" fmla="*/ 6858000 h 6858000"/>
+              <a:gd name="connsiteX2" fmla="*/ 717029 w 6999394"/>
+              <a:gd name="connsiteY2" fmla="*/ 6858000 h 6858000"/>
+              <a:gd name="connsiteX3" fmla="*/ 623642 w 6999394"/>
+              <a:gd name="connsiteY3" fmla="*/ 6599363 h 6858000"/>
+              <a:gd name="connsiteX4" fmla="*/ 319533 w 6999394"/>
+              <a:gd name="connsiteY4" fmla="*/ 193787 h 6858000"/>
+              <a:gd name="connsiteX5" fmla="*/ 371685 w 6999394"/>
+              <a:gd name="connsiteY5" fmla="*/ 1 h 6858000"/>
+            </a:gdLst>
+            <a:ahLst/>
+            <a:cxnLst>
+              <a:cxn ang="0">
+                <a:pos x="connsiteX0" y="connsiteY0"/>
+              </a:cxn>
+              <a:cxn ang="0">
+                <a:pos x="connsiteX1" y="connsiteY1"/>
+              </a:cxn>
+              <a:cxn ang="0">
+                <a:pos x="connsiteX2" y="connsiteY2"/>
+              </a:cxn>
+              <a:cxn ang="0">
+                <a:pos x="connsiteX3" y="connsiteY3"/>
+              </a:cxn>
+              <a:cxn ang="0">
+                <a:pos x="connsiteX4" y="connsiteY4"/>
+              </a:cxn>
+              <a:cxn ang="0">
+                <a:pos x="connsiteX5" y="connsiteY5"/>
+              </a:cxn>
+            </a:cxnLst>
+            <a:rect l="l" t="t" r="r" b="b"/>
+            <a:pathLst>
+              <a:path w="6999394" h="6858000">
+                <a:moveTo>
+                  <a:pt x="6999394" y="0"/>
+                </a:moveTo>
+                <a:lnTo>
+                  <a:pt x="6999394" y="6858000"/>
+                </a:lnTo>
+                <a:lnTo>
+                  <a:pt x="717029" y="6858000"/>
+                </a:lnTo>
+                <a:lnTo>
+                  <a:pt x="623642" y="6599363"/>
+                </a:lnTo>
+                <a:cubicBezTo>
+                  <a:pt x="-67685" y="4563346"/>
+                  <a:pt x="-206622" y="2355719"/>
+                  <a:pt x="319533" y="193787"/>
+                </a:cubicBezTo>
+                <a:lnTo>
+                  <a:pt x="371685" y="1"/>
+                </a:lnTo>
+                <a:close/>
+              </a:path>
+            </a:pathLst>
+          </a:custGeom>
+          <a:solidFill>
+            <a:schemeClr val="tx1">
+              <a:alpha val="80000"/>
+            </a:schemeClr>
+          </a:solidFill>
+          <a:ln>
+            <a:noFill/>
+          </a:ln>
+        </p:spPr>
+        <p:style>
+          <a:lnRef idx="2">
+            <a:schemeClr val="accent1">
+              <a:shade val="50000"/>
+            </a:schemeClr>
+          </a:lnRef>
+          <a:fillRef idx="1">
+            <a:schemeClr val="accent1"/>
+          </a:fillRef>
+          <a:effectRef idx="0">
+            <a:schemeClr val="accent1"/>
+          </a:effectRef>
+          <a:fontRef idx="minor">
+            <a:schemeClr val="lt1"/>
+          </a:fontRef>
+        </p:style>
+        <p:txBody>
+          <a:bodyPr rtlCol="0" anchor="ctr"/>
+          <a:lstStyle/>
+          <a:p>
+            <a:pPr algn="ctr"/>
+            <a:endParaRPr lang="en-US"/>
+          </a:p>
+        </p:txBody>
+      </p:sp>
+      <p:sp>
+        <p:nvSpPr>
+          <p:cNvPr id="2" name="TextovéPole 1">
+            <a:extLst>
+              <a:ext uri="{FF2B5EF4-FFF2-40B4-BE49-F238E27FC236}">
+                <a16:creationId xmlns:a16="http://schemas.microsoft.com/office/drawing/2014/main" id="{6C482F3C-EC65-2DB0-29B1-2BA899A40129}"/>
+              </a:ext>
+            </a:extLst>
+          </p:cNvPr>
+          <p:cNvSpPr txBox="1"/>
+          <p:nvPr/>
+        </p:nvSpPr>
+        <p:spPr>
+          <a:xfrm>
+            <a:off x="6096000" y="1399032"/>
+            <a:ext cx="5501834" cy="4471416"/>
+          </a:xfrm>
+          <a:prstGeom prst="rect">
+            <a:avLst/>
+          </a:prstGeom>
+        </p:spPr>
+        <p:txBody>
+          <a:bodyPr vert="horz" lIns="91440" tIns="45720" rIns="91440" bIns="45720" rtlCol="0" anchor="ctr">
+            <a:normAutofit/>
+          </a:bodyPr>
+          <a:lstStyle/>
+          <a:p>
+            <a:pPr>
+              <a:lnSpc>
+                <a:spcPct val="90000"/>
+              </a:lnSpc>
+              <a:spcAft>
+                <a:spcPts val="600"/>
+              </a:spcAft>
+            </a:pPr>
+            <a:endParaRPr lang="en-US" sz="1500" dirty="0">
+              <a:solidFill>
+                <a:schemeClr val="bg1"/>
+              </a:solidFill>
+            </a:endParaRPr>
+          </a:p>
+        </p:txBody>
+      </p:sp>
+      <p:sp>
+        <p:nvSpPr>
+          <p:cNvPr id="18" name="Ovál 17">
+            <a:extLst>
+              <a:ext uri="{FF2B5EF4-FFF2-40B4-BE49-F238E27FC236}">
+                <a16:creationId xmlns:a16="http://schemas.microsoft.com/office/drawing/2014/main" id="{5677EE98-D4D6-5582-1CDD-28B3B9326A80}"/>
+              </a:ext>
+            </a:extLst>
+          </p:cNvPr>
+          <p:cNvSpPr/>
+          <p:nvPr/>
+        </p:nvSpPr>
+        <p:spPr>
+          <a:xfrm>
+            <a:off x="6324543" y="3647288"/>
+            <a:ext cx="1104182" cy="1081924"/>
+          </a:xfrm>
+          <a:prstGeom prst="ellipse">
+            <a:avLst/>
+          </a:prstGeom>
+          <a:solidFill>
+            <a:srgbClr val="064C8C"/>
+          </a:solidFill>
+          <a:ln>
+            <a:noFill/>
+          </a:ln>
+        </p:spPr>
+        <p:style>
+          <a:lnRef idx="2">
+            <a:schemeClr val="accent1">
+              <a:shade val="50000"/>
+            </a:schemeClr>
+          </a:lnRef>
+          <a:fillRef idx="1">
+            <a:schemeClr val="accent1"/>
+          </a:fillRef>
+          <a:effectRef idx="0">
+            <a:schemeClr val="accent1"/>
+          </a:effectRef>
+          <a:fontRef idx="minor">
+            <a:schemeClr val="lt1"/>
+          </a:fontRef>
+        </p:style>
+        <p:txBody>
+          <a:bodyPr rtlCol="0" anchor="ctr"/>
+          <a:lstStyle/>
+          <a:p>
+            <a:pPr algn="ctr"/>
+            <a:endParaRPr lang="cs-CZ"/>
+          </a:p>
+        </p:txBody>
+      </p:sp>
+      <p:pic>
+        <p:nvPicPr>
+          <p:cNvPr id="6" name="Grafický objekt 5" descr="Zloděj obrys">
+            <a:extLst>
+              <a:ext uri="{FF2B5EF4-FFF2-40B4-BE49-F238E27FC236}">
+                <a16:creationId xmlns:a16="http://schemas.microsoft.com/office/drawing/2014/main" id="{D6D2AB1B-AD91-5296-1B6E-7317E6B86548}"/>
+              </a:ext>
+            </a:extLst>
+          </p:cNvPr>
+          <p:cNvPicPr>
+            <a:picLocks noChangeAspect="1"/>
+          </p:cNvPicPr>
+          <p:nvPr/>
+        </p:nvPicPr>
+        <p:blipFill>
+          <a:blip r:embed="rId2">
+            <a:extLst>
+              <a:ext uri="{28A0092B-C50C-407E-A947-70E740481C1C}">
+                <a14:useLocalDpi xmlns:a14="http://schemas.microsoft.com/office/drawing/2010/main" val="0"/>
+              </a:ext>
+              <a:ext uri="{96DAC541-7B7A-43D3-8B79-37D633B846F1}">
+                <asvg:svgBlip xmlns:asvg="http://schemas.microsoft.com/office/drawing/2016/SVG/main" r:embed="rId3"/>
+              </a:ext>
+            </a:extLst>
+          </a:blip>
+          <a:stretch>
+            <a:fillRect/>
+          </a:stretch>
+        </p:blipFill>
+        <p:spPr>
+          <a:xfrm>
+            <a:off x="6385676" y="3743729"/>
+            <a:ext cx="931135" cy="931135"/>
+          </a:xfrm>
+          <a:prstGeom prst="rect">
+            <a:avLst/>
+          </a:prstGeom>
+        </p:spPr>
+      </p:pic>
+      <p:sp>
+        <p:nvSpPr>
+          <p:cNvPr id="20" name="Ovál 19">
+            <a:extLst>
+              <a:ext uri="{FF2B5EF4-FFF2-40B4-BE49-F238E27FC236}">
+                <a16:creationId xmlns:a16="http://schemas.microsoft.com/office/drawing/2014/main" id="{B98023EC-BB71-9C2C-DC91-87CDA190B7E0}"/>
+              </a:ext>
+            </a:extLst>
+          </p:cNvPr>
+          <p:cNvSpPr/>
+          <p:nvPr/>
+        </p:nvSpPr>
+        <p:spPr>
+          <a:xfrm>
+            <a:off x="6246145" y="1860218"/>
+            <a:ext cx="1104182" cy="1081924"/>
+          </a:xfrm>
+          <a:prstGeom prst="ellipse">
+            <a:avLst/>
+          </a:prstGeom>
+          <a:solidFill>
+            <a:srgbClr val="064C8C"/>
+          </a:solidFill>
+          <a:ln>
+            <a:noFill/>
+          </a:ln>
+        </p:spPr>
+        <p:style>
+          <a:lnRef idx="2">
+            <a:schemeClr val="accent1">
+              <a:shade val="50000"/>
+            </a:schemeClr>
+          </a:lnRef>
+          <a:fillRef idx="1">
+            <a:schemeClr val="accent1"/>
+          </a:fillRef>
+          <a:effectRef idx="0">
+            <a:schemeClr val="accent1"/>
+          </a:effectRef>
+          <a:fontRef idx="minor">
+            <a:schemeClr val="lt1"/>
+          </a:fontRef>
+        </p:style>
+        <p:txBody>
+          <a:bodyPr rtlCol="0" anchor="ctr"/>
+          <a:lstStyle/>
+          <a:p>
+            <a:pPr algn="ctr"/>
+            <a:endParaRPr lang="cs-CZ"/>
+          </a:p>
+        </p:txBody>
+      </p:sp>
+      <p:pic>
+        <p:nvPicPr>
+          <p:cNvPr id="10" name="Grafický objekt 9" descr="Plná baterie se souvislou výplní">
+            <a:extLst>
+              <a:ext uri="{FF2B5EF4-FFF2-40B4-BE49-F238E27FC236}">
+                <a16:creationId xmlns:a16="http://schemas.microsoft.com/office/drawing/2014/main" id="{D8A81932-290D-5569-AC59-6E1E964D19CF}"/>
+              </a:ext>
+            </a:extLst>
+          </p:cNvPr>
+          <p:cNvPicPr>
+            <a:picLocks noChangeAspect="1"/>
+          </p:cNvPicPr>
+          <p:nvPr/>
+        </p:nvPicPr>
+        <p:blipFill>
+          <a:blip r:embed="rId4">
+            <a:extLst>
+              <a:ext uri="{28A0092B-C50C-407E-A947-70E740481C1C}">
+                <a14:useLocalDpi xmlns:a14="http://schemas.microsoft.com/office/drawing/2010/main" val="0"/>
+              </a:ext>
+              <a:ext uri="{96DAC541-7B7A-43D3-8B79-37D633B846F1}">
+                <asvg:svgBlip xmlns:asvg="http://schemas.microsoft.com/office/drawing/2016/SVG/main" r:embed="rId5"/>
+              </a:ext>
+            </a:extLst>
+          </a:blip>
+          <a:stretch>
+            <a:fillRect/>
+          </a:stretch>
+        </p:blipFill>
+        <p:spPr>
+          <a:xfrm>
+            <a:off x="6355980" y="1943980"/>
+            <a:ext cx="914400" cy="914400"/>
+          </a:xfrm>
+          <a:prstGeom prst="rect">
+            <a:avLst/>
+          </a:prstGeom>
+        </p:spPr>
+      </p:pic>
+      <p:sp>
+        <p:nvSpPr>
+          <p:cNvPr id="23" name="Ovál 22">
+            <a:extLst>
+              <a:ext uri="{FF2B5EF4-FFF2-40B4-BE49-F238E27FC236}">
+                <a16:creationId xmlns:a16="http://schemas.microsoft.com/office/drawing/2014/main" id="{546E9060-4DAA-34C1-AB93-22D9BC2BC654}"/>
+              </a:ext>
+            </a:extLst>
+          </p:cNvPr>
+          <p:cNvSpPr/>
+          <p:nvPr/>
+        </p:nvSpPr>
+        <p:spPr>
+          <a:xfrm>
+            <a:off x="6753406" y="5518120"/>
+            <a:ext cx="1104182" cy="1081924"/>
+          </a:xfrm>
+          <a:prstGeom prst="ellipse">
+            <a:avLst/>
+          </a:prstGeom>
+          <a:solidFill>
+            <a:srgbClr val="064C8C"/>
+          </a:solidFill>
+          <a:ln>
+            <a:noFill/>
+          </a:ln>
+        </p:spPr>
+        <p:style>
+          <a:lnRef idx="2">
+            <a:schemeClr val="accent1">
+              <a:shade val="50000"/>
+            </a:schemeClr>
+          </a:lnRef>
+          <a:fillRef idx="1">
+            <a:schemeClr val="accent1"/>
+          </a:fillRef>
+          <a:effectRef idx="0">
+            <a:schemeClr val="accent1"/>
+          </a:effectRef>
+          <a:fontRef idx="minor">
+            <a:schemeClr val="lt1"/>
+          </a:fontRef>
+        </p:style>
+        <p:txBody>
+          <a:bodyPr rtlCol="0" anchor="ctr"/>
+          <a:lstStyle/>
+          <a:p>
+            <a:pPr algn="ctr"/>
+            <a:endParaRPr lang="cs-CZ"/>
+          </a:p>
+        </p:txBody>
+      </p:sp>
+      <p:pic>
+        <p:nvPicPr>
+          <p:cNvPr id="16" name="Grafický objekt 15" descr="Robotická ruka obrys">
+            <a:extLst>
+              <a:ext uri="{FF2B5EF4-FFF2-40B4-BE49-F238E27FC236}">
+                <a16:creationId xmlns:a16="http://schemas.microsoft.com/office/drawing/2014/main" id="{3EE81300-A8A6-97F3-9F88-681C20DC540E}"/>
+              </a:ext>
+            </a:extLst>
+          </p:cNvPr>
+          <p:cNvPicPr>
+            <a:picLocks noChangeAspect="1"/>
+          </p:cNvPicPr>
+          <p:nvPr/>
+        </p:nvPicPr>
+        <p:blipFill>
+          <a:blip r:embed="rId6">
+            <a:extLst>
+              <a:ext uri="{28A0092B-C50C-407E-A947-70E740481C1C}">
+                <a14:useLocalDpi xmlns:a14="http://schemas.microsoft.com/office/drawing/2010/main" val="0"/>
+              </a:ext>
+              <a:ext uri="{96DAC541-7B7A-43D3-8B79-37D633B846F1}">
+                <asvg:svgBlip xmlns:asvg="http://schemas.microsoft.com/office/drawing/2016/SVG/main" r:embed="rId7"/>
+              </a:ext>
+            </a:extLst>
+          </a:blip>
+          <a:stretch>
+            <a:fillRect/>
+          </a:stretch>
+        </p:blipFill>
+        <p:spPr>
+          <a:xfrm>
+            <a:off x="6918941" y="5584611"/>
+            <a:ext cx="914400" cy="914400"/>
+          </a:xfrm>
+          <a:prstGeom prst="rect">
+            <a:avLst/>
+          </a:prstGeom>
+        </p:spPr>
+      </p:pic>
+      <p:sp>
+        <p:nvSpPr>
+          <p:cNvPr id="24" name="TextovéPole 23">
+            <a:extLst>
+              <a:ext uri="{FF2B5EF4-FFF2-40B4-BE49-F238E27FC236}">
+                <a16:creationId xmlns:a16="http://schemas.microsoft.com/office/drawing/2014/main" id="{A9C32594-84A2-A249-267E-7C1C25C6266E}"/>
+              </a:ext>
+            </a:extLst>
+          </p:cNvPr>
+          <p:cNvSpPr txBox="1"/>
+          <p:nvPr/>
+        </p:nvSpPr>
+        <p:spPr>
+          <a:xfrm>
+            <a:off x="594166" y="2550235"/>
+            <a:ext cx="4592067" cy="1938992"/>
+          </a:xfrm>
+          <a:prstGeom prst="rect">
+            <a:avLst/>
+          </a:prstGeom>
+          <a:noFill/>
+        </p:spPr>
+        <p:txBody>
+          <a:bodyPr wrap="square" rtlCol="0">
+            <a:spAutoFit/>
+          </a:bodyPr>
+          <a:lstStyle/>
+          <a:p>
+            <a:r>
+              <a:rPr lang="cs-CZ" sz="6000" dirty="0">
+                <a:latin typeface="Franklin Gothic Demi Cond" panose="020B0706030402020204" pitchFamily="34" charset="0"/>
+              </a:rPr>
+              <a:t>Přínosy chytré   domácnosti</a:t>
+            </a:r>
+          </a:p>
+        </p:txBody>
+      </p:sp>
+      <p:sp>
+        <p:nvSpPr>
+          <p:cNvPr id="34" name="Obdélník: se zakulacenými rohy 33">
+            <a:extLst>
+              <a:ext uri="{FF2B5EF4-FFF2-40B4-BE49-F238E27FC236}">
+                <a16:creationId xmlns:a16="http://schemas.microsoft.com/office/drawing/2014/main" id="{F373F456-7741-858C-8D9C-12CBF11D34E8}"/>
+              </a:ext>
+            </a:extLst>
+          </p:cNvPr>
+          <p:cNvSpPr/>
+          <p:nvPr/>
+        </p:nvSpPr>
+        <p:spPr>
+          <a:xfrm>
+            <a:off x="7984251" y="281300"/>
+            <a:ext cx="2581812" cy="998163"/>
+          </a:xfrm>
+          <a:prstGeom prst="roundRect">
+            <a:avLst>
+              <a:gd name="adj" fmla="val 26794"/>
+            </a:avLst>
+          </a:prstGeom>
+          <a:solidFill>
+            <a:srgbClr val="064C8C"/>
+          </a:solidFill>
+          <a:ln>
+            <a:noFill/>
+          </a:ln>
+        </p:spPr>
+        <p:style>
+          <a:lnRef idx="2">
+            <a:schemeClr val="accent1">
+              <a:shade val="50000"/>
+            </a:schemeClr>
+          </a:lnRef>
+          <a:fillRef idx="1">
+            <a:schemeClr val="accent1"/>
+          </a:fillRef>
+          <a:effectRef idx="0">
+            <a:schemeClr val="accent1"/>
+          </a:effectRef>
+          <a:fontRef idx="minor">
+            <a:schemeClr val="lt1"/>
+          </a:fontRef>
+        </p:style>
+        <p:txBody>
+          <a:bodyPr rtlCol="0" anchor="ctr"/>
+          <a:lstStyle/>
+          <a:p>
+            <a:pPr algn="ctr"/>
+            <a:endParaRPr lang="cs-CZ"/>
+          </a:p>
+        </p:txBody>
+      </p:sp>
+      <p:sp>
+        <p:nvSpPr>
+          <p:cNvPr id="27" name="TextovéPole 26">
+            <a:extLst>
+              <a:ext uri="{FF2B5EF4-FFF2-40B4-BE49-F238E27FC236}">
+                <a16:creationId xmlns:a16="http://schemas.microsoft.com/office/drawing/2014/main" id="{81A6E3C6-D859-6DA9-6BA2-AC30D8BA7697}"/>
+              </a:ext>
+            </a:extLst>
+          </p:cNvPr>
+          <p:cNvSpPr txBox="1"/>
+          <p:nvPr/>
+        </p:nvSpPr>
+        <p:spPr>
+          <a:xfrm>
+            <a:off x="8328993" y="350429"/>
+            <a:ext cx="3986621" cy="815608"/>
+          </a:xfrm>
+          <a:prstGeom prst="rect">
+            <a:avLst/>
+          </a:prstGeom>
+          <a:noFill/>
+        </p:spPr>
+        <p:txBody>
+          <a:bodyPr wrap="square" rtlCol="0">
+            <a:spAutoFit/>
+          </a:bodyPr>
+          <a:lstStyle/>
+          <a:p>
+            <a:r>
+              <a:rPr lang="cs-CZ" sz="4700" dirty="0">
+                <a:solidFill>
+                  <a:srgbClr val="FFFFFF"/>
+                </a:solidFill>
+                <a:latin typeface="Franklin Gothic Demi Cond" panose="020B0706030402020204" pitchFamily="34" charset="0"/>
+              </a:rPr>
+              <a:t>Pohodlí</a:t>
+            </a:r>
+          </a:p>
+        </p:txBody>
+      </p:sp>
+      <p:sp>
+        <p:nvSpPr>
+          <p:cNvPr id="3" name="Obdélník: se zakulacenými rohy 2">
+            <a:extLst>
+              <a:ext uri="{FF2B5EF4-FFF2-40B4-BE49-F238E27FC236}">
+                <a16:creationId xmlns:a16="http://schemas.microsoft.com/office/drawing/2014/main" id="{A628E365-1386-F0AE-E8A6-C4BA0CD17206}"/>
+              </a:ext>
+            </a:extLst>
+          </p:cNvPr>
+          <p:cNvSpPr/>
+          <p:nvPr/>
+        </p:nvSpPr>
+        <p:spPr>
+          <a:xfrm>
+            <a:off x="7823484" y="1866520"/>
+            <a:ext cx="3557427" cy="998163"/>
+          </a:xfrm>
+          <a:prstGeom prst="roundRect">
+            <a:avLst>
+              <a:gd name="adj" fmla="val 26794"/>
+            </a:avLst>
+          </a:prstGeom>
+          <a:solidFill>
+            <a:srgbClr val="064C8C"/>
+          </a:solidFill>
+          <a:ln>
+            <a:noFill/>
+          </a:ln>
+        </p:spPr>
+        <p:style>
+          <a:lnRef idx="2">
+            <a:schemeClr val="accent1">
+              <a:shade val="50000"/>
+            </a:schemeClr>
+          </a:lnRef>
+          <a:fillRef idx="1">
+            <a:schemeClr val="accent1"/>
+          </a:fillRef>
+          <a:effectRef idx="0">
+            <a:schemeClr val="accent1"/>
+          </a:effectRef>
+          <a:fontRef idx="minor">
+            <a:schemeClr val="lt1"/>
+          </a:fontRef>
+        </p:style>
+        <p:txBody>
+          <a:bodyPr rtlCol="0" anchor="ctr"/>
+          <a:lstStyle/>
+          <a:p>
+            <a:pPr algn="ctr"/>
+            <a:endParaRPr lang="cs-CZ"/>
+          </a:p>
+        </p:txBody>
+      </p:sp>
+      <p:sp>
+        <p:nvSpPr>
+          <p:cNvPr id="4" name="TextovéPole 3">
+            <a:extLst>
+              <a:ext uri="{FF2B5EF4-FFF2-40B4-BE49-F238E27FC236}">
+                <a16:creationId xmlns:a16="http://schemas.microsoft.com/office/drawing/2014/main" id="{B5DA3337-D1C0-5280-AA81-B2C911F4E1E4}"/>
+              </a:ext>
+            </a:extLst>
+          </p:cNvPr>
+          <p:cNvSpPr txBox="1"/>
+          <p:nvPr/>
+        </p:nvSpPr>
+        <p:spPr>
+          <a:xfrm>
+            <a:off x="7908078" y="1946211"/>
+            <a:ext cx="3986621" cy="1461939"/>
+          </a:xfrm>
+          <a:prstGeom prst="rect">
+            <a:avLst/>
+          </a:prstGeom>
+          <a:noFill/>
+        </p:spPr>
+        <p:txBody>
+          <a:bodyPr wrap="square" rtlCol="0">
+            <a:spAutoFit/>
+          </a:bodyPr>
+          <a:lstStyle/>
+          <a:p>
+            <a:r>
+              <a:rPr lang="cs-CZ" sz="4400" dirty="0">
+                <a:latin typeface="Franklin Gothic Demi Cond" panose="020B0706030402020204" pitchFamily="34" charset="0"/>
+              </a:rPr>
+              <a:t>Úspora energie</a:t>
+            </a:r>
+          </a:p>
+          <a:p>
+            <a:endParaRPr lang="cs-CZ" sz="4500" dirty="0">
+              <a:solidFill>
+                <a:srgbClr val="FFFFFF"/>
+              </a:solidFill>
+              <a:latin typeface="Franklin Gothic Demi Cond" panose="020B0706030402020204" pitchFamily="34" charset="0"/>
+            </a:endParaRPr>
+          </a:p>
+        </p:txBody>
+      </p:sp>
+      <p:sp>
+        <p:nvSpPr>
+          <p:cNvPr id="5" name="Obdélník: se zakulacenými rohy 4">
+            <a:extLst>
+              <a:ext uri="{FF2B5EF4-FFF2-40B4-BE49-F238E27FC236}">
+                <a16:creationId xmlns:a16="http://schemas.microsoft.com/office/drawing/2014/main" id="{8EC6AE43-580C-E218-57B4-E3358ACDAD19}"/>
+              </a:ext>
+            </a:extLst>
+          </p:cNvPr>
+          <p:cNvSpPr/>
+          <p:nvPr/>
+        </p:nvSpPr>
+        <p:spPr>
+          <a:xfrm>
+            <a:off x="7896923" y="3647288"/>
+            <a:ext cx="2933002" cy="1081924"/>
+          </a:xfrm>
+          <a:prstGeom prst="roundRect">
+            <a:avLst>
+              <a:gd name="adj" fmla="val 26794"/>
+            </a:avLst>
+          </a:prstGeom>
+          <a:solidFill>
+            <a:srgbClr val="064C8C"/>
+          </a:solidFill>
+          <a:ln>
+            <a:noFill/>
+          </a:ln>
+        </p:spPr>
+        <p:style>
+          <a:lnRef idx="2">
+            <a:schemeClr val="accent1">
+              <a:shade val="50000"/>
+            </a:schemeClr>
+          </a:lnRef>
+          <a:fillRef idx="1">
+            <a:schemeClr val="accent1"/>
+          </a:fillRef>
+          <a:effectRef idx="0">
+            <a:schemeClr val="accent1"/>
+          </a:effectRef>
+          <a:fontRef idx="minor">
+            <a:schemeClr val="lt1"/>
+          </a:fontRef>
+        </p:style>
+        <p:txBody>
+          <a:bodyPr rtlCol="0" anchor="ctr"/>
+          <a:lstStyle/>
+          <a:p>
+            <a:pPr algn="ctr"/>
+            <a:endParaRPr lang="cs-CZ"/>
+          </a:p>
+        </p:txBody>
+      </p:sp>
+      <p:sp>
+        <p:nvSpPr>
+          <p:cNvPr id="7" name="TextovéPole 6">
+            <a:extLst>
+              <a:ext uri="{FF2B5EF4-FFF2-40B4-BE49-F238E27FC236}">
+                <a16:creationId xmlns:a16="http://schemas.microsoft.com/office/drawing/2014/main" id="{0B536D02-719C-F3D6-63A9-3558C9C43E32}"/>
+              </a:ext>
+            </a:extLst>
+          </p:cNvPr>
+          <p:cNvSpPr txBox="1"/>
+          <p:nvPr/>
+        </p:nvSpPr>
+        <p:spPr>
+          <a:xfrm>
+            <a:off x="7984251" y="3788976"/>
+            <a:ext cx="3789444" cy="800219"/>
+          </a:xfrm>
+          <a:prstGeom prst="rect">
+            <a:avLst/>
+          </a:prstGeom>
+          <a:noFill/>
+        </p:spPr>
+        <p:txBody>
+          <a:bodyPr wrap="square" rtlCol="0">
+            <a:spAutoFit/>
+          </a:bodyPr>
+          <a:lstStyle/>
+          <a:p>
+            <a:r>
+              <a:rPr lang="cs-CZ" sz="4600" dirty="0">
+                <a:latin typeface="Franklin Gothic Demi Cond" panose="020B0706030402020204" pitchFamily="34" charset="0"/>
+              </a:rPr>
+              <a:t>Bezpečnost</a:t>
+            </a:r>
+          </a:p>
+        </p:txBody>
+      </p:sp>
+      <p:sp>
+        <p:nvSpPr>
+          <p:cNvPr id="8" name="Obdélník: se zakulacenými rohy 7">
+            <a:extLst>
+              <a:ext uri="{FF2B5EF4-FFF2-40B4-BE49-F238E27FC236}">
+                <a16:creationId xmlns:a16="http://schemas.microsoft.com/office/drawing/2014/main" id="{396DE1A6-5506-2A83-EC5E-DF204B86438F}"/>
+              </a:ext>
+            </a:extLst>
+          </p:cNvPr>
+          <p:cNvSpPr/>
+          <p:nvPr/>
+        </p:nvSpPr>
+        <p:spPr>
+          <a:xfrm>
+            <a:off x="8293761" y="5511816"/>
+            <a:ext cx="3479934" cy="1081924"/>
+          </a:xfrm>
+          <a:prstGeom prst="roundRect">
+            <a:avLst>
+              <a:gd name="adj" fmla="val 26794"/>
+            </a:avLst>
+          </a:prstGeom>
+          <a:solidFill>
+            <a:srgbClr val="064C8C"/>
+          </a:solidFill>
+          <a:ln>
+            <a:noFill/>
+          </a:ln>
+        </p:spPr>
+        <p:style>
+          <a:lnRef idx="2">
+            <a:schemeClr val="accent1">
+              <a:shade val="50000"/>
+            </a:schemeClr>
+          </a:lnRef>
+          <a:fillRef idx="1">
+            <a:schemeClr val="accent1"/>
+          </a:fillRef>
+          <a:effectRef idx="0">
+            <a:schemeClr val="accent1"/>
+          </a:effectRef>
+          <a:fontRef idx="minor">
+            <a:schemeClr val="lt1"/>
+          </a:fontRef>
+        </p:style>
+        <p:txBody>
+          <a:bodyPr rtlCol="0" anchor="ctr"/>
+          <a:lstStyle/>
+          <a:p>
+            <a:pPr algn="ctr"/>
+            <a:endParaRPr lang="cs-CZ"/>
+          </a:p>
+        </p:txBody>
+      </p:sp>
+      <p:sp>
+        <p:nvSpPr>
+          <p:cNvPr id="9" name="TextovéPole 8">
+            <a:extLst>
+              <a:ext uri="{FF2B5EF4-FFF2-40B4-BE49-F238E27FC236}">
+                <a16:creationId xmlns:a16="http://schemas.microsoft.com/office/drawing/2014/main" id="{67D656F3-9B22-3487-C99A-A73703293B20}"/>
+              </a:ext>
+            </a:extLst>
+          </p:cNvPr>
+          <p:cNvSpPr txBox="1"/>
+          <p:nvPr/>
+        </p:nvSpPr>
+        <p:spPr>
+          <a:xfrm>
+            <a:off x="8419833" y="5635628"/>
+            <a:ext cx="3789444" cy="800219"/>
+          </a:xfrm>
+          <a:prstGeom prst="rect">
+            <a:avLst/>
+          </a:prstGeom>
+          <a:noFill/>
+        </p:spPr>
+        <p:txBody>
+          <a:bodyPr wrap="square" rtlCol="0">
+            <a:spAutoFit/>
+          </a:bodyPr>
+          <a:lstStyle/>
+          <a:p>
+            <a:r>
+              <a:rPr lang="cs-CZ" sz="4600" dirty="0">
+                <a:latin typeface="Franklin Gothic Demi Cond" panose="020B0706030402020204" pitchFamily="34" charset="0"/>
+              </a:rPr>
+              <a:t>Automatizace</a:t>
+            </a:r>
+          </a:p>
+        </p:txBody>
+      </p:sp>
+      <p:sp>
+        <p:nvSpPr>
+          <p:cNvPr id="13" name="Ovál 12">
+            <a:extLst>
+              <a:ext uri="{FF2B5EF4-FFF2-40B4-BE49-F238E27FC236}">
+                <a16:creationId xmlns:a16="http://schemas.microsoft.com/office/drawing/2014/main" id="{9E990646-5B2F-BE8D-BB6D-1E2EB9523B7F}"/>
+              </a:ext>
+            </a:extLst>
+          </p:cNvPr>
+          <p:cNvSpPr/>
+          <p:nvPr/>
+        </p:nvSpPr>
+        <p:spPr>
+          <a:xfrm>
+            <a:off x="6430554" y="214313"/>
+            <a:ext cx="1107230" cy="1096132"/>
+          </a:xfrm>
+          <a:prstGeom prst="ellipse">
+            <a:avLst/>
+          </a:prstGeom>
+          <a:solidFill>
+            <a:srgbClr val="064C8C"/>
+          </a:solidFill>
+          <a:ln>
+            <a:noFill/>
+          </a:ln>
+        </p:spPr>
+        <p:style>
+          <a:lnRef idx="2">
+            <a:schemeClr val="accent1">
+              <a:shade val="50000"/>
+            </a:schemeClr>
+          </a:lnRef>
+          <a:fillRef idx="1">
+            <a:schemeClr val="accent1"/>
+          </a:fillRef>
+          <a:effectRef idx="0">
+            <a:schemeClr val="accent1"/>
+          </a:effectRef>
+          <a:fontRef idx="minor">
+            <a:schemeClr val="lt1"/>
+          </a:fontRef>
+        </p:style>
+        <p:txBody>
+          <a:bodyPr rtlCol="0" anchor="ctr"/>
+          <a:lstStyle/>
+          <a:p>
+            <a:pPr algn="ctr"/>
+            <a:endParaRPr lang="cs-CZ"/>
+          </a:p>
+        </p:txBody>
+      </p:sp>
+      <p:pic>
+        <p:nvPicPr>
+          <p:cNvPr id="15" name="Grafický objekt 14" descr="Spánek obrys">
+            <a:extLst>
+              <a:ext uri="{FF2B5EF4-FFF2-40B4-BE49-F238E27FC236}">
+                <a16:creationId xmlns:a16="http://schemas.microsoft.com/office/drawing/2014/main" id="{D35EE962-E0CD-8884-A450-2E621EE3458E}"/>
+              </a:ext>
+            </a:extLst>
+          </p:cNvPr>
+          <p:cNvPicPr>
+            <a:picLocks noChangeAspect="1"/>
+          </p:cNvPicPr>
+          <p:nvPr/>
+        </p:nvPicPr>
+        <p:blipFill>
+          <a:blip r:embed="rId8">
+            <a:extLst>
+              <a:ext uri="{28A0092B-C50C-407E-A947-70E740481C1C}">
+                <a14:useLocalDpi xmlns:a14="http://schemas.microsoft.com/office/drawing/2010/main" val="0"/>
+              </a:ext>
+              <a:ext uri="{96DAC541-7B7A-43D3-8B79-37D633B846F1}">
+                <asvg:svgBlip xmlns:asvg="http://schemas.microsoft.com/office/drawing/2016/SVG/main" r:embed="rId9"/>
+              </a:ext>
+            </a:extLst>
+          </a:blip>
+          <a:stretch>
+            <a:fillRect/>
+          </a:stretch>
+        </p:blipFill>
+        <p:spPr>
+          <a:xfrm>
+            <a:off x="6547717" y="276475"/>
+            <a:ext cx="914400" cy="914400"/>
+          </a:xfrm>
+          <a:prstGeom prst="rect">
+            <a:avLst/>
+          </a:prstGeom>
+        </p:spPr>
+      </p:pic>
+      <p:sp>
+        <p:nvSpPr>
+          <p:cNvPr id="19" name="Obdélník: se zakulacenými rohy 18">
+            <a:extLst>
+              <a:ext uri="{FF2B5EF4-FFF2-40B4-BE49-F238E27FC236}">
+                <a16:creationId xmlns:a16="http://schemas.microsoft.com/office/drawing/2014/main" id="{D771897D-ABC7-2DE9-BE1D-222DB23D64D2}"/>
+              </a:ext>
+            </a:extLst>
+          </p:cNvPr>
+          <p:cNvSpPr/>
+          <p:nvPr/>
+        </p:nvSpPr>
+        <p:spPr>
+          <a:xfrm>
+            <a:off x="1396943" y="6999688"/>
+            <a:ext cx="9855200" cy="4051300"/>
+          </a:xfrm>
+          <a:prstGeom prst="roundRect">
+            <a:avLst>
+              <a:gd name="adj" fmla="val 15413"/>
+            </a:avLst>
+          </a:prstGeom>
+          <a:solidFill>
+            <a:schemeClr val="bg2">
+              <a:lumMod val="75000"/>
+            </a:schemeClr>
+          </a:solidFill>
+          <a:ln>
+            <a:noFill/>
+          </a:ln>
+        </p:spPr>
+        <p:style>
+          <a:lnRef idx="2">
+            <a:schemeClr val="accent3">
+              <a:shade val="50000"/>
+            </a:schemeClr>
+          </a:lnRef>
+          <a:fillRef idx="1">
+            <a:schemeClr val="accent3"/>
+          </a:fillRef>
+          <a:effectRef idx="0">
+            <a:schemeClr val="accent3"/>
+          </a:effectRef>
+          <a:fontRef idx="minor">
+            <a:schemeClr val="lt1"/>
+          </a:fontRef>
+        </p:style>
+        <p:txBody>
+          <a:bodyPr rtlCol="0" anchor="ctr"/>
+          <a:lstStyle/>
+          <a:p>
+            <a:pPr algn="ctr"/>
+            <a:endParaRPr lang="cs-CZ">
+              <a:solidFill>
+                <a:schemeClr val="tx1"/>
+              </a:solidFill>
+            </a:endParaRPr>
+          </a:p>
+        </p:txBody>
+      </p:sp>
+      <p:sp>
+        <p:nvSpPr>
+          <p:cNvPr id="22" name="TextovéPole 21">
+            <a:extLst>
+              <a:ext uri="{FF2B5EF4-FFF2-40B4-BE49-F238E27FC236}">
+                <a16:creationId xmlns:a16="http://schemas.microsoft.com/office/drawing/2014/main" id="{5E357045-CFF4-A00C-376A-DC5982ABE81C}"/>
+              </a:ext>
+            </a:extLst>
+          </p:cNvPr>
+          <p:cNvSpPr txBox="1"/>
+          <p:nvPr/>
+        </p:nvSpPr>
+        <p:spPr>
+          <a:xfrm>
+            <a:off x="2136237" y="7456710"/>
+            <a:ext cx="8376612" cy="3823502"/>
+          </a:xfrm>
+          <a:prstGeom prst="rect">
+            <a:avLst/>
+          </a:prstGeom>
+        </p:spPr>
+        <p:txBody>
+          <a:bodyPr vert="horz" lIns="91440" tIns="45720" rIns="91440" bIns="45720" rtlCol="0" anchor="t">
+            <a:noAutofit/>
+          </a:bodyPr>
+          <a:lstStyle/>
+          <a:p>
+            <a:r>
+              <a:rPr lang="cs-CZ" sz="4000" dirty="0">
+                <a:latin typeface="Franklin Gothic Demi Cond" panose="020B0706030402020204" pitchFamily="34" charset="0"/>
+              </a:rPr>
+              <a:t>- Zařízení můžeme ovládat na dálku např.:  - Pomocí telefonu</a:t>
+            </a:r>
+          </a:p>
+          <a:p>
+            <a:r>
+              <a:rPr lang="cs-CZ" sz="4000" dirty="0">
+                <a:latin typeface="Franklin Gothic Demi Cond" panose="020B0706030402020204" pitchFamily="34" charset="0"/>
+              </a:rPr>
+              <a:t>- Hlasového asistenta</a:t>
+            </a:r>
+          </a:p>
+          <a:p>
+            <a:r>
+              <a:rPr lang="cs-CZ" sz="4000" dirty="0">
+                <a:latin typeface="Franklin Gothic Demi Cond" panose="020B0706030402020204" pitchFamily="34" charset="0"/>
+              </a:rPr>
+              <a:t>- Detekce pohybu (rozsvícení světla)               - Časování (topení se zapne v určitý čas)</a:t>
+            </a:r>
+          </a:p>
+        </p:txBody>
+      </p:sp>
+    </p:spTree>
+    <p:extLst>
+      <p:ext uri="{BB962C8B-B14F-4D97-AF65-F5344CB8AC3E}">
+        <p14:creationId xmlns:p14="http://schemas.microsoft.com/office/powerpoint/2010/main" val="3613534537"/>
+      </p:ext>
+    </p:extLst>
+  </p:cSld>
+  <p:clrMapOvr>
+    <a:overrideClrMapping bg1="dk1" tx1="lt1" bg2="dk2" tx2="lt2" accent1="accent1" accent2="accent2" accent3="accent3" accent4="accent4" accent5="accent5" accent6="accent6" hlink="hlink" folHlink="folHlink"/>
+  </p:clrMapOvr>
+  <mc:AlternateContent xmlns:mc="http://schemas.openxmlformats.org/markup-compatibility/2006" xmlns:p159="http://schemas.microsoft.com/office/powerpoint/2015/09/main">
+    <mc:Choice Requires="p159">
+      <p:transition spd="slow" advClick="0">
+        <p159:morph option="byObject"/>
+      </p:transition>
+    </mc:Choice>
+    <mc:Fallback xmlns="">
+      <p:transition spd="slow" advClick="0">
+        <p:fade/>
+      </p:transition>
+    </mc:Fallback>
+  </mc:AlternateContent>
+  <p:timing>
+    <p:tnLst>
+      <p:par>
+        <p:cTn id="1" dur="indefinite" restart="never" nodeType="tmRoot">
+          <p:childTnLst>
+            <p:seq concurrent="1" nextAc="seek">
+              <p:cTn id="2" dur="indefinite" nodeType="mainSeq">
+                <p:childTnLst>
+                  <p:par>
+                    <p:cTn id="3" fill="hold">
+                      <p:stCondLst>
+                        <p:cond delay="indefinite"/>
+                        <p:cond evt="onBegin" delay="0">
+                          <p:tn val="2"/>
+                        </p:cond>
+                      </p:stCondLst>
+                      <p:childTnLst>
+                        <p:par>
+                          <p:cTn id="4" fill="hold">
+                            <p:stCondLst>
+                              <p:cond delay="0"/>
+                            </p:stCondLst>
+                            <p:childTnLst>
+                              <p:par>
+                                <p:cTn id="5" presetID="14" presetClass="entr" presetSubtype="10" fill="hold" nodeType="withEffect">
+                                  <p:stCondLst>
+                                    <p:cond delay="0"/>
+                                  </p:stCondLst>
+                                  <p:childTnLst>
+                                    <p:set>
+                                      <p:cBhvr>
+                                        <p:cTn id="6" dur="1" fill="hold">
+                                          <p:stCondLst>
+                                            <p:cond delay="0"/>
+                                          </p:stCondLst>
+                                        </p:cTn>
+                                        <p:tgtEl>
+                                          <p:spTgt spid="24">
+                                            <p:txEl>
+                                              <p:pRg st="0" end="0"/>
+                                            </p:txEl>
+                                          </p:spTgt>
+                                        </p:tgtEl>
+                                        <p:attrNameLst>
+                                          <p:attrName>style.visibility</p:attrName>
+                                        </p:attrNameLst>
+                                      </p:cBhvr>
+                                      <p:to>
+                                        <p:strVal val="visible"/>
+                                      </p:to>
+                                    </p:set>
+                                    <p:animEffect transition="in" filter="randombar(horizontal)">
+                                      <p:cBhvr>
+                                        <p:cTn id="7" dur="500"/>
+                                        <p:tgtEl>
+                                          <p:spTgt spid="24">
+                                            <p:txEl>
+                                              <p:pRg st="0" end="0"/>
+                                            </p:txEl>
+                                          </p:spTgt>
+                                        </p:tgtEl>
+                                      </p:cBhvr>
+                                    </p:animEffect>
+                                  </p:childTnLst>
+                                </p:cTn>
+                              </p:par>
+                            </p:childTnLst>
+                          </p:cTn>
+                        </p:par>
+                      </p:childTnLst>
+                    </p:cTn>
+                  </p:par>
+                </p:childTnLst>
+              </p:cTn>
+              <p:prevCondLst>
+                <p:cond evt="onPrev" delay="0">
+                  <p:tgtEl>
+                    <p:sldTgt/>
+                  </p:tgtEl>
+                </p:cond>
+              </p:prevCondLst>
+              <p:nextCondLst>
+                <p:cond evt="onNext" delay="0">
+                  <p:tgtEl>
+                    <p:sldTgt/>
+                  </p:tgtEl>
+                </p:cond>
+              </p:nextCondLst>
+            </p:seq>
+          </p:childTnLst>
+        </p:cTn>
+      </p:par>
+    </p:tnLst>
+  </p:timing>
+</p:sld>
+</file>
+
+<file path=ppt/slides/slide4.xml><?xml version="1.0" encoding="utf-8"?>
+<p:sld xmlns:a="http://schemas.openxmlformats.org/drawingml/2006/main" xmlns:r="http://schemas.openxmlformats.org/officeDocument/2006/relationships" xmlns:p="http://schemas.openxmlformats.org/presentationml/2006/main">
+  <p:cSld>
+    <p:bg>
+      <p:bgPr>
+        <a:pattFill prst="pct5">
+          <a:fgClr>
+            <a:schemeClr val="bg2">
+              <a:lumMod val="10000"/>
+            </a:schemeClr>
+          </a:fgClr>
+          <a:bgClr>
+            <a:srgbClr val="FFFFFF"/>
+          </a:bgClr>
+        </a:pattFill>
+        <a:effectLst/>
+      </p:bgPr>
+    </p:bg>
+    <p:spTree>
+      <p:nvGrpSpPr>
+        <p:cNvPr id="1" name=""/>
+        <p:cNvGrpSpPr/>
+        <p:nvPr/>
+      </p:nvGrpSpPr>
+      <p:grpSpPr>
+        <a:xfrm>
+          <a:off x="0" y="0"/>
+          <a:ext cx="0" cy="0"/>
+          <a:chOff x="0" y="0"/>
+          <a:chExt cx="0" cy="0"/>
+        </a:xfrm>
+      </p:grpSpPr>
+      <p:sp>
+        <p:nvSpPr>
+          <p:cNvPr id="6" name="Obdélník: se zakulacenými rohy 5">
+            <a:extLst>
+              <a:ext uri="{FF2B5EF4-FFF2-40B4-BE49-F238E27FC236}">
+                <a16:creationId xmlns:a16="http://schemas.microsoft.com/office/drawing/2014/main" id="{037FEB7D-8C4A-837E-1B31-78487E1759A5}"/>
+              </a:ext>
+            </a:extLst>
+          </p:cNvPr>
+          <p:cNvSpPr/>
+          <p:nvPr/>
+        </p:nvSpPr>
+        <p:spPr>
+          <a:xfrm>
+            <a:off x="4778408" y="248965"/>
+            <a:ext cx="2581812" cy="998163"/>
+          </a:xfrm>
+          <a:prstGeom prst="roundRect">
+            <a:avLst>
+              <a:gd name="adj" fmla="val 26794"/>
+            </a:avLst>
+          </a:prstGeom>
+          <a:solidFill>
+            <a:srgbClr val="064C8C"/>
+          </a:solidFill>
+          <a:ln>
+            <a:noFill/>
+          </a:ln>
+        </p:spPr>
+        <p:style>
+          <a:lnRef idx="2">
+            <a:schemeClr val="accent1">
+              <a:shade val="50000"/>
+            </a:schemeClr>
+          </a:lnRef>
+          <a:fillRef idx="1">
+            <a:schemeClr val="accent1"/>
+          </a:fillRef>
+          <a:effectRef idx="0">
+            <a:schemeClr val="accent1"/>
+          </a:effectRef>
+          <a:fontRef idx="minor">
+            <a:schemeClr val="lt1"/>
+          </a:fontRef>
+        </p:style>
+        <p:txBody>
+          <a:bodyPr rtlCol="0" anchor="ctr"/>
+          <a:lstStyle/>
+          <a:p>
+            <a:pPr algn="ctr"/>
+            <a:endParaRPr lang="cs-CZ"/>
+          </a:p>
+        </p:txBody>
+      </p:sp>
+      <p:sp>
+        <p:nvSpPr>
+          <p:cNvPr id="7" name="TextovéPole 6">
+            <a:extLst>
+              <a:ext uri="{FF2B5EF4-FFF2-40B4-BE49-F238E27FC236}">
+                <a16:creationId xmlns:a16="http://schemas.microsoft.com/office/drawing/2014/main" id="{E26B03E6-C559-9BF7-FAEC-4A67001CF354}"/>
+              </a:ext>
+            </a:extLst>
+          </p:cNvPr>
+          <p:cNvSpPr txBox="1"/>
+          <p:nvPr/>
+        </p:nvSpPr>
+        <p:spPr>
+          <a:xfrm>
+            <a:off x="5123150" y="318094"/>
+            <a:ext cx="3986621" cy="815608"/>
+          </a:xfrm>
+          <a:prstGeom prst="rect">
+            <a:avLst/>
+          </a:prstGeom>
+          <a:noFill/>
+        </p:spPr>
+        <p:txBody>
+          <a:bodyPr wrap="square" rtlCol="0">
+            <a:spAutoFit/>
+          </a:bodyPr>
+          <a:lstStyle/>
+          <a:p>
+            <a:r>
+              <a:rPr lang="cs-CZ" sz="4700" dirty="0">
+                <a:solidFill>
+                  <a:srgbClr val="FFFFFF"/>
+                </a:solidFill>
+                <a:latin typeface="Franklin Gothic Demi Cond" panose="020B0706030402020204" pitchFamily="34" charset="0"/>
+              </a:rPr>
+              <a:t>Pohodlí</a:t>
+            </a:r>
+          </a:p>
+        </p:txBody>
+      </p:sp>
+      <p:sp>
+        <p:nvSpPr>
+          <p:cNvPr id="19" name="Obdélník: se zakulacenými rohy 18">
+            <a:extLst>
+              <a:ext uri="{FF2B5EF4-FFF2-40B4-BE49-F238E27FC236}">
+                <a16:creationId xmlns:a16="http://schemas.microsoft.com/office/drawing/2014/main" id="{71C6EE45-6FD3-C9B6-5DB1-7BC95FEB6EC1}"/>
+              </a:ext>
+            </a:extLst>
+          </p:cNvPr>
+          <p:cNvSpPr/>
+          <p:nvPr/>
+        </p:nvSpPr>
+        <p:spPr>
+          <a:xfrm>
+            <a:off x="1331373" y="1911350"/>
+            <a:ext cx="9855200" cy="4051300"/>
+          </a:xfrm>
+          <a:prstGeom prst="roundRect">
+            <a:avLst>
+              <a:gd name="adj" fmla="val 15413"/>
+            </a:avLst>
+          </a:prstGeom>
+          <a:solidFill>
+            <a:schemeClr val="tx2">
+              <a:lumMod val="75000"/>
+            </a:schemeClr>
+          </a:solidFill>
+          <a:ln>
+            <a:solidFill>
+              <a:srgbClr val="FFFFFF"/>
+            </a:solidFill>
+          </a:ln>
+        </p:spPr>
+        <p:style>
+          <a:lnRef idx="2">
+            <a:schemeClr val="accent3">
+              <a:shade val="50000"/>
+            </a:schemeClr>
+          </a:lnRef>
+          <a:fillRef idx="1">
+            <a:schemeClr val="accent3"/>
+          </a:fillRef>
+          <a:effectRef idx="0">
+            <a:schemeClr val="accent3"/>
+          </a:effectRef>
+          <a:fontRef idx="minor">
+            <a:schemeClr val="lt1"/>
+          </a:fontRef>
+        </p:style>
+        <p:txBody>
+          <a:bodyPr rtlCol="0" anchor="ctr"/>
+          <a:lstStyle/>
+          <a:p>
+            <a:pPr algn="ctr"/>
+            <a:endParaRPr lang="cs-CZ"/>
+          </a:p>
+        </p:txBody>
+      </p:sp>
+      <p:sp>
+        <p:nvSpPr>
+          <p:cNvPr id="18" name="TextovéPole 17">
+            <a:extLst>
+              <a:ext uri="{FF2B5EF4-FFF2-40B4-BE49-F238E27FC236}">
+                <a16:creationId xmlns:a16="http://schemas.microsoft.com/office/drawing/2014/main" id="{16E27135-B1FE-439C-252E-DEF694E4C41D}"/>
+              </a:ext>
+            </a:extLst>
+          </p:cNvPr>
+          <p:cNvSpPr txBox="1"/>
+          <p:nvPr/>
+        </p:nvSpPr>
+        <p:spPr>
+          <a:xfrm>
+            <a:off x="2070667" y="2341033"/>
+            <a:ext cx="8376612" cy="3823502"/>
+          </a:xfrm>
+          <a:prstGeom prst="rect">
+            <a:avLst/>
+          </a:prstGeom>
+        </p:spPr>
+        <p:txBody>
+          <a:bodyPr vert="horz" lIns="91440" tIns="45720" rIns="91440" bIns="45720" rtlCol="0" anchor="t">
+            <a:noAutofit/>
+          </a:bodyPr>
+          <a:lstStyle/>
+          <a:p>
+            <a:r>
+              <a:rPr lang="cs-CZ" sz="4000" dirty="0">
+                <a:solidFill>
+                  <a:schemeClr val="bg1"/>
+                </a:solidFill>
+                <a:latin typeface="Franklin Gothic Demi Cond" panose="020B0706030402020204" pitchFamily="34" charset="0"/>
+              </a:rPr>
+              <a:t>- Zařízení můžeme ovládat na dálku např.:  - Pomocí telefonu</a:t>
+            </a:r>
+          </a:p>
+          <a:p>
+            <a:r>
+              <a:rPr lang="cs-CZ" sz="4000" dirty="0">
+                <a:solidFill>
+                  <a:schemeClr val="bg1"/>
+                </a:solidFill>
+                <a:latin typeface="Franklin Gothic Demi Cond" panose="020B0706030402020204" pitchFamily="34" charset="0"/>
+              </a:rPr>
+              <a:t>- Hlasového asistenta</a:t>
+            </a:r>
+          </a:p>
+          <a:p>
+            <a:r>
+              <a:rPr lang="cs-CZ" sz="4000" dirty="0">
+                <a:solidFill>
+                  <a:schemeClr val="bg1"/>
+                </a:solidFill>
+                <a:latin typeface="Franklin Gothic Demi Cond" panose="020B0706030402020204" pitchFamily="34" charset="0"/>
+              </a:rPr>
+              <a:t>- Detekce pohybu (rozsvícení světla)               - Časování (topení se zapne v určitý čas)</a:t>
+            </a:r>
+          </a:p>
+        </p:txBody>
+      </p:sp>
+      <p:sp>
+        <p:nvSpPr>
+          <p:cNvPr id="25" name="Ovál 24">
+            <a:extLst>
+              <a:ext uri="{FF2B5EF4-FFF2-40B4-BE49-F238E27FC236}">
+                <a16:creationId xmlns:a16="http://schemas.microsoft.com/office/drawing/2014/main" id="{0D7E12B4-69F3-363C-62E3-EEEA867C5246}"/>
+              </a:ext>
+            </a:extLst>
+          </p:cNvPr>
+          <p:cNvSpPr/>
+          <p:nvPr/>
+        </p:nvSpPr>
+        <p:spPr>
+          <a:xfrm>
+            <a:off x="166350" y="268015"/>
+            <a:ext cx="1107230" cy="1096132"/>
+          </a:xfrm>
+          <a:prstGeom prst="ellipse">
+            <a:avLst/>
+          </a:prstGeom>
+          <a:solidFill>
+            <a:srgbClr val="064C8C"/>
+          </a:solidFill>
+          <a:ln>
+            <a:noFill/>
+          </a:ln>
+        </p:spPr>
+        <p:style>
+          <a:lnRef idx="2">
+            <a:schemeClr val="accent1">
+              <a:shade val="50000"/>
+            </a:schemeClr>
+          </a:lnRef>
+          <a:fillRef idx="1">
+            <a:schemeClr val="accent1"/>
+          </a:fillRef>
+          <a:effectRef idx="0">
+            <a:schemeClr val="accent1"/>
+          </a:effectRef>
+          <a:fontRef idx="minor">
+            <a:schemeClr val="lt1"/>
+          </a:fontRef>
+        </p:style>
+        <p:txBody>
+          <a:bodyPr rtlCol="0" anchor="ctr"/>
+          <a:lstStyle/>
+          <a:p>
+            <a:pPr algn="ctr"/>
+            <a:endParaRPr lang="cs-CZ"/>
+          </a:p>
+        </p:txBody>
+      </p:sp>
+      <p:pic>
+        <p:nvPicPr>
+          <p:cNvPr id="13" name="Grafický objekt 12" descr="Spánek obrys">
+            <a:extLst>
+              <a:ext uri="{FF2B5EF4-FFF2-40B4-BE49-F238E27FC236}">
+                <a16:creationId xmlns:a16="http://schemas.microsoft.com/office/drawing/2014/main" id="{7F3E4546-0684-536C-9A27-A908107314B8}"/>
+              </a:ext>
+            </a:extLst>
+          </p:cNvPr>
+          <p:cNvPicPr>
+            <a:picLocks noChangeAspect="1"/>
+          </p:cNvPicPr>
+          <p:nvPr/>
+        </p:nvPicPr>
+        <p:blipFill>
+          <a:blip r:embed="rId2">
+            <a:extLst>
+              <a:ext uri="{28A0092B-C50C-407E-A947-70E740481C1C}">
+                <a14:useLocalDpi xmlns:a14="http://schemas.microsoft.com/office/drawing/2010/main" val="0"/>
+              </a:ext>
+              <a:ext uri="{96DAC541-7B7A-43D3-8B79-37D633B846F1}">
+                <asvg:svgBlip xmlns:asvg="http://schemas.microsoft.com/office/drawing/2016/SVG/main" r:embed="rId3"/>
+              </a:ext>
+            </a:extLst>
+          </a:blip>
+          <a:stretch>
+            <a:fillRect/>
+          </a:stretch>
+        </p:blipFill>
+        <p:spPr>
+          <a:xfrm>
+            <a:off x="256982" y="343085"/>
+            <a:ext cx="914400" cy="914400"/>
+          </a:xfrm>
+          <a:prstGeom prst="rect">
+            <a:avLst/>
+          </a:prstGeom>
+        </p:spPr>
+      </p:pic>
+      <p:sp>
+        <p:nvSpPr>
+          <p:cNvPr id="53" name="Ovál 52">
+            <a:extLst>
+              <a:ext uri="{FF2B5EF4-FFF2-40B4-BE49-F238E27FC236}">
+                <a16:creationId xmlns:a16="http://schemas.microsoft.com/office/drawing/2014/main" id="{40F083E3-AFC5-1F5F-2E60-03F1C507ADDD}"/>
+              </a:ext>
+            </a:extLst>
+          </p:cNvPr>
+          <p:cNvSpPr/>
+          <p:nvPr/>
+        </p:nvSpPr>
+        <p:spPr>
+          <a:xfrm>
+            <a:off x="12272802" y="1843981"/>
+            <a:ext cx="1078146" cy="1068056"/>
+          </a:xfrm>
+          <a:prstGeom prst="ellipse">
+            <a:avLst/>
+          </a:prstGeom>
+          <a:solidFill>
+            <a:srgbClr val="064C8C"/>
+          </a:solidFill>
+          <a:ln>
+            <a:noFill/>
+          </a:ln>
+        </p:spPr>
+        <p:style>
+          <a:lnRef idx="2">
+            <a:schemeClr val="accent1">
+              <a:shade val="50000"/>
+            </a:schemeClr>
+          </a:lnRef>
+          <a:fillRef idx="1">
+            <a:schemeClr val="accent1"/>
+          </a:fillRef>
+          <a:effectRef idx="0">
+            <a:schemeClr val="accent1"/>
+          </a:effectRef>
+          <a:fontRef idx="minor">
+            <a:schemeClr val="lt1"/>
+          </a:fontRef>
+        </p:style>
+        <p:txBody>
+          <a:bodyPr rtlCol="0" anchor="ctr"/>
+          <a:lstStyle/>
+          <a:p>
+            <a:pPr algn="ctr"/>
+            <a:endParaRPr lang="cs-CZ"/>
+          </a:p>
+        </p:txBody>
+      </p:sp>
+      <p:pic>
+        <p:nvPicPr>
+          <p:cNvPr id="54" name="Grafický objekt 53" descr="Plná baterie se souvislou výplní">
+            <a:extLst>
+              <a:ext uri="{FF2B5EF4-FFF2-40B4-BE49-F238E27FC236}">
+                <a16:creationId xmlns:a16="http://schemas.microsoft.com/office/drawing/2014/main" id="{0119FC6C-0DF1-A748-2A9A-EE2B670C3730}"/>
+              </a:ext>
+            </a:extLst>
+          </p:cNvPr>
+          <p:cNvPicPr>
+            <a:picLocks noChangeAspect="1"/>
+          </p:cNvPicPr>
+          <p:nvPr/>
+        </p:nvPicPr>
+        <p:blipFill>
+          <a:blip r:embed="rId4">
+            <a:extLst>
+              <a:ext uri="{28A0092B-C50C-407E-A947-70E740481C1C}">
+                <a14:useLocalDpi xmlns:a14="http://schemas.microsoft.com/office/drawing/2010/main" val="0"/>
+              </a:ext>
+              <a:ext uri="{96DAC541-7B7A-43D3-8B79-37D633B846F1}">
+                <asvg:svgBlip xmlns:asvg="http://schemas.microsoft.com/office/drawing/2016/SVG/main" r:embed="rId5"/>
+              </a:ext>
+            </a:extLst>
+          </a:blip>
+          <a:stretch>
+            <a:fillRect/>
+          </a:stretch>
+        </p:blipFill>
+        <p:spPr>
+          <a:xfrm>
+            <a:off x="12368618" y="1911350"/>
+            <a:ext cx="916925" cy="916925"/>
+          </a:xfrm>
+          <a:prstGeom prst="rect">
+            <a:avLst/>
+          </a:prstGeom>
+        </p:spPr>
+      </p:pic>
+      <p:sp>
+        <p:nvSpPr>
+          <p:cNvPr id="55" name="Obdélník: se zakulacenými rohy 54">
+            <a:extLst>
+              <a:ext uri="{FF2B5EF4-FFF2-40B4-BE49-F238E27FC236}">
+                <a16:creationId xmlns:a16="http://schemas.microsoft.com/office/drawing/2014/main" id="{AB757C63-1632-D47A-18AA-4C4AC03ECC1D}"/>
+              </a:ext>
+            </a:extLst>
+          </p:cNvPr>
+          <p:cNvSpPr/>
+          <p:nvPr/>
+        </p:nvSpPr>
+        <p:spPr>
+          <a:xfrm>
+            <a:off x="15495481" y="1913160"/>
+            <a:ext cx="3581068" cy="979739"/>
+          </a:xfrm>
+          <a:prstGeom prst="roundRect">
+            <a:avLst>
+              <a:gd name="adj" fmla="val 26794"/>
+            </a:avLst>
+          </a:prstGeom>
+          <a:solidFill>
+            <a:srgbClr val="064C8C"/>
+          </a:solidFill>
+          <a:ln>
+            <a:noFill/>
+          </a:ln>
+        </p:spPr>
+        <p:style>
+          <a:lnRef idx="2">
+            <a:schemeClr val="accent1">
+              <a:shade val="50000"/>
+            </a:schemeClr>
+          </a:lnRef>
+          <a:fillRef idx="1">
+            <a:schemeClr val="accent1"/>
+          </a:fillRef>
+          <a:effectRef idx="0">
+            <a:schemeClr val="accent1"/>
+          </a:effectRef>
+          <a:fontRef idx="minor">
+            <a:schemeClr val="lt1"/>
+          </a:fontRef>
+        </p:style>
+        <p:txBody>
+          <a:bodyPr rtlCol="0" anchor="ctr"/>
+          <a:lstStyle/>
+          <a:p>
+            <a:pPr algn="ctr"/>
+            <a:endParaRPr lang="cs-CZ"/>
+          </a:p>
+        </p:txBody>
+      </p:sp>
+      <p:sp>
+        <p:nvSpPr>
+          <p:cNvPr id="56" name="TextovéPole 55">
+            <a:extLst>
+              <a:ext uri="{FF2B5EF4-FFF2-40B4-BE49-F238E27FC236}">
+                <a16:creationId xmlns:a16="http://schemas.microsoft.com/office/drawing/2014/main" id="{4EB9AA13-779E-F26A-DED2-16A5313C569A}"/>
+              </a:ext>
+            </a:extLst>
+          </p:cNvPr>
+          <p:cNvSpPr txBox="1"/>
+          <p:nvPr/>
+        </p:nvSpPr>
+        <p:spPr>
+          <a:xfrm>
+            <a:off x="15591895" y="1974427"/>
+            <a:ext cx="3986621" cy="1461939"/>
+          </a:xfrm>
+          <a:prstGeom prst="rect">
+            <a:avLst/>
+          </a:prstGeom>
+          <a:noFill/>
+        </p:spPr>
+        <p:txBody>
+          <a:bodyPr wrap="square" rtlCol="0">
+            <a:spAutoFit/>
+          </a:bodyPr>
+          <a:lstStyle/>
+          <a:p>
+            <a:r>
+              <a:rPr lang="cs-CZ" sz="4400" dirty="0">
+                <a:solidFill>
+                  <a:srgbClr val="FFFFFF"/>
+                </a:solidFill>
+                <a:latin typeface="Franklin Gothic Demi Cond" panose="020B0706030402020204" pitchFamily="34" charset="0"/>
+              </a:rPr>
+              <a:t>Úspora energie </a:t>
+            </a:r>
+          </a:p>
+          <a:p>
+            <a:endParaRPr lang="cs-CZ" sz="4500" dirty="0">
+              <a:solidFill>
+                <a:srgbClr val="FFFFFF"/>
+              </a:solidFill>
+              <a:latin typeface="Franklin Gothic Demi Cond" panose="020B0706030402020204" pitchFamily="34" charset="0"/>
+            </a:endParaRPr>
+          </a:p>
+        </p:txBody>
+      </p:sp>
+      <p:sp>
+        <p:nvSpPr>
+          <p:cNvPr id="57" name="Ovál 56">
+            <a:extLst>
+              <a:ext uri="{FF2B5EF4-FFF2-40B4-BE49-F238E27FC236}">
+                <a16:creationId xmlns:a16="http://schemas.microsoft.com/office/drawing/2014/main" id="{51CBCE88-DA23-7F16-CC28-DD34F0245A4B}"/>
+              </a:ext>
+            </a:extLst>
+          </p:cNvPr>
+          <p:cNvSpPr/>
+          <p:nvPr/>
+        </p:nvSpPr>
+        <p:spPr>
+          <a:xfrm>
+            <a:off x="13932187" y="4206961"/>
+            <a:ext cx="1104182" cy="1081924"/>
+          </a:xfrm>
+          <a:prstGeom prst="ellipse">
+            <a:avLst/>
+          </a:prstGeom>
+          <a:solidFill>
+            <a:srgbClr val="064C8C"/>
+          </a:solidFill>
+          <a:ln>
+            <a:noFill/>
+          </a:ln>
+        </p:spPr>
+        <p:style>
+          <a:lnRef idx="2">
+            <a:schemeClr val="accent1">
+              <a:shade val="50000"/>
+            </a:schemeClr>
+          </a:lnRef>
+          <a:fillRef idx="1">
+            <a:schemeClr val="accent1"/>
+          </a:fillRef>
+          <a:effectRef idx="0">
+            <a:schemeClr val="accent1"/>
+          </a:effectRef>
+          <a:fontRef idx="minor">
+            <a:schemeClr val="lt1"/>
+          </a:fontRef>
+        </p:style>
+        <p:txBody>
+          <a:bodyPr rtlCol="0" anchor="ctr"/>
+          <a:lstStyle/>
+          <a:p>
+            <a:pPr algn="ctr"/>
+            <a:endParaRPr lang="cs-CZ"/>
+          </a:p>
+        </p:txBody>
+      </p:sp>
+      <p:pic>
+        <p:nvPicPr>
+          <p:cNvPr id="58" name="Grafický objekt 57" descr="Zloděj obrys">
+            <a:extLst>
+              <a:ext uri="{FF2B5EF4-FFF2-40B4-BE49-F238E27FC236}">
+                <a16:creationId xmlns:a16="http://schemas.microsoft.com/office/drawing/2014/main" id="{03023EBE-BBC4-5948-10C7-37A536F5326B}"/>
+              </a:ext>
+            </a:extLst>
+          </p:cNvPr>
+          <p:cNvPicPr>
+            <a:picLocks noChangeAspect="1"/>
+          </p:cNvPicPr>
+          <p:nvPr/>
+        </p:nvPicPr>
+        <p:blipFill>
+          <a:blip r:embed="rId6">
+            <a:extLst>
+              <a:ext uri="{28A0092B-C50C-407E-A947-70E740481C1C}">
+                <a14:useLocalDpi xmlns:a14="http://schemas.microsoft.com/office/drawing/2010/main" val="0"/>
+              </a:ext>
+              <a:ext uri="{96DAC541-7B7A-43D3-8B79-37D633B846F1}">
+                <asvg:svgBlip xmlns:asvg="http://schemas.microsoft.com/office/drawing/2016/SVG/main" r:embed="rId7"/>
+              </a:ext>
+            </a:extLst>
+          </a:blip>
+          <a:stretch>
+            <a:fillRect/>
+          </a:stretch>
+        </p:blipFill>
+        <p:spPr>
+          <a:xfrm>
+            <a:off x="13993320" y="4303402"/>
+            <a:ext cx="931135" cy="931135"/>
+          </a:xfrm>
+          <a:prstGeom prst="rect">
+            <a:avLst/>
+          </a:prstGeom>
+        </p:spPr>
+      </p:pic>
+      <p:sp>
+        <p:nvSpPr>
+          <p:cNvPr id="59" name="Ovál 58">
+            <a:extLst>
+              <a:ext uri="{FF2B5EF4-FFF2-40B4-BE49-F238E27FC236}">
+                <a16:creationId xmlns:a16="http://schemas.microsoft.com/office/drawing/2014/main" id="{0BE9AF56-33CE-E037-F432-1729D33140A9}"/>
+              </a:ext>
+            </a:extLst>
+          </p:cNvPr>
+          <p:cNvSpPr/>
+          <p:nvPr/>
+        </p:nvSpPr>
+        <p:spPr>
+          <a:xfrm>
+            <a:off x="15805313" y="6111131"/>
+            <a:ext cx="1104182" cy="1081924"/>
+          </a:xfrm>
+          <a:prstGeom prst="ellipse">
+            <a:avLst/>
+          </a:prstGeom>
+          <a:solidFill>
+            <a:srgbClr val="064C8C"/>
+          </a:solidFill>
+          <a:ln>
+            <a:noFill/>
+          </a:ln>
+        </p:spPr>
+        <p:style>
+          <a:lnRef idx="2">
+            <a:schemeClr val="accent1">
+              <a:shade val="50000"/>
+            </a:schemeClr>
+          </a:lnRef>
+          <a:fillRef idx="1">
+            <a:schemeClr val="accent1"/>
+          </a:fillRef>
+          <a:effectRef idx="0">
+            <a:schemeClr val="accent1"/>
+          </a:effectRef>
+          <a:fontRef idx="minor">
+            <a:schemeClr val="lt1"/>
+          </a:fontRef>
+        </p:style>
+        <p:txBody>
+          <a:bodyPr rtlCol="0" anchor="ctr"/>
+          <a:lstStyle/>
+          <a:p>
+            <a:pPr algn="ctr"/>
+            <a:endParaRPr lang="cs-CZ"/>
+          </a:p>
+        </p:txBody>
+      </p:sp>
+      <p:pic>
+        <p:nvPicPr>
+          <p:cNvPr id="60" name="Grafický objekt 59" descr="Robotická ruka obrys">
+            <a:extLst>
+              <a:ext uri="{FF2B5EF4-FFF2-40B4-BE49-F238E27FC236}">
+                <a16:creationId xmlns:a16="http://schemas.microsoft.com/office/drawing/2014/main" id="{1BAF96D4-DBF7-5002-9918-0A0DBDC59F84}"/>
+              </a:ext>
+            </a:extLst>
+          </p:cNvPr>
+          <p:cNvPicPr>
+            <a:picLocks noChangeAspect="1"/>
+          </p:cNvPicPr>
+          <p:nvPr/>
+        </p:nvPicPr>
+        <p:blipFill>
+          <a:blip r:embed="rId8">
+            <a:extLst>
+              <a:ext uri="{28A0092B-C50C-407E-A947-70E740481C1C}">
+                <a14:useLocalDpi xmlns:a14="http://schemas.microsoft.com/office/drawing/2010/main" val="0"/>
+              </a:ext>
+              <a:ext uri="{96DAC541-7B7A-43D3-8B79-37D633B846F1}">
+                <asvg:svgBlip xmlns:asvg="http://schemas.microsoft.com/office/drawing/2016/SVG/main" r:embed="rId9"/>
+              </a:ext>
+            </a:extLst>
+          </a:blip>
+          <a:stretch>
+            <a:fillRect/>
+          </a:stretch>
+        </p:blipFill>
+        <p:spPr>
+          <a:xfrm>
+            <a:off x="15970848" y="6177622"/>
+            <a:ext cx="914400" cy="914400"/>
+          </a:xfrm>
+          <a:prstGeom prst="rect">
+            <a:avLst/>
+          </a:prstGeom>
+        </p:spPr>
+      </p:pic>
+      <p:sp>
+        <p:nvSpPr>
+          <p:cNvPr id="61" name="Obdélník: se zakulacenými rohy 60">
+            <a:extLst>
+              <a:ext uri="{FF2B5EF4-FFF2-40B4-BE49-F238E27FC236}">
+                <a16:creationId xmlns:a16="http://schemas.microsoft.com/office/drawing/2014/main" id="{6CCB227B-DE44-FB5D-2D65-2320222AAA06}"/>
+              </a:ext>
+            </a:extLst>
+          </p:cNvPr>
+          <p:cNvSpPr/>
+          <p:nvPr/>
+        </p:nvSpPr>
+        <p:spPr>
+          <a:xfrm>
+            <a:off x="15504567" y="4206961"/>
+            <a:ext cx="2933002" cy="1081924"/>
+          </a:xfrm>
+          <a:prstGeom prst="roundRect">
+            <a:avLst>
+              <a:gd name="adj" fmla="val 26794"/>
+            </a:avLst>
+          </a:prstGeom>
+          <a:solidFill>
+            <a:srgbClr val="064C8C"/>
+          </a:solidFill>
+          <a:ln>
+            <a:noFill/>
+          </a:ln>
+        </p:spPr>
+        <p:style>
+          <a:lnRef idx="2">
+            <a:schemeClr val="accent1">
+              <a:shade val="50000"/>
+            </a:schemeClr>
+          </a:lnRef>
+          <a:fillRef idx="1">
+            <a:schemeClr val="accent1"/>
+          </a:fillRef>
+          <a:effectRef idx="0">
+            <a:schemeClr val="accent1"/>
+          </a:effectRef>
+          <a:fontRef idx="minor">
+            <a:schemeClr val="lt1"/>
+          </a:fontRef>
+        </p:style>
+        <p:txBody>
+          <a:bodyPr rtlCol="0" anchor="ctr"/>
+          <a:lstStyle/>
+          <a:p>
+            <a:pPr algn="ctr"/>
+            <a:endParaRPr lang="cs-CZ"/>
+          </a:p>
+        </p:txBody>
+      </p:sp>
+      <p:sp>
+        <p:nvSpPr>
+          <p:cNvPr id="62" name="TextovéPole 61">
+            <a:extLst>
+              <a:ext uri="{FF2B5EF4-FFF2-40B4-BE49-F238E27FC236}">
+                <a16:creationId xmlns:a16="http://schemas.microsoft.com/office/drawing/2014/main" id="{ABDEF9C4-530C-93B4-250F-C73278898674}"/>
+              </a:ext>
+            </a:extLst>
+          </p:cNvPr>
+          <p:cNvSpPr txBox="1"/>
+          <p:nvPr/>
+        </p:nvSpPr>
+        <p:spPr>
+          <a:xfrm>
+            <a:off x="15591895" y="4348649"/>
+            <a:ext cx="3789444" cy="800219"/>
+          </a:xfrm>
+          <a:prstGeom prst="rect">
+            <a:avLst/>
+          </a:prstGeom>
+          <a:noFill/>
+        </p:spPr>
+        <p:txBody>
+          <a:bodyPr wrap="square" rtlCol="0">
+            <a:spAutoFit/>
+          </a:bodyPr>
+          <a:lstStyle/>
+          <a:p>
+            <a:r>
+              <a:rPr lang="cs-CZ" sz="4600" dirty="0">
+                <a:solidFill>
+                  <a:srgbClr val="FFFFFF"/>
+                </a:solidFill>
+                <a:latin typeface="Franklin Gothic Demi Cond" panose="020B0706030402020204" pitchFamily="34" charset="0"/>
+              </a:rPr>
+              <a:t>Bezpečnost</a:t>
+            </a:r>
+          </a:p>
+        </p:txBody>
+      </p:sp>
+      <p:sp>
+        <p:nvSpPr>
+          <p:cNvPr id="63" name="Obdélník: se zakulacenými rohy 62">
+            <a:extLst>
+              <a:ext uri="{FF2B5EF4-FFF2-40B4-BE49-F238E27FC236}">
+                <a16:creationId xmlns:a16="http://schemas.microsoft.com/office/drawing/2014/main" id="{0D1B1698-49C3-BFDA-02C0-43F3318566B1}"/>
+              </a:ext>
+            </a:extLst>
+          </p:cNvPr>
+          <p:cNvSpPr/>
+          <p:nvPr/>
+        </p:nvSpPr>
+        <p:spPr>
+          <a:xfrm>
+            <a:off x="17345668" y="6104827"/>
+            <a:ext cx="3479934" cy="1081924"/>
+          </a:xfrm>
+          <a:prstGeom prst="roundRect">
+            <a:avLst>
+              <a:gd name="adj" fmla="val 26794"/>
+            </a:avLst>
+          </a:prstGeom>
+          <a:solidFill>
+            <a:srgbClr val="064C8C"/>
+          </a:solidFill>
+          <a:ln>
+            <a:noFill/>
+          </a:ln>
+        </p:spPr>
+        <p:style>
+          <a:lnRef idx="2">
+            <a:schemeClr val="accent1">
+              <a:shade val="50000"/>
+            </a:schemeClr>
+          </a:lnRef>
+          <a:fillRef idx="1">
+            <a:schemeClr val="accent1"/>
+          </a:fillRef>
+          <a:effectRef idx="0">
+            <a:schemeClr val="accent1"/>
+          </a:effectRef>
+          <a:fontRef idx="minor">
+            <a:schemeClr val="lt1"/>
+          </a:fontRef>
+        </p:style>
+        <p:txBody>
+          <a:bodyPr rtlCol="0" anchor="ctr"/>
+          <a:lstStyle/>
+          <a:p>
+            <a:pPr algn="ctr"/>
+            <a:endParaRPr lang="cs-CZ"/>
+          </a:p>
+        </p:txBody>
+      </p:sp>
+      <p:sp>
+        <p:nvSpPr>
+          <p:cNvPr id="64" name="TextovéPole 63">
+            <a:extLst>
+              <a:ext uri="{FF2B5EF4-FFF2-40B4-BE49-F238E27FC236}">
+                <a16:creationId xmlns:a16="http://schemas.microsoft.com/office/drawing/2014/main" id="{DF1F77A1-FC58-35A2-84B7-076E336849A7}"/>
+              </a:ext>
+            </a:extLst>
+          </p:cNvPr>
+          <p:cNvSpPr txBox="1"/>
+          <p:nvPr/>
+        </p:nvSpPr>
+        <p:spPr>
+          <a:xfrm>
+            <a:off x="17471740" y="6228639"/>
+            <a:ext cx="3789444" cy="800219"/>
+          </a:xfrm>
+          <a:prstGeom prst="rect">
+            <a:avLst/>
+          </a:prstGeom>
+          <a:noFill/>
+        </p:spPr>
+        <p:txBody>
+          <a:bodyPr wrap="square" rtlCol="0">
+            <a:spAutoFit/>
+          </a:bodyPr>
+          <a:lstStyle/>
+          <a:p>
+            <a:r>
+              <a:rPr lang="cs-CZ" sz="4600" dirty="0">
+                <a:solidFill>
+                  <a:srgbClr val="FFFFFF"/>
+                </a:solidFill>
+                <a:latin typeface="Franklin Gothic Demi Cond" panose="020B0706030402020204" pitchFamily="34" charset="0"/>
+              </a:rPr>
+              <a:t>Automatizace</a:t>
+            </a:r>
+          </a:p>
+        </p:txBody>
+      </p:sp>
+      <p:sp>
+        <p:nvSpPr>
+          <p:cNvPr id="2" name="Ovál 1">
+            <a:extLst>
+              <a:ext uri="{FF2B5EF4-FFF2-40B4-BE49-F238E27FC236}">
+                <a16:creationId xmlns:a16="http://schemas.microsoft.com/office/drawing/2014/main" id="{90859342-C309-E4DC-E4BC-F7E855A28B0D}"/>
+              </a:ext>
+            </a:extLst>
+          </p:cNvPr>
+          <p:cNvSpPr/>
+          <p:nvPr/>
+        </p:nvSpPr>
+        <p:spPr>
+          <a:xfrm>
+            <a:off x="-5119753" y="6346780"/>
+            <a:ext cx="2698990" cy="2698990"/>
+          </a:xfrm>
+          <a:prstGeom prst="ellipse">
+            <a:avLst/>
+          </a:prstGeom>
+          <a:solidFill>
+            <a:srgbClr val="0168A7"/>
+          </a:solidFill>
+          <a:ln>
+            <a:noFill/>
+          </a:ln>
+        </p:spPr>
+        <p:style>
+          <a:lnRef idx="2">
+            <a:schemeClr val="accent5"/>
+          </a:lnRef>
+          <a:fillRef idx="1">
+            <a:schemeClr val="lt1"/>
+          </a:fillRef>
+          <a:effectRef idx="0">
+            <a:schemeClr val="accent5"/>
+          </a:effectRef>
+          <a:fontRef idx="minor">
+            <a:schemeClr val="dk1"/>
+          </a:fontRef>
+        </p:style>
+        <p:txBody>
+          <a:bodyPr rtlCol="0" anchor="ctr"/>
+          <a:lstStyle/>
+          <a:p>
+            <a:pPr algn="ctr"/>
+            <a:endParaRPr lang="cs-CZ"/>
+          </a:p>
+        </p:txBody>
+      </p:sp>
+      <p:sp>
+        <p:nvSpPr>
+          <p:cNvPr id="3" name="Ovál 2">
+            <a:extLst>
+              <a:ext uri="{FF2B5EF4-FFF2-40B4-BE49-F238E27FC236}">
+                <a16:creationId xmlns:a16="http://schemas.microsoft.com/office/drawing/2014/main" id="{DEA7DAB5-5A54-A75D-F267-E02008F1E9CA}"/>
+              </a:ext>
+            </a:extLst>
+          </p:cNvPr>
+          <p:cNvSpPr/>
+          <p:nvPr/>
+        </p:nvSpPr>
+        <p:spPr>
+          <a:xfrm>
+            <a:off x="-4920564" y="1370996"/>
+            <a:ext cx="3024452" cy="3024452"/>
+          </a:xfrm>
+          <a:prstGeom prst="ellipse">
+            <a:avLst/>
+          </a:prstGeom>
+          <a:solidFill>
+            <a:srgbClr val="0168A7"/>
+          </a:solidFill>
+          <a:ln>
+            <a:noFill/>
+          </a:ln>
+        </p:spPr>
+        <p:style>
+          <a:lnRef idx="2">
+            <a:schemeClr val="accent5"/>
+          </a:lnRef>
+          <a:fillRef idx="1">
+            <a:schemeClr val="lt1"/>
+          </a:fillRef>
+          <a:effectRef idx="0">
+            <a:schemeClr val="accent5"/>
+          </a:effectRef>
+          <a:fontRef idx="minor">
+            <a:schemeClr val="dk1"/>
+          </a:fontRef>
+        </p:style>
+        <p:txBody>
+          <a:bodyPr rtlCol="0" anchor="ctr"/>
+          <a:lstStyle/>
+          <a:p>
+            <a:pPr algn="ctr"/>
+            <a:endParaRPr lang="cs-CZ"/>
+          </a:p>
+        </p:txBody>
+      </p:sp>
+      <p:sp>
+        <p:nvSpPr>
+          <p:cNvPr id="4" name="Ovál 3">
+            <a:extLst>
+              <a:ext uri="{FF2B5EF4-FFF2-40B4-BE49-F238E27FC236}">
+                <a16:creationId xmlns:a16="http://schemas.microsoft.com/office/drawing/2014/main" id="{365ADCF0-05BC-E6B6-2354-020CEE15E64D}"/>
+              </a:ext>
+            </a:extLst>
+          </p:cNvPr>
+          <p:cNvSpPr/>
+          <p:nvPr/>
+        </p:nvSpPr>
+        <p:spPr>
+          <a:xfrm>
+            <a:off x="-4378988" y="3483266"/>
+            <a:ext cx="4350685" cy="4350685"/>
+          </a:xfrm>
+          <a:prstGeom prst="ellipse">
+            <a:avLst/>
+          </a:prstGeom>
+          <a:solidFill>
+            <a:srgbClr val="0168A7"/>
+          </a:solidFill>
+          <a:ln>
+            <a:noFill/>
+          </a:ln>
+        </p:spPr>
+        <p:style>
+          <a:lnRef idx="2">
+            <a:schemeClr val="accent5"/>
+          </a:lnRef>
+          <a:fillRef idx="1">
+            <a:schemeClr val="lt1"/>
+          </a:fillRef>
+          <a:effectRef idx="0">
+            <a:schemeClr val="accent5"/>
+          </a:effectRef>
+          <a:fontRef idx="minor">
+            <a:schemeClr val="dk1"/>
+          </a:fontRef>
+        </p:style>
+        <p:txBody>
+          <a:bodyPr rtlCol="0" anchor="ctr"/>
+          <a:lstStyle/>
+          <a:p>
+            <a:pPr algn="ctr"/>
+            <a:endParaRPr lang="cs-CZ"/>
+          </a:p>
+        </p:txBody>
+      </p:sp>
+      <p:sp>
+        <p:nvSpPr>
+          <p:cNvPr id="5" name="Ovál 4">
+            <a:extLst>
+              <a:ext uri="{FF2B5EF4-FFF2-40B4-BE49-F238E27FC236}">
+                <a16:creationId xmlns:a16="http://schemas.microsoft.com/office/drawing/2014/main" id="{53479F5D-9118-9F23-088B-1CFA10E87A1E}"/>
+              </a:ext>
+            </a:extLst>
+          </p:cNvPr>
+          <p:cNvSpPr/>
+          <p:nvPr/>
+        </p:nvSpPr>
+        <p:spPr>
+          <a:xfrm>
+            <a:off x="-5119753" y="6346780"/>
+            <a:ext cx="2598520" cy="2598520"/>
+          </a:xfrm>
+          <a:prstGeom prst="ellipse">
+            <a:avLst/>
+          </a:prstGeom>
+          <a:solidFill>
+            <a:srgbClr val="05A0D1"/>
+          </a:solidFill>
+          <a:ln>
+            <a:noFill/>
+          </a:ln>
+        </p:spPr>
+        <p:style>
+          <a:lnRef idx="2">
+            <a:schemeClr val="accent5"/>
+          </a:lnRef>
+          <a:fillRef idx="1">
+            <a:schemeClr val="lt1"/>
+          </a:fillRef>
+          <a:effectRef idx="0">
+            <a:schemeClr val="accent5"/>
+          </a:effectRef>
+          <a:fontRef idx="minor">
+            <a:schemeClr val="dk1"/>
+          </a:fontRef>
+        </p:style>
+        <p:txBody>
+          <a:bodyPr rtlCol="0" anchor="ctr"/>
+          <a:lstStyle/>
+          <a:p>
+            <a:pPr algn="ctr"/>
+            <a:endParaRPr lang="cs-CZ"/>
+          </a:p>
+        </p:txBody>
+      </p:sp>
+      <p:sp>
+        <p:nvSpPr>
+          <p:cNvPr id="8" name="Ovál 7">
+            <a:extLst>
+              <a:ext uri="{FF2B5EF4-FFF2-40B4-BE49-F238E27FC236}">
+                <a16:creationId xmlns:a16="http://schemas.microsoft.com/office/drawing/2014/main" id="{3914D63B-60B5-1797-6889-CDD5E221124C}"/>
+              </a:ext>
+            </a:extLst>
+          </p:cNvPr>
+          <p:cNvSpPr/>
+          <p:nvPr/>
+        </p:nvSpPr>
+        <p:spPr>
+          <a:xfrm>
+            <a:off x="-4391793" y="3483266"/>
+            <a:ext cx="4265376" cy="4265376"/>
+          </a:xfrm>
+          <a:prstGeom prst="ellipse">
+            <a:avLst/>
+          </a:prstGeom>
+          <a:solidFill>
+            <a:srgbClr val="05A0D1"/>
+          </a:solidFill>
+          <a:ln>
+            <a:noFill/>
+          </a:ln>
+        </p:spPr>
+        <p:style>
+          <a:lnRef idx="2">
+            <a:schemeClr val="accent5"/>
+          </a:lnRef>
+          <a:fillRef idx="1">
+            <a:schemeClr val="lt1"/>
+          </a:fillRef>
+          <a:effectRef idx="0">
+            <a:schemeClr val="accent5"/>
+          </a:effectRef>
+          <a:fontRef idx="minor">
+            <a:schemeClr val="dk1"/>
+          </a:fontRef>
+        </p:style>
+        <p:txBody>
+          <a:bodyPr rtlCol="0" anchor="ctr"/>
+          <a:lstStyle/>
+          <a:p>
+            <a:pPr algn="ctr"/>
+            <a:endParaRPr lang="cs-CZ"/>
+          </a:p>
+        </p:txBody>
+      </p:sp>
+      <p:sp>
+        <p:nvSpPr>
+          <p:cNvPr id="9" name="Ovál 8">
+            <a:extLst>
+              <a:ext uri="{FF2B5EF4-FFF2-40B4-BE49-F238E27FC236}">
+                <a16:creationId xmlns:a16="http://schemas.microsoft.com/office/drawing/2014/main" id="{0C59683A-D1ED-D226-A19D-F76A7A0348A9}"/>
+              </a:ext>
+            </a:extLst>
+          </p:cNvPr>
+          <p:cNvSpPr/>
+          <p:nvPr/>
+        </p:nvSpPr>
+        <p:spPr>
+          <a:xfrm>
+            <a:off x="-5092520" y="1299198"/>
+            <a:ext cx="3096250" cy="3096250"/>
+          </a:xfrm>
+          <a:prstGeom prst="ellipse">
+            <a:avLst/>
+          </a:prstGeom>
+          <a:solidFill>
+            <a:srgbClr val="05A0D1"/>
+          </a:solidFill>
+          <a:ln>
+            <a:noFill/>
+          </a:ln>
+        </p:spPr>
+        <p:style>
+          <a:lnRef idx="2">
+            <a:schemeClr val="accent5"/>
+          </a:lnRef>
+          <a:fillRef idx="1">
+            <a:schemeClr val="lt1"/>
+          </a:fillRef>
+          <a:effectRef idx="0">
+            <a:schemeClr val="accent5"/>
+          </a:effectRef>
+          <a:fontRef idx="minor">
+            <a:schemeClr val="dk1"/>
+          </a:fontRef>
+        </p:style>
+        <p:txBody>
+          <a:bodyPr rtlCol="0" anchor="ctr"/>
+          <a:lstStyle/>
+          <a:p>
+            <a:pPr algn="ctr"/>
+            <a:endParaRPr lang="cs-CZ"/>
+          </a:p>
+        </p:txBody>
+      </p:sp>
+      <p:sp>
+        <p:nvSpPr>
+          <p:cNvPr id="10" name="Ovál 9">
+            <a:extLst>
+              <a:ext uri="{FF2B5EF4-FFF2-40B4-BE49-F238E27FC236}">
+                <a16:creationId xmlns:a16="http://schemas.microsoft.com/office/drawing/2014/main" id="{3A0D2CE3-BB9E-11D8-E186-1812B1AE8C42}"/>
+              </a:ext>
+            </a:extLst>
+          </p:cNvPr>
+          <p:cNvSpPr/>
+          <p:nvPr/>
+        </p:nvSpPr>
+        <p:spPr>
+          <a:xfrm>
+            <a:off x="-4958107" y="6490041"/>
+            <a:ext cx="2305185" cy="2305185"/>
+          </a:xfrm>
+          <a:prstGeom prst="ellipse">
+            <a:avLst/>
+          </a:prstGeom>
+          <a:solidFill>
+            <a:schemeClr val="bg1"/>
+          </a:solidFill>
+          <a:ln>
+            <a:noFill/>
+          </a:ln>
+        </p:spPr>
+        <p:style>
+          <a:lnRef idx="2">
+            <a:schemeClr val="accent1">
+              <a:shade val="50000"/>
+            </a:schemeClr>
+          </a:lnRef>
+          <a:fillRef idx="1">
+            <a:schemeClr val="accent1"/>
+          </a:fillRef>
+          <a:effectRef idx="0">
+            <a:schemeClr val="accent1"/>
+          </a:effectRef>
+          <a:fontRef idx="minor">
+            <a:schemeClr val="lt1"/>
+          </a:fontRef>
+        </p:style>
+        <p:txBody>
+          <a:bodyPr rtlCol="0" anchor="ctr"/>
+          <a:lstStyle/>
+          <a:p>
+            <a:pPr algn="ctr"/>
+            <a:endParaRPr lang="cs-CZ"/>
+          </a:p>
+        </p:txBody>
+      </p:sp>
+      <p:sp>
+        <p:nvSpPr>
+          <p:cNvPr id="11" name="Ovál 10">
+            <a:extLst>
+              <a:ext uri="{FF2B5EF4-FFF2-40B4-BE49-F238E27FC236}">
+                <a16:creationId xmlns:a16="http://schemas.microsoft.com/office/drawing/2014/main" id="{0E43DF47-80E6-26A6-3355-5D044A0F2FD6}"/>
+              </a:ext>
+            </a:extLst>
+          </p:cNvPr>
+          <p:cNvSpPr/>
+          <p:nvPr/>
+        </p:nvSpPr>
+        <p:spPr>
+          <a:xfrm>
+            <a:off x="-4919712" y="1456088"/>
+            <a:ext cx="2782471" cy="2782471"/>
+          </a:xfrm>
+          <a:prstGeom prst="ellipse">
+            <a:avLst/>
+          </a:prstGeom>
+          <a:solidFill>
+            <a:schemeClr val="bg1"/>
+          </a:solidFill>
+          <a:ln>
+            <a:noFill/>
+          </a:ln>
+        </p:spPr>
+        <p:style>
+          <a:lnRef idx="2">
+            <a:schemeClr val="accent1">
+              <a:shade val="50000"/>
+            </a:schemeClr>
+          </a:lnRef>
+          <a:fillRef idx="1">
+            <a:schemeClr val="accent1"/>
+          </a:fillRef>
+          <a:effectRef idx="0">
+            <a:schemeClr val="accent1"/>
+          </a:effectRef>
+          <a:fontRef idx="minor">
+            <a:schemeClr val="lt1"/>
+          </a:fontRef>
+        </p:style>
+        <p:txBody>
+          <a:bodyPr rtlCol="0" anchor="ctr"/>
+          <a:lstStyle/>
+          <a:p>
+            <a:pPr algn="ctr"/>
+            <a:endParaRPr lang="cs-CZ"/>
+          </a:p>
+        </p:txBody>
+      </p:sp>
+      <p:pic>
+        <p:nvPicPr>
+          <p:cNvPr id="12" name="Obrázek 11">
+            <a:extLst>
+              <a:ext uri="{FF2B5EF4-FFF2-40B4-BE49-F238E27FC236}">
+                <a16:creationId xmlns:a16="http://schemas.microsoft.com/office/drawing/2014/main" id="{1A10D80A-9703-CDB2-405F-11DC38E436AF}"/>
+              </a:ext>
+            </a:extLst>
+          </p:cNvPr>
+          <p:cNvPicPr>
+            <a:picLocks noChangeAspect="1"/>
+          </p:cNvPicPr>
+          <p:nvPr/>
+        </p:nvPicPr>
+        <p:blipFill>
+          <a:blip r:embed="rId10">
+            <a:extLst>
+              <a:ext uri="{28A0092B-C50C-407E-A947-70E740481C1C}">
+                <a14:useLocalDpi xmlns:a14="http://schemas.microsoft.com/office/drawing/2010/main" val="0"/>
+              </a:ext>
+            </a:extLst>
+          </a:blip>
+          <a:stretch>
+            <a:fillRect/>
+          </a:stretch>
+        </p:blipFill>
+        <p:spPr>
+          <a:xfrm>
+            <a:off x="-5277376" y="1728878"/>
+            <a:ext cx="3463031" cy="2308687"/>
+          </a:xfrm>
+          <a:prstGeom prst="rect">
+            <a:avLst/>
+          </a:prstGeom>
+          <a:ln>
+            <a:noFill/>
+          </a:ln>
+        </p:spPr>
+      </p:pic>
+      <p:sp>
+        <p:nvSpPr>
+          <p:cNvPr id="14" name="Ovál 13">
+            <a:extLst>
+              <a:ext uri="{FF2B5EF4-FFF2-40B4-BE49-F238E27FC236}">
+                <a16:creationId xmlns:a16="http://schemas.microsoft.com/office/drawing/2014/main" id="{8CFB6363-796B-9966-F3EF-F1FD8A747C6D}"/>
+              </a:ext>
+            </a:extLst>
+          </p:cNvPr>
+          <p:cNvSpPr/>
+          <p:nvPr/>
+        </p:nvSpPr>
+        <p:spPr>
+          <a:xfrm>
+            <a:off x="-4229559" y="3639749"/>
+            <a:ext cx="3940908" cy="3940908"/>
+          </a:xfrm>
+          <a:prstGeom prst="ellipse">
+            <a:avLst/>
+          </a:prstGeom>
+          <a:solidFill>
+            <a:schemeClr val="bg1"/>
+          </a:solidFill>
+          <a:ln>
+            <a:noFill/>
+          </a:ln>
+        </p:spPr>
+        <p:style>
+          <a:lnRef idx="2">
+            <a:schemeClr val="accent1">
+              <a:shade val="50000"/>
+            </a:schemeClr>
+          </a:lnRef>
+          <a:fillRef idx="1">
+            <a:schemeClr val="accent1"/>
+          </a:fillRef>
+          <a:effectRef idx="0">
+            <a:schemeClr val="accent1"/>
+          </a:effectRef>
+          <a:fontRef idx="minor">
+            <a:schemeClr val="lt1"/>
+          </a:fontRef>
+        </p:style>
+        <p:txBody>
+          <a:bodyPr rtlCol="0" anchor="ctr"/>
+          <a:lstStyle/>
+          <a:p>
+            <a:pPr algn="ctr"/>
+            <a:endParaRPr lang="cs-CZ"/>
+          </a:p>
+        </p:txBody>
+      </p:sp>
+      <p:pic>
+        <p:nvPicPr>
+          <p:cNvPr id="15" name="Obrázek 14" descr="Obsah obrázku interiér, světlo&#10;&#10;Popis byl vytvořen automaticky">
+            <a:extLst>
+              <a:ext uri="{FF2B5EF4-FFF2-40B4-BE49-F238E27FC236}">
+                <a16:creationId xmlns:a16="http://schemas.microsoft.com/office/drawing/2014/main" id="{CB93341C-51E0-BF58-C05D-15B73AC3CEAA}"/>
+              </a:ext>
+            </a:extLst>
+          </p:cNvPr>
+          <p:cNvPicPr>
+            <a:picLocks noChangeAspect="1"/>
+          </p:cNvPicPr>
+          <p:nvPr/>
+        </p:nvPicPr>
+        <p:blipFill>
+          <a:blip r:embed="rId11">
+            <a:extLst>
+              <a:ext uri="{28A0092B-C50C-407E-A947-70E740481C1C}">
+                <a14:useLocalDpi xmlns:a14="http://schemas.microsoft.com/office/drawing/2010/main" val="0"/>
+              </a:ext>
+            </a:extLst>
+          </a:blip>
+          <a:stretch>
+            <a:fillRect/>
+          </a:stretch>
+        </p:blipFill>
+        <p:spPr>
+          <a:xfrm>
+            <a:off x="-3831922" y="3976455"/>
+            <a:ext cx="3267495" cy="3267495"/>
+          </a:xfrm>
+          <a:prstGeom prst="rect">
+            <a:avLst/>
+          </a:prstGeom>
+          <a:effectLst>
+            <a:glow>
+              <a:srgbClr val="05A0D1">
+                <a:alpha val="0"/>
+              </a:srgbClr>
+            </a:glow>
+          </a:effectLst>
+        </p:spPr>
+      </p:pic>
+      <p:pic>
+        <p:nvPicPr>
+          <p:cNvPr id="16" name="Obrázek 15">
+            <a:extLst>
+              <a:ext uri="{FF2B5EF4-FFF2-40B4-BE49-F238E27FC236}">
+                <a16:creationId xmlns:a16="http://schemas.microsoft.com/office/drawing/2014/main" id="{9D3071E4-2E78-62E4-8886-0C4C2B2F107F}"/>
+              </a:ext>
+            </a:extLst>
+          </p:cNvPr>
+          <p:cNvPicPr>
+            <a:picLocks noChangeAspect="1"/>
+          </p:cNvPicPr>
+          <p:nvPr/>
+        </p:nvPicPr>
+        <p:blipFill>
+          <a:blip r:embed="rId12">
+            <a:extLst>
+              <a:ext uri="{28A0092B-C50C-407E-A947-70E740481C1C}">
+                <a14:useLocalDpi xmlns:a14="http://schemas.microsoft.com/office/drawing/2010/main" val="0"/>
+              </a:ext>
+            </a:extLst>
+          </a:blip>
+          <a:stretch>
+            <a:fillRect/>
+          </a:stretch>
+        </p:blipFill>
+        <p:spPr>
+          <a:xfrm>
+            <a:off x="-4695738" y="6774133"/>
+            <a:ext cx="1780445" cy="1780445"/>
+          </a:xfrm>
+          <a:prstGeom prst="rect">
+            <a:avLst/>
+          </a:prstGeom>
+        </p:spPr>
+      </p:pic>
+    </p:spTree>
+    <p:extLst>
+      <p:ext uri="{BB962C8B-B14F-4D97-AF65-F5344CB8AC3E}">
+        <p14:creationId xmlns:p14="http://schemas.microsoft.com/office/powerpoint/2010/main" val="1628459614"/>
+      </p:ext>
+    </p:extLst>
+  </p:cSld>
+  <p:clrMapOvr>
+    <a:masterClrMapping/>
+  </p:clrMapOvr>
+  <mc:AlternateContent xmlns:mc="http://schemas.openxmlformats.org/markup-compatibility/2006" xmlns:p159="http://schemas.microsoft.com/office/powerpoint/2015/09/main">
+    <mc:Choice Requires="p159">
+      <p:transition spd="slow">
+        <p159:morph option="byObject"/>
+      </p:transition>
+    </mc:Choice>
+    <mc:Fallback xmlns="">
+      <p:transition spd="slow">
+        <p:fade/>
+      </p:transition>
+    </mc:Fallback>
+  </mc:AlternateContent>
+  <p:timing>
+    <p:tnLst>
+      <p:par>
+        <p:cTn id="1" dur="indefinite" restart="never" nodeType="tmRoot">
+          <p:childTnLst>
+            <p:seq concurrent="1" nextAc="seek">
+              <p:cTn id="2" dur="indefinite" nodeType="mainSeq">
+                <p:childTnLst>
+                  <p:par>
+                    <p:cTn id="3" fill="hold">
+                      <p:stCondLst>
+                        <p:cond delay="indefinite"/>
+                        <p:cond evt="onBegin" delay="0">
+                          <p:tn val="2"/>
+                        </p:cond>
+                      </p:stCondLst>
+                      <p:childTnLst>
+                        <p:par>
+                          <p:cTn id="4" fill="hold">
+                            <p:stCondLst>
+                              <p:cond delay="0"/>
+                            </p:stCondLst>
+                            <p:childTnLst>
+                              <p:par>
+                                <p:cTn id="5" presetID="1" presetClass="exit" presetSubtype="0" fill="hold" grpId="0" nodeType="withEffect">
+                                  <p:stCondLst>
+                                    <p:cond delay="0"/>
+                                  </p:stCondLst>
+                                  <p:childTnLst>
+                                    <p:set>
+                                      <p:cBhvr>
+                                        <p:cTn id="6" dur="1" fill="hold">
+                                          <p:stCondLst>
+                                            <p:cond delay="0"/>
+                                          </p:stCondLst>
+                                        </p:cTn>
+                                        <p:tgtEl>
+                                          <p:spTgt spid="53"/>
+                                        </p:tgtEl>
+                                        <p:attrNameLst>
+                                          <p:attrName>style.visibility</p:attrName>
+                                        </p:attrNameLst>
+                                      </p:cBhvr>
+                                      <p:to>
+                                        <p:strVal val="hidden"/>
+                                      </p:to>
+                                    </p:set>
+                                  </p:childTnLst>
+                                </p:cTn>
+                              </p:par>
+                              <p:par>
+                                <p:cTn id="7" presetID="1" presetClass="exit" presetSubtype="0" fill="hold" nodeType="withEffect">
+                                  <p:stCondLst>
+                                    <p:cond delay="0"/>
+                                  </p:stCondLst>
+                                  <p:childTnLst>
+                                    <p:set>
+                                      <p:cBhvr>
+                                        <p:cTn id="8" dur="1" fill="hold">
+                                          <p:stCondLst>
+                                            <p:cond delay="0"/>
+                                          </p:stCondLst>
+                                        </p:cTn>
+                                        <p:tgtEl>
+                                          <p:spTgt spid="54"/>
+                                        </p:tgtEl>
+                                        <p:attrNameLst>
+                                          <p:attrName>style.visibility</p:attrName>
+                                        </p:attrNameLst>
+                                      </p:cBhvr>
+                                      <p:to>
+                                        <p:strVal val="hidden"/>
+                                      </p:to>
+                                    </p:set>
+                                  </p:childTnLst>
+                                </p:cTn>
+                              </p:par>
+                              <p:par>
+                                <p:cTn id="9" presetID="1" presetClass="exit" presetSubtype="0" fill="hold" grpId="0" nodeType="withEffect">
+                                  <p:stCondLst>
+                                    <p:cond delay="0"/>
+                                  </p:stCondLst>
+                                  <p:childTnLst>
+                                    <p:set>
+                                      <p:cBhvr>
+                                        <p:cTn id="10" dur="1" fill="hold">
+                                          <p:stCondLst>
+                                            <p:cond delay="0"/>
+                                          </p:stCondLst>
+                                        </p:cTn>
+                                        <p:tgtEl>
+                                          <p:spTgt spid="55"/>
+                                        </p:tgtEl>
+                                        <p:attrNameLst>
+                                          <p:attrName>style.visibility</p:attrName>
+                                        </p:attrNameLst>
+                                      </p:cBhvr>
+                                      <p:to>
+                                        <p:strVal val="hidden"/>
+                                      </p:to>
+                                    </p:set>
+                                  </p:childTnLst>
+                                </p:cTn>
+                              </p:par>
+                              <p:par>
+                                <p:cTn id="11" presetID="1" presetClass="exit" presetSubtype="0" fill="hold" grpId="0" nodeType="withEffect">
+                                  <p:stCondLst>
+                                    <p:cond delay="0"/>
+                                  </p:stCondLst>
+                                  <p:childTnLst>
+                                    <p:set>
+                                      <p:cBhvr>
+                                        <p:cTn id="12" dur="1" fill="hold">
+                                          <p:stCondLst>
+                                            <p:cond delay="0"/>
+                                          </p:stCondLst>
+                                        </p:cTn>
+                                        <p:tgtEl>
+                                          <p:spTgt spid="56"/>
+                                        </p:tgtEl>
+                                        <p:attrNameLst>
+                                          <p:attrName>style.visibility</p:attrName>
+                                        </p:attrNameLst>
+                                      </p:cBhvr>
+                                      <p:to>
+                                        <p:strVal val="hidden"/>
+                                      </p:to>
+                                    </p:set>
+                                  </p:childTnLst>
+                                </p:cTn>
+                              </p:par>
+                              <p:par>
+                                <p:cTn id="13" presetID="1" presetClass="exit" presetSubtype="0" fill="hold" grpId="0" nodeType="withEffect">
+                                  <p:stCondLst>
+                                    <p:cond delay="0"/>
+                                  </p:stCondLst>
+                                  <p:childTnLst>
+                                    <p:set>
+                                      <p:cBhvr>
+                                        <p:cTn id="14" dur="1" fill="hold">
+                                          <p:stCondLst>
+                                            <p:cond delay="0"/>
+                                          </p:stCondLst>
+                                        </p:cTn>
+                                        <p:tgtEl>
+                                          <p:spTgt spid="57"/>
+                                        </p:tgtEl>
+                                        <p:attrNameLst>
+                                          <p:attrName>style.visibility</p:attrName>
+                                        </p:attrNameLst>
+                                      </p:cBhvr>
+                                      <p:to>
+                                        <p:strVal val="hidden"/>
+                                      </p:to>
+                                    </p:set>
+                                  </p:childTnLst>
+                                </p:cTn>
+                              </p:par>
+                              <p:par>
+                                <p:cTn id="15" presetID="1" presetClass="exit" presetSubtype="0" fill="hold" nodeType="withEffect">
+                                  <p:stCondLst>
+                                    <p:cond delay="0"/>
+                                  </p:stCondLst>
+                                  <p:childTnLst>
+                                    <p:set>
+                                      <p:cBhvr>
+                                        <p:cTn id="16" dur="1" fill="hold">
+                                          <p:stCondLst>
+                                            <p:cond delay="0"/>
+                                          </p:stCondLst>
+                                        </p:cTn>
+                                        <p:tgtEl>
+                                          <p:spTgt spid="58"/>
+                                        </p:tgtEl>
+                                        <p:attrNameLst>
+                                          <p:attrName>style.visibility</p:attrName>
+                                        </p:attrNameLst>
+                                      </p:cBhvr>
+                                      <p:to>
+                                        <p:strVal val="hidden"/>
+                                      </p:to>
+                                    </p:set>
+                                  </p:childTnLst>
+                                </p:cTn>
+                              </p:par>
+                              <p:par>
+                                <p:cTn id="17" presetID="1" presetClass="exit" presetSubtype="0" fill="hold" grpId="0" nodeType="withEffect">
+                                  <p:stCondLst>
+                                    <p:cond delay="0"/>
+                                  </p:stCondLst>
+                                  <p:childTnLst>
+                                    <p:set>
+                                      <p:cBhvr>
+                                        <p:cTn id="18" dur="1" fill="hold">
+                                          <p:stCondLst>
+                                            <p:cond delay="0"/>
+                                          </p:stCondLst>
+                                        </p:cTn>
+                                        <p:tgtEl>
+                                          <p:spTgt spid="59"/>
+                                        </p:tgtEl>
+                                        <p:attrNameLst>
+                                          <p:attrName>style.visibility</p:attrName>
+                                        </p:attrNameLst>
+                                      </p:cBhvr>
+                                      <p:to>
+                                        <p:strVal val="hidden"/>
+                                      </p:to>
+                                    </p:set>
+                                  </p:childTnLst>
+                                </p:cTn>
+                              </p:par>
+                              <p:par>
+                                <p:cTn id="19" presetID="1" presetClass="exit" presetSubtype="0" fill="hold" nodeType="withEffect">
+                                  <p:stCondLst>
+                                    <p:cond delay="0"/>
+                                  </p:stCondLst>
+                                  <p:childTnLst>
+                                    <p:set>
+                                      <p:cBhvr>
+                                        <p:cTn id="20" dur="1" fill="hold">
+                                          <p:stCondLst>
+                                            <p:cond delay="0"/>
+                                          </p:stCondLst>
+                                        </p:cTn>
+                                        <p:tgtEl>
+                                          <p:spTgt spid="60"/>
+                                        </p:tgtEl>
+                                        <p:attrNameLst>
+                                          <p:attrName>style.visibility</p:attrName>
+                                        </p:attrNameLst>
+                                      </p:cBhvr>
+                                      <p:to>
+                                        <p:strVal val="hidden"/>
+                                      </p:to>
+                                    </p:set>
+                                  </p:childTnLst>
+                                </p:cTn>
+                              </p:par>
+                              <p:par>
+                                <p:cTn id="21" presetID="1" presetClass="exit" presetSubtype="0" fill="hold" grpId="0" nodeType="withEffect">
+                                  <p:stCondLst>
+                                    <p:cond delay="0"/>
+                                  </p:stCondLst>
+                                  <p:childTnLst>
+                                    <p:set>
+                                      <p:cBhvr>
+                                        <p:cTn id="22" dur="1" fill="hold">
+                                          <p:stCondLst>
+                                            <p:cond delay="0"/>
+                                          </p:stCondLst>
+                                        </p:cTn>
+                                        <p:tgtEl>
+                                          <p:spTgt spid="61"/>
+                                        </p:tgtEl>
+                                        <p:attrNameLst>
+                                          <p:attrName>style.visibility</p:attrName>
+                                        </p:attrNameLst>
+                                      </p:cBhvr>
+                                      <p:to>
+                                        <p:strVal val="hidden"/>
+                                      </p:to>
+                                    </p:set>
+                                  </p:childTnLst>
+                                </p:cTn>
+                              </p:par>
+                              <p:par>
+                                <p:cTn id="23" presetID="1" presetClass="exit" presetSubtype="0" fill="hold" grpId="0" nodeType="withEffect">
+                                  <p:stCondLst>
+                                    <p:cond delay="0"/>
+                                  </p:stCondLst>
+                                  <p:childTnLst>
+                                    <p:set>
+                                      <p:cBhvr>
+                                        <p:cTn id="24" dur="1" fill="hold">
+                                          <p:stCondLst>
+                                            <p:cond delay="0"/>
+                                          </p:stCondLst>
+                                        </p:cTn>
+                                        <p:tgtEl>
+                                          <p:spTgt spid="62"/>
+                                        </p:tgtEl>
+                                        <p:attrNameLst>
+                                          <p:attrName>style.visibility</p:attrName>
+                                        </p:attrNameLst>
+                                      </p:cBhvr>
+                                      <p:to>
+                                        <p:strVal val="hidden"/>
+                                      </p:to>
+                                    </p:set>
+                                  </p:childTnLst>
+                                </p:cTn>
+                              </p:par>
+                              <p:par>
+                                <p:cTn id="25" presetID="1" presetClass="exit" presetSubtype="0" fill="hold" grpId="0" nodeType="withEffect">
+                                  <p:stCondLst>
+                                    <p:cond delay="0"/>
+                                  </p:stCondLst>
+                                  <p:childTnLst>
+                                    <p:set>
+                                      <p:cBhvr>
+                                        <p:cTn id="26" dur="1" fill="hold">
+                                          <p:stCondLst>
+                                            <p:cond delay="0"/>
+                                          </p:stCondLst>
+                                        </p:cTn>
+                                        <p:tgtEl>
+                                          <p:spTgt spid="63"/>
+                                        </p:tgtEl>
+                                        <p:attrNameLst>
+                                          <p:attrName>style.visibility</p:attrName>
+                                        </p:attrNameLst>
+                                      </p:cBhvr>
+                                      <p:to>
+                                        <p:strVal val="hidden"/>
+                                      </p:to>
+                                    </p:set>
+                                  </p:childTnLst>
+                                </p:cTn>
+                              </p:par>
+                              <p:par>
+                                <p:cTn id="27" presetID="1" presetClass="exit" presetSubtype="0" fill="hold" grpId="0" nodeType="withEffect">
+                                  <p:stCondLst>
+                                    <p:cond delay="0"/>
+                                  </p:stCondLst>
+                                  <p:childTnLst>
+                                    <p:set>
+                                      <p:cBhvr>
+                                        <p:cTn id="28" dur="1" fill="hold">
+                                          <p:stCondLst>
+                                            <p:cond delay="0"/>
+                                          </p:stCondLst>
+                                        </p:cTn>
+                                        <p:tgtEl>
+                                          <p:spTgt spid="64"/>
+                                        </p:tgtEl>
+                                        <p:attrNameLst>
+                                          <p:attrName>style.visibility</p:attrName>
+                                        </p:attrNameLst>
+                                      </p:cBhvr>
+                                      <p:to>
+                                        <p:strVal val="hidden"/>
+                                      </p:to>
+                                    </p:set>
+                                  </p:childTnLst>
+                                </p:cTn>
+                              </p:par>
+                            </p:childTnLst>
+                          </p:cTn>
+                        </p:par>
+                      </p:childTnLst>
+                    </p:cTn>
+                  </p:par>
+                </p:childTnLst>
+              </p:cTn>
+              <p:prevCondLst>
+                <p:cond evt="onPrev" delay="0">
+                  <p:tgtEl>
+                    <p:sldTgt/>
+                  </p:tgtEl>
+                </p:cond>
+              </p:prevCondLst>
+              <p:nextCondLst>
+                <p:cond evt="onNext" delay="0">
+                  <p:tgtEl>
+                    <p:sldTgt/>
+                  </p:tgtEl>
+                </p:cond>
+              </p:nextCondLst>
+            </p:seq>
+          </p:childTnLst>
+        </p:cTn>
+      </p:par>
+    </p:tnLst>
+    <p:bldLst>
+      <p:bldP spid="53" grpId="0" animBg="1"/>
+      <p:bldP spid="55" grpId="0" animBg="1"/>
+      <p:bldP spid="56" grpId="0"/>
+      <p:bldP spid="57" grpId="0" animBg="1"/>
+      <p:bldP spid="59" grpId="0" animBg="1"/>
+      <p:bldP spid="61" grpId="0" animBg="1"/>
+      <p:bldP spid="62" grpId="0"/>
+      <p:bldP spid="63" grpId="0" animBg="1"/>
+      <p:bldP spid="64" grpId="0"/>
+    </p:bldLst>
+  </p:timing>
+</p:sld>
+</file>
+
+<file path=ppt/slides/slide5.xml><?xml version="1.0" encoding="utf-8"?>
+<p:sld xmlns:a="http://schemas.openxmlformats.org/drawingml/2006/main" xmlns:r="http://schemas.openxmlformats.org/officeDocument/2006/relationships" xmlns:p="http://schemas.openxmlformats.org/presentationml/2006/main">
+  <p:cSld>
+    <p:bg>
+      <p:bgPr>
+        <a:solidFill>
+          <a:schemeClr val="bg1"/>
+        </a:solidFill>
+        <a:effectLst/>
+      </p:bgPr>
+    </p:bg>
+    <p:spTree>
+      <p:nvGrpSpPr>
+        <p:cNvPr id="1" name=""/>
+        <p:cNvGrpSpPr/>
+        <p:nvPr/>
+      </p:nvGrpSpPr>
+      <p:grpSpPr>
+        <a:xfrm>
+          <a:off x="0" y="0"/>
+          <a:ext cx="0" cy="0"/>
+          <a:chOff x="0" y="0"/>
+          <a:chExt cx="0" cy="0"/>
+        </a:xfrm>
+      </p:grpSpPr>
+      <p:sp>
+        <p:nvSpPr>
+          <p:cNvPr id="99" name="Obdélník: se zakulacenými rohy 98">
+            <a:extLst>
+              <a:ext uri="{FF2B5EF4-FFF2-40B4-BE49-F238E27FC236}">
+                <a16:creationId xmlns:a16="http://schemas.microsoft.com/office/drawing/2014/main" id="{54A584F7-B418-09CC-C69D-3D34F88B2AE9}"/>
+              </a:ext>
+            </a:extLst>
+          </p:cNvPr>
+          <p:cNvSpPr/>
+          <p:nvPr/>
+        </p:nvSpPr>
+        <p:spPr>
+          <a:xfrm>
+            <a:off x="4864947" y="4148785"/>
+            <a:ext cx="7077291" cy="2355589"/>
+          </a:xfrm>
+          <a:prstGeom prst="roundRect">
+            <a:avLst>
+              <a:gd name="adj" fmla="val 21902"/>
+            </a:avLst>
+          </a:prstGeom>
+          <a:solidFill>
+            <a:srgbClr val="0168A7"/>
+          </a:solidFill>
+          <a:ln>
+            <a:noFill/>
+          </a:ln>
+        </p:spPr>
+        <p:style>
+          <a:lnRef idx="2">
+            <a:schemeClr val="accent1">
+              <a:shade val="50000"/>
+            </a:schemeClr>
+          </a:lnRef>
+          <a:fillRef idx="1">
+            <a:schemeClr val="accent1"/>
+          </a:fillRef>
+          <a:effectRef idx="0">
+            <a:schemeClr val="accent1"/>
+          </a:effectRef>
+          <a:fontRef idx="minor">
+            <a:schemeClr val="lt1"/>
+          </a:fontRef>
+        </p:style>
+        <p:txBody>
+          <a:bodyPr rtlCol="0" anchor="ctr"/>
+          <a:lstStyle/>
+          <a:p>
+            <a:pPr algn="ctr"/>
+            <a:endParaRPr lang="cs-CZ"/>
+          </a:p>
+        </p:txBody>
+      </p:sp>
+      <p:sp>
+        <p:nvSpPr>
+          <p:cNvPr id="97" name="Obdélník: se zakulacenými rohy 96">
+            <a:extLst>
+              <a:ext uri="{FF2B5EF4-FFF2-40B4-BE49-F238E27FC236}">
+                <a16:creationId xmlns:a16="http://schemas.microsoft.com/office/drawing/2014/main" id="{D8C90CF8-AA2A-176A-2C49-0EEE8CA9DA11}"/>
+              </a:ext>
+            </a:extLst>
+          </p:cNvPr>
+          <p:cNvSpPr/>
+          <p:nvPr/>
+        </p:nvSpPr>
+        <p:spPr>
+          <a:xfrm>
+            <a:off x="4867059" y="1584898"/>
+            <a:ext cx="7077291" cy="2355589"/>
+          </a:xfrm>
+          <a:prstGeom prst="roundRect">
+            <a:avLst>
+              <a:gd name="adj" fmla="val 21902"/>
+            </a:avLst>
+          </a:prstGeom>
+          <a:solidFill>
+            <a:srgbClr val="0168A7"/>
+          </a:solidFill>
+          <a:ln>
+            <a:noFill/>
+          </a:ln>
+        </p:spPr>
+        <p:style>
+          <a:lnRef idx="2">
+            <a:schemeClr val="accent1">
+              <a:shade val="50000"/>
+            </a:schemeClr>
+          </a:lnRef>
+          <a:fillRef idx="1">
+            <a:schemeClr val="accent1"/>
+          </a:fillRef>
+          <a:effectRef idx="0">
+            <a:schemeClr val="accent1"/>
+          </a:effectRef>
+          <a:fontRef idx="minor">
+            <a:schemeClr val="lt1"/>
+          </a:fontRef>
+        </p:style>
+        <p:txBody>
+          <a:bodyPr rtlCol="0" anchor="ctr"/>
+          <a:lstStyle/>
+          <a:p>
+            <a:pPr algn="ctr"/>
+            <a:endParaRPr lang="cs-CZ"/>
+          </a:p>
+        </p:txBody>
+      </p:sp>
+      <p:sp>
+        <p:nvSpPr>
+          <p:cNvPr id="93" name="Ovál 92">
+            <a:extLst>
+              <a:ext uri="{FF2B5EF4-FFF2-40B4-BE49-F238E27FC236}">
+                <a16:creationId xmlns:a16="http://schemas.microsoft.com/office/drawing/2014/main" id="{AB57B27F-4456-220A-347A-B2C646C560FA}"/>
+              </a:ext>
+            </a:extLst>
+          </p:cNvPr>
+          <p:cNvSpPr/>
+          <p:nvPr/>
+        </p:nvSpPr>
+        <p:spPr>
+          <a:xfrm>
+            <a:off x="-400290" y="4671033"/>
+            <a:ext cx="2698990" cy="2698990"/>
+          </a:xfrm>
+          <a:prstGeom prst="ellipse">
+            <a:avLst/>
+          </a:prstGeom>
+          <a:solidFill>
+            <a:srgbClr val="0168A7"/>
+          </a:solidFill>
+          <a:ln>
+            <a:noFill/>
+          </a:ln>
+        </p:spPr>
+        <p:style>
+          <a:lnRef idx="2">
+            <a:schemeClr val="accent5"/>
+          </a:lnRef>
+          <a:fillRef idx="1">
+            <a:schemeClr val="lt1"/>
+          </a:fillRef>
+          <a:effectRef idx="0">
+            <a:schemeClr val="accent5"/>
+          </a:effectRef>
+          <a:fontRef idx="minor">
+            <a:schemeClr val="dk1"/>
+          </a:fontRef>
+        </p:style>
+        <p:txBody>
+          <a:bodyPr rtlCol="0" anchor="ctr"/>
+          <a:lstStyle/>
+          <a:p>
+            <a:pPr algn="ctr"/>
+            <a:endParaRPr lang="cs-CZ"/>
+          </a:p>
+        </p:txBody>
+      </p:sp>
+      <p:sp>
+        <p:nvSpPr>
+          <p:cNvPr id="91" name="Ovál 90">
+            <a:extLst>
+              <a:ext uri="{FF2B5EF4-FFF2-40B4-BE49-F238E27FC236}">
+                <a16:creationId xmlns:a16="http://schemas.microsoft.com/office/drawing/2014/main" id="{9F485113-4B33-A13D-8998-CCD27AD364BF}"/>
+              </a:ext>
+            </a:extLst>
+          </p:cNvPr>
+          <p:cNvSpPr/>
+          <p:nvPr/>
+        </p:nvSpPr>
+        <p:spPr>
+          <a:xfrm>
+            <a:off x="-201101" y="-304751"/>
+            <a:ext cx="3024452" cy="3024452"/>
+          </a:xfrm>
+          <a:prstGeom prst="ellipse">
+            <a:avLst/>
+          </a:prstGeom>
+          <a:solidFill>
+            <a:srgbClr val="0168A7"/>
+          </a:solidFill>
+          <a:ln>
+            <a:noFill/>
+          </a:ln>
+        </p:spPr>
+        <p:style>
+          <a:lnRef idx="2">
+            <a:schemeClr val="accent5"/>
+          </a:lnRef>
+          <a:fillRef idx="1">
+            <a:schemeClr val="lt1"/>
+          </a:fillRef>
+          <a:effectRef idx="0">
+            <a:schemeClr val="accent5"/>
+          </a:effectRef>
+          <a:fontRef idx="minor">
+            <a:schemeClr val="dk1"/>
+          </a:fontRef>
+        </p:style>
+        <p:txBody>
+          <a:bodyPr rtlCol="0" anchor="ctr"/>
+          <a:lstStyle/>
+          <a:p>
+            <a:pPr algn="ctr"/>
+            <a:endParaRPr lang="cs-CZ"/>
+          </a:p>
+        </p:txBody>
+      </p:sp>
+      <p:sp>
+        <p:nvSpPr>
+          <p:cNvPr id="90" name="Ovál 89">
+            <a:extLst>
+              <a:ext uri="{FF2B5EF4-FFF2-40B4-BE49-F238E27FC236}">
+                <a16:creationId xmlns:a16="http://schemas.microsoft.com/office/drawing/2014/main" id="{939686D4-7D5D-D945-95B7-7B7C08BA4B0C}"/>
+              </a:ext>
+            </a:extLst>
+          </p:cNvPr>
+          <p:cNvSpPr/>
+          <p:nvPr/>
+        </p:nvSpPr>
+        <p:spPr>
+          <a:xfrm>
+            <a:off x="340475" y="1807519"/>
+            <a:ext cx="4350685" cy="4350685"/>
+          </a:xfrm>
+          <a:prstGeom prst="ellipse">
+            <a:avLst/>
+          </a:prstGeom>
+          <a:solidFill>
+            <a:srgbClr val="0168A7"/>
+          </a:solidFill>
+          <a:ln>
+            <a:noFill/>
+          </a:ln>
+        </p:spPr>
+        <p:style>
+          <a:lnRef idx="2">
+            <a:schemeClr val="accent5"/>
+          </a:lnRef>
+          <a:fillRef idx="1">
+            <a:schemeClr val="lt1"/>
+          </a:fillRef>
+          <a:effectRef idx="0">
+            <a:schemeClr val="accent5"/>
+          </a:effectRef>
+          <a:fontRef idx="minor">
+            <a:schemeClr val="dk1"/>
+          </a:fontRef>
+        </p:style>
+        <p:txBody>
+          <a:bodyPr rtlCol="0" anchor="ctr"/>
+          <a:lstStyle/>
+          <a:p>
+            <a:pPr algn="ctr"/>
+            <a:endParaRPr lang="cs-CZ"/>
+          </a:p>
+        </p:txBody>
+      </p:sp>
+      <p:sp>
+        <p:nvSpPr>
+          <p:cNvPr id="89" name="Obdélník: se zakulacenými rohy 88">
+            <a:extLst>
+              <a:ext uri="{FF2B5EF4-FFF2-40B4-BE49-F238E27FC236}">
+                <a16:creationId xmlns:a16="http://schemas.microsoft.com/office/drawing/2014/main" id="{83FCBB87-B2B9-A9DD-2DFE-BC744422A35E}"/>
+              </a:ext>
+            </a:extLst>
+          </p:cNvPr>
+          <p:cNvSpPr/>
+          <p:nvPr/>
+        </p:nvSpPr>
+        <p:spPr>
+          <a:xfrm>
+            <a:off x="5723847" y="143379"/>
+            <a:ext cx="5287142" cy="1099024"/>
+          </a:xfrm>
+          <a:prstGeom prst="roundRect">
+            <a:avLst>
+              <a:gd name="adj" fmla="val 50000"/>
+            </a:avLst>
+          </a:prstGeom>
+          <a:solidFill>
+            <a:srgbClr val="0168A7"/>
+          </a:solidFill>
+          <a:ln>
+            <a:noFill/>
+          </a:ln>
+        </p:spPr>
+        <p:style>
+          <a:lnRef idx="2">
+            <a:schemeClr val="accent1">
+              <a:shade val="50000"/>
+            </a:schemeClr>
+          </a:lnRef>
+          <a:fillRef idx="1">
+            <a:schemeClr val="accent1"/>
+          </a:fillRef>
+          <a:effectRef idx="0">
+            <a:schemeClr val="accent1"/>
+          </a:effectRef>
+          <a:fontRef idx="minor">
+            <a:schemeClr val="lt1"/>
+          </a:fontRef>
+        </p:style>
+        <p:txBody>
+          <a:bodyPr rtlCol="0" anchor="ctr"/>
+          <a:lstStyle/>
+          <a:p>
+            <a:pPr algn="ctr"/>
+            <a:endParaRPr lang="cs-CZ"/>
+          </a:p>
+        </p:txBody>
+      </p:sp>
+      <p:sp>
+        <p:nvSpPr>
+          <p:cNvPr id="69" name="Ovál 68">
+            <a:extLst>
+              <a:ext uri="{FF2B5EF4-FFF2-40B4-BE49-F238E27FC236}">
+                <a16:creationId xmlns:a16="http://schemas.microsoft.com/office/drawing/2014/main" id="{FACAF133-E638-7E40-96D0-61BBB0030A03}"/>
+              </a:ext>
+            </a:extLst>
+          </p:cNvPr>
+          <p:cNvSpPr/>
+          <p:nvPr/>
+        </p:nvSpPr>
+        <p:spPr>
+          <a:xfrm>
+            <a:off x="-400290" y="4671033"/>
+            <a:ext cx="2598520" cy="2598520"/>
+          </a:xfrm>
+          <a:prstGeom prst="ellipse">
+            <a:avLst/>
+          </a:prstGeom>
+          <a:solidFill>
+            <a:srgbClr val="05A0D1"/>
+          </a:solidFill>
+          <a:ln>
+            <a:noFill/>
+          </a:ln>
+        </p:spPr>
+        <p:style>
+          <a:lnRef idx="2">
+            <a:schemeClr val="accent5"/>
+          </a:lnRef>
+          <a:fillRef idx="1">
+            <a:schemeClr val="lt1"/>
+          </a:fillRef>
+          <a:effectRef idx="0">
+            <a:schemeClr val="accent5"/>
+          </a:effectRef>
+          <a:fontRef idx="minor">
+            <a:schemeClr val="dk1"/>
+          </a:fontRef>
+        </p:style>
+        <p:txBody>
+          <a:bodyPr rtlCol="0" anchor="ctr"/>
+          <a:lstStyle/>
+          <a:p>
+            <a:pPr algn="ctr"/>
+            <a:endParaRPr lang="cs-CZ"/>
+          </a:p>
+        </p:txBody>
+      </p:sp>
+      <p:sp>
+        <p:nvSpPr>
+          <p:cNvPr id="68" name="Ovál 67">
+            <a:extLst>
+              <a:ext uri="{FF2B5EF4-FFF2-40B4-BE49-F238E27FC236}">
+                <a16:creationId xmlns:a16="http://schemas.microsoft.com/office/drawing/2014/main" id="{7A270F24-1755-B898-8E8A-1CFC0863B818}"/>
+              </a:ext>
+            </a:extLst>
+          </p:cNvPr>
+          <p:cNvSpPr/>
+          <p:nvPr/>
+        </p:nvSpPr>
+        <p:spPr>
+          <a:xfrm>
+            <a:off x="327670" y="1807519"/>
+            <a:ext cx="4265376" cy="4265376"/>
+          </a:xfrm>
+          <a:prstGeom prst="ellipse">
+            <a:avLst/>
+          </a:prstGeom>
+          <a:solidFill>
+            <a:srgbClr val="05A0D1"/>
+          </a:solidFill>
+          <a:ln>
+            <a:noFill/>
+          </a:ln>
+        </p:spPr>
+        <p:style>
+          <a:lnRef idx="2">
+            <a:schemeClr val="accent5"/>
+          </a:lnRef>
+          <a:fillRef idx="1">
+            <a:schemeClr val="lt1"/>
+          </a:fillRef>
+          <a:effectRef idx="0">
+            <a:schemeClr val="accent5"/>
+          </a:effectRef>
+          <a:fontRef idx="minor">
+            <a:schemeClr val="dk1"/>
+          </a:fontRef>
+        </p:style>
+        <p:txBody>
+          <a:bodyPr rtlCol="0" anchor="ctr"/>
+          <a:lstStyle/>
+          <a:p>
+            <a:pPr algn="ctr"/>
+            <a:endParaRPr lang="cs-CZ"/>
+          </a:p>
+        </p:txBody>
+      </p:sp>
+      <p:sp>
+        <p:nvSpPr>
+          <p:cNvPr id="67" name="Ovál 66">
+            <a:extLst>
+              <a:ext uri="{FF2B5EF4-FFF2-40B4-BE49-F238E27FC236}">
+                <a16:creationId xmlns:a16="http://schemas.microsoft.com/office/drawing/2014/main" id="{25AB187E-BC82-4DC0-17A6-60C99F446DA9}"/>
+              </a:ext>
+            </a:extLst>
+          </p:cNvPr>
+          <p:cNvSpPr/>
+          <p:nvPr/>
+        </p:nvSpPr>
+        <p:spPr>
+          <a:xfrm>
+            <a:off x="-373057" y="-376549"/>
+            <a:ext cx="3096250" cy="3096250"/>
+          </a:xfrm>
+          <a:prstGeom prst="ellipse">
+            <a:avLst/>
+          </a:prstGeom>
+          <a:solidFill>
+            <a:srgbClr val="05A0D1"/>
+          </a:solidFill>
+          <a:ln>
+            <a:noFill/>
+          </a:ln>
+        </p:spPr>
+        <p:style>
+          <a:lnRef idx="2">
+            <a:schemeClr val="accent5"/>
+          </a:lnRef>
+          <a:fillRef idx="1">
+            <a:schemeClr val="lt1"/>
+          </a:fillRef>
+          <a:effectRef idx="0">
+            <a:schemeClr val="accent5"/>
+          </a:effectRef>
+          <a:fontRef idx="minor">
+            <a:schemeClr val="dk1"/>
+          </a:fontRef>
+        </p:style>
+        <p:txBody>
+          <a:bodyPr rtlCol="0" anchor="ctr"/>
+          <a:lstStyle/>
+          <a:p>
+            <a:pPr algn="ctr"/>
+            <a:endParaRPr lang="cs-CZ"/>
+          </a:p>
+        </p:txBody>
+      </p:sp>
+      <p:sp>
+        <p:nvSpPr>
+          <p:cNvPr id="54" name="Ovál 53">
+            <a:extLst>
+              <a:ext uri="{FF2B5EF4-FFF2-40B4-BE49-F238E27FC236}">
+                <a16:creationId xmlns:a16="http://schemas.microsoft.com/office/drawing/2014/main" id="{2579D23A-72FD-8851-7BAD-57F59FC8B6B9}"/>
+              </a:ext>
+            </a:extLst>
+          </p:cNvPr>
+          <p:cNvSpPr/>
+          <p:nvPr/>
+        </p:nvSpPr>
+        <p:spPr>
+          <a:xfrm>
+            <a:off x="-238644" y="4814294"/>
+            <a:ext cx="2305185" cy="2305185"/>
+          </a:xfrm>
+          <a:prstGeom prst="ellipse">
+            <a:avLst/>
+          </a:prstGeom>
+          <a:solidFill>
+            <a:schemeClr val="bg1"/>
+          </a:solidFill>
+          <a:ln>
+            <a:noFill/>
+          </a:ln>
+        </p:spPr>
+        <p:style>
+          <a:lnRef idx="2">
+            <a:schemeClr val="accent1">
+              <a:shade val="50000"/>
+            </a:schemeClr>
+          </a:lnRef>
+          <a:fillRef idx="1">
+            <a:schemeClr val="accent1"/>
+          </a:fillRef>
+          <a:effectRef idx="0">
+            <a:schemeClr val="accent1"/>
+          </a:effectRef>
+          <a:fontRef idx="minor">
+            <a:schemeClr val="lt1"/>
+          </a:fontRef>
+        </p:style>
+        <p:txBody>
+          <a:bodyPr rtlCol="0" anchor="ctr"/>
+          <a:lstStyle/>
+          <a:p>
+            <a:pPr algn="ctr"/>
+            <a:endParaRPr lang="cs-CZ"/>
+          </a:p>
+        </p:txBody>
+      </p:sp>
+      <p:sp>
+        <p:nvSpPr>
+          <p:cNvPr id="50" name="Ovál 49">
+            <a:extLst>
+              <a:ext uri="{FF2B5EF4-FFF2-40B4-BE49-F238E27FC236}">
+                <a16:creationId xmlns:a16="http://schemas.microsoft.com/office/drawing/2014/main" id="{97E98FCC-1324-3644-E09F-AE50FE44D458}"/>
+              </a:ext>
+            </a:extLst>
+          </p:cNvPr>
+          <p:cNvSpPr/>
+          <p:nvPr/>
+        </p:nvSpPr>
+        <p:spPr>
+          <a:xfrm>
+            <a:off x="-200249" y="-219659"/>
+            <a:ext cx="2782471" cy="2782471"/>
+          </a:xfrm>
+          <a:prstGeom prst="ellipse">
+            <a:avLst/>
+          </a:prstGeom>
+          <a:solidFill>
+            <a:schemeClr val="bg1"/>
+          </a:solidFill>
+          <a:ln>
+            <a:noFill/>
+          </a:ln>
+        </p:spPr>
+        <p:style>
+          <a:lnRef idx="2">
+            <a:schemeClr val="accent1">
+              <a:shade val="50000"/>
+            </a:schemeClr>
+          </a:lnRef>
+          <a:fillRef idx="1">
+            <a:schemeClr val="accent1"/>
+          </a:fillRef>
+          <a:effectRef idx="0">
+            <a:schemeClr val="accent1"/>
+          </a:effectRef>
+          <a:fontRef idx="minor">
+            <a:schemeClr val="lt1"/>
+          </a:fontRef>
+        </p:style>
+        <p:txBody>
+          <a:bodyPr rtlCol="0" anchor="ctr"/>
+          <a:lstStyle/>
+          <a:p>
+            <a:pPr algn="ctr"/>
+            <a:endParaRPr lang="cs-CZ"/>
+          </a:p>
+        </p:txBody>
+      </p:sp>
+      <p:pic>
+        <p:nvPicPr>
+          <p:cNvPr id="41" name="Obrázek 40">
+            <a:extLst>
+              <a:ext uri="{FF2B5EF4-FFF2-40B4-BE49-F238E27FC236}">
+                <a16:creationId xmlns:a16="http://schemas.microsoft.com/office/drawing/2014/main" id="{5F6EC939-6782-3FA4-8C70-D5CDA4B46F71}"/>
+              </a:ext>
+            </a:extLst>
+          </p:cNvPr>
+          <p:cNvPicPr>
+            <a:picLocks noChangeAspect="1"/>
+          </p:cNvPicPr>
+          <p:nvPr/>
+        </p:nvPicPr>
+        <p:blipFill>
+          <a:blip r:embed="rId2">
+            <a:extLst>
+              <a:ext uri="{28A0092B-C50C-407E-A947-70E740481C1C}">
+                <a14:useLocalDpi xmlns:a14="http://schemas.microsoft.com/office/drawing/2010/main" val="0"/>
+              </a:ext>
+            </a:extLst>
+          </a:blip>
+          <a:stretch>
+            <a:fillRect/>
+          </a:stretch>
+        </p:blipFill>
+        <p:spPr>
+          <a:xfrm>
+            <a:off x="-557913" y="53131"/>
+            <a:ext cx="3463031" cy="2308687"/>
+          </a:xfrm>
+          <a:prstGeom prst="rect">
+            <a:avLst/>
+          </a:prstGeom>
+          <a:ln>
+            <a:noFill/>
+          </a:ln>
+        </p:spPr>
+      </p:pic>
+      <p:sp>
+        <p:nvSpPr>
+          <p:cNvPr id="51" name="Ovál 50">
+            <a:extLst>
+              <a:ext uri="{FF2B5EF4-FFF2-40B4-BE49-F238E27FC236}">
+                <a16:creationId xmlns:a16="http://schemas.microsoft.com/office/drawing/2014/main" id="{47C50DDC-0353-9A24-98E8-DA84A052044F}"/>
+              </a:ext>
+            </a:extLst>
+          </p:cNvPr>
+          <p:cNvSpPr/>
+          <p:nvPr/>
+        </p:nvSpPr>
+        <p:spPr>
+          <a:xfrm>
+            <a:off x="489904" y="1964002"/>
+            <a:ext cx="3940908" cy="3940908"/>
+          </a:xfrm>
+          <a:prstGeom prst="ellipse">
+            <a:avLst/>
+          </a:prstGeom>
+          <a:solidFill>
+            <a:schemeClr val="bg1"/>
+          </a:solidFill>
+          <a:ln>
+            <a:noFill/>
+          </a:ln>
+        </p:spPr>
+        <p:style>
+          <a:lnRef idx="2">
+            <a:schemeClr val="accent1">
+              <a:shade val="50000"/>
+            </a:schemeClr>
+          </a:lnRef>
+          <a:fillRef idx="1">
+            <a:schemeClr val="accent1"/>
+          </a:fillRef>
+          <a:effectRef idx="0">
+            <a:schemeClr val="accent1"/>
+          </a:effectRef>
+          <a:fontRef idx="minor">
+            <a:schemeClr val="lt1"/>
+          </a:fontRef>
+        </p:style>
+        <p:txBody>
+          <a:bodyPr rtlCol="0" anchor="ctr"/>
+          <a:lstStyle/>
+          <a:p>
+            <a:pPr algn="ctr"/>
+            <a:endParaRPr lang="cs-CZ"/>
+          </a:p>
+        </p:txBody>
+      </p:sp>
+      <p:pic>
+        <p:nvPicPr>
+          <p:cNvPr id="46" name="Obrázek 45" descr="Obsah obrázku interiér, světlo&#10;&#10;Popis byl vytvořen automaticky">
+            <a:extLst>
+              <a:ext uri="{FF2B5EF4-FFF2-40B4-BE49-F238E27FC236}">
+                <a16:creationId xmlns:a16="http://schemas.microsoft.com/office/drawing/2014/main" id="{20F3017A-F396-1096-3850-23336D677728}"/>
+              </a:ext>
+            </a:extLst>
+          </p:cNvPr>
+          <p:cNvPicPr>
+            <a:picLocks noChangeAspect="1"/>
+          </p:cNvPicPr>
+          <p:nvPr/>
+        </p:nvPicPr>
+        <p:blipFill>
+          <a:blip r:embed="rId3">
+            <a:extLst>
+              <a:ext uri="{28A0092B-C50C-407E-A947-70E740481C1C}">
+                <a14:useLocalDpi xmlns:a14="http://schemas.microsoft.com/office/drawing/2010/main" val="0"/>
+              </a:ext>
+            </a:extLst>
+          </a:blip>
+          <a:stretch>
+            <a:fillRect/>
+          </a:stretch>
+        </p:blipFill>
+        <p:spPr>
+          <a:xfrm>
+            <a:off x="887541" y="2300708"/>
+            <a:ext cx="3267495" cy="3267495"/>
+          </a:xfrm>
+          <a:prstGeom prst="rect">
+            <a:avLst/>
+          </a:prstGeom>
+          <a:effectLst>
+            <a:glow>
+              <a:srgbClr val="05A0D1">
+                <a:alpha val="0"/>
+              </a:srgbClr>
+            </a:glow>
+          </a:effectLst>
+        </p:spPr>
+      </p:pic>
+      <p:pic>
+        <p:nvPicPr>
+          <p:cNvPr id="48" name="Obrázek 47">
+            <a:extLst>
+              <a:ext uri="{FF2B5EF4-FFF2-40B4-BE49-F238E27FC236}">
+                <a16:creationId xmlns:a16="http://schemas.microsoft.com/office/drawing/2014/main" id="{D06FF196-4865-60CD-8CA7-003BBDC755DA}"/>
+              </a:ext>
+            </a:extLst>
+          </p:cNvPr>
+          <p:cNvPicPr>
+            <a:picLocks noChangeAspect="1"/>
+          </p:cNvPicPr>
+          <p:nvPr/>
+        </p:nvPicPr>
+        <p:blipFill>
+          <a:blip r:embed="rId4">
+            <a:extLst>
+              <a:ext uri="{28A0092B-C50C-407E-A947-70E740481C1C}">
+                <a14:useLocalDpi xmlns:a14="http://schemas.microsoft.com/office/drawing/2010/main" val="0"/>
+              </a:ext>
+            </a:extLst>
+          </a:blip>
+          <a:stretch>
+            <a:fillRect/>
+          </a:stretch>
+        </p:blipFill>
+        <p:spPr>
+          <a:xfrm>
+            <a:off x="23725" y="5098386"/>
+            <a:ext cx="1780445" cy="1780445"/>
+          </a:xfrm>
+          <a:prstGeom prst="rect">
+            <a:avLst/>
+          </a:prstGeom>
+        </p:spPr>
+      </p:pic>
+      <p:sp>
+        <p:nvSpPr>
+          <p:cNvPr id="83" name="Obdélník: se zakulacenými rohy 82">
+            <a:extLst>
+              <a:ext uri="{FF2B5EF4-FFF2-40B4-BE49-F238E27FC236}">
+                <a16:creationId xmlns:a16="http://schemas.microsoft.com/office/drawing/2014/main" id="{B8C867C0-8B29-04FE-2AB4-E84ADDF50260}"/>
+              </a:ext>
+            </a:extLst>
+          </p:cNvPr>
+          <p:cNvSpPr/>
+          <p:nvPr/>
+        </p:nvSpPr>
+        <p:spPr>
+          <a:xfrm>
+            <a:off x="5684159" y="53131"/>
+            <a:ext cx="5239656" cy="1089153"/>
+          </a:xfrm>
+          <a:prstGeom prst="roundRect">
+            <a:avLst>
+              <a:gd name="adj" fmla="val 50000"/>
+            </a:avLst>
+          </a:prstGeom>
+          <a:solidFill>
+            <a:srgbClr val="05A0D1"/>
+          </a:solidFill>
+          <a:ln>
+            <a:noFill/>
+          </a:ln>
+        </p:spPr>
+        <p:style>
+          <a:lnRef idx="2">
+            <a:schemeClr val="accent1">
+              <a:shade val="50000"/>
+            </a:schemeClr>
+          </a:lnRef>
+          <a:fillRef idx="1">
+            <a:schemeClr val="accent1"/>
+          </a:fillRef>
+          <a:effectRef idx="0">
+            <a:schemeClr val="accent1"/>
+          </a:effectRef>
+          <a:fontRef idx="minor">
+            <a:schemeClr val="lt1"/>
+          </a:fontRef>
+        </p:style>
+        <p:txBody>
+          <a:bodyPr rtlCol="0" anchor="ctr"/>
+          <a:lstStyle/>
+          <a:p>
+            <a:pPr algn="ctr"/>
+            <a:endParaRPr lang="cs-CZ"/>
+          </a:p>
+        </p:txBody>
+      </p:sp>
+      <p:sp>
+        <p:nvSpPr>
+          <p:cNvPr id="71" name="TextovéPole 70">
+            <a:extLst>
+              <a:ext uri="{FF2B5EF4-FFF2-40B4-BE49-F238E27FC236}">
+                <a16:creationId xmlns:a16="http://schemas.microsoft.com/office/drawing/2014/main" id="{A96F8EC4-5ACB-9E90-63CB-8A31F2556BFE}"/>
+              </a:ext>
+            </a:extLst>
+          </p:cNvPr>
+          <p:cNvSpPr txBox="1"/>
+          <p:nvPr/>
+        </p:nvSpPr>
+        <p:spPr>
+          <a:xfrm>
+            <a:off x="6417130" y="205292"/>
+            <a:ext cx="3773714" cy="784830"/>
+          </a:xfrm>
+          <a:prstGeom prst="rect">
+            <a:avLst/>
+          </a:prstGeom>
+          <a:noFill/>
+        </p:spPr>
+        <p:txBody>
+          <a:bodyPr wrap="square" rtlCol="0">
+            <a:spAutoFit/>
+          </a:bodyPr>
+          <a:lstStyle/>
+          <a:p>
+            <a:r>
+              <a:rPr lang="cs-CZ" sz="4500" b="1" dirty="0">
+                <a:solidFill>
+                  <a:srgbClr val="FFFFFF"/>
+                </a:solidFill>
+                <a:latin typeface="Franklin Gothic Demi Cond" panose="020B0706030402020204" pitchFamily="34" charset="0"/>
+              </a:rPr>
+              <a:t>Hlasový asistent</a:t>
+            </a:r>
+          </a:p>
+        </p:txBody>
+      </p:sp>
+      <p:sp>
+        <p:nvSpPr>
+          <p:cNvPr id="95" name="TextovéPole 94">
+            <a:extLst>
+              <a:ext uri="{FF2B5EF4-FFF2-40B4-BE49-F238E27FC236}">
+                <a16:creationId xmlns:a16="http://schemas.microsoft.com/office/drawing/2014/main" id="{7BED7BA4-154C-46A5-4C72-B7E186087F56}"/>
+              </a:ext>
+            </a:extLst>
+          </p:cNvPr>
+          <p:cNvSpPr txBox="1"/>
+          <p:nvPr/>
+        </p:nvSpPr>
+        <p:spPr>
+          <a:xfrm>
+            <a:off x="4912922" y="4303606"/>
+            <a:ext cx="7203103" cy="1938992"/>
+          </a:xfrm>
+          <a:prstGeom prst="rect">
+            <a:avLst/>
+          </a:prstGeom>
+          <a:noFill/>
+        </p:spPr>
+        <p:txBody>
+          <a:bodyPr wrap="square" rtlCol="0">
+            <a:spAutoFit/>
+          </a:bodyPr>
+          <a:lstStyle/>
+          <a:p>
+            <a:r>
+              <a:rPr lang="cs-CZ" sz="3000" dirty="0">
+                <a:solidFill>
+                  <a:schemeClr val="bg1"/>
+                </a:solidFill>
+                <a:latin typeface="Franklin Gothic Demi Cond" panose="020B0706030402020204" pitchFamily="34" charset="0"/>
+              </a:rPr>
+              <a:t>Co hlavního se v hlasových asistentech nachází?</a:t>
+            </a:r>
+          </a:p>
+          <a:p>
+            <a:r>
+              <a:rPr lang="cs-CZ" sz="3000" dirty="0">
+                <a:solidFill>
+                  <a:schemeClr val="bg1"/>
+                </a:solidFill>
+                <a:latin typeface="Franklin Gothic Demi Cond" panose="020B0706030402020204" pitchFamily="34" charset="0"/>
+              </a:rPr>
+              <a:t>Mikrofon – přes který uživatel komunikuje</a:t>
+            </a:r>
+          </a:p>
+          <a:p>
+            <a:r>
+              <a:rPr lang="cs-CZ" sz="3000" dirty="0">
+                <a:solidFill>
+                  <a:schemeClr val="bg1"/>
+                </a:solidFill>
+                <a:latin typeface="Franklin Gothic Demi Cond" panose="020B0706030402020204" pitchFamily="34" charset="0"/>
+              </a:rPr>
+              <a:t>Reproduktor – veškerý zvuk ze zařízení</a:t>
+            </a:r>
+          </a:p>
+          <a:p>
+            <a:r>
+              <a:rPr lang="cs-CZ" sz="3000" dirty="0">
+                <a:solidFill>
+                  <a:schemeClr val="bg1"/>
+                </a:solidFill>
+                <a:latin typeface="Franklin Gothic Demi Cond" panose="020B0706030402020204" pitchFamily="34" charset="0"/>
+              </a:rPr>
+              <a:t>Procesor - zpracovává data z mikrofonu</a:t>
+            </a:r>
+          </a:p>
+        </p:txBody>
+      </p:sp>
+      <p:sp>
+        <p:nvSpPr>
+          <p:cNvPr id="96" name="TextovéPole 95">
+            <a:extLst>
+              <a:ext uri="{FF2B5EF4-FFF2-40B4-BE49-F238E27FC236}">
+                <a16:creationId xmlns:a16="http://schemas.microsoft.com/office/drawing/2014/main" id="{4C993A7F-27BD-E34B-4618-4C2ECBDF1FCD}"/>
+              </a:ext>
+            </a:extLst>
+          </p:cNvPr>
+          <p:cNvSpPr txBox="1"/>
+          <p:nvPr/>
+        </p:nvSpPr>
+        <p:spPr>
+          <a:xfrm>
+            <a:off x="4910835" y="1793196"/>
+            <a:ext cx="6913166" cy="1938992"/>
+          </a:xfrm>
+          <a:prstGeom prst="rect">
+            <a:avLst/>
+          </a:prstGeom>
+          <a:noFill/>
+        </p:spPr>
+        <p:txBody>
+          <a:bodyPr wrap="square" rtlCol="0">
+            <a:spAutoFit/>
+          </a:bodyPr>
+          <a:lstStyle/>
+          <a:p>
+            <a:r>
+              <a:rPr lang="cs-CZ" sz="3000" dirty="0">
+                <a:solidFill>
+                  <a:schemeClr val="bg1"/>
+                </a:solidFill>
+                <a:latin typeface="Franklin Gothic Demi Cond" panose="020B0706030402020204" pitchFamily="34" charset="0"/>
+              </a:rPr>
+              <a:t>Hlasové asistenty ovládáme pomocí hlasových příkazů. Mohou být software  např. v mobilu, nebo zařízení např.  Google </a:t>
+            </a:r>
+            <a:r>
+              <a:rPr lang="cs-CZ" sz="3000" dirty="0" err="1">
+                <a:solidFill>
+                  <a:schemeClr val="bg1"/>
+                </a:solidFill>
+                <a:latin typeface="Franklin Gothic Demi Cond" panose="020B0706030402020204" pitchFamily="34" charset="0"/>
+              </a:rPr>
+              <a:t>home</a:t>
+            </a:r>
+            <a:r>
+              <a:rPr lang="cs-CZ" sz="3000" dirty="0">
+                <a:solidFill>
+                  <a:schemeClr val="bg1"/>
+                </a:solidFill>
+                <a:latin typeface="Franklin Gothic Demi Cond" panose="020B0706030402020204" pitchFamily="34" charset="0"/>
+              </a:rPr>
+              <a:t> </a:t>
+            </a:r>
+            <a:r>
+              <a:rPr lang="cs-CZ" sz="3000" dirty="0" err="1">
+                <a:solidFill>
+                  <a:schemeClr val="bg1"/>
+                </a:solidFill>
+                <a:latin typeface="Franklin Gothic Demi Cond" panose="020B0706030402020204" pitchFamily="34" charset="0"/>
+              </a:rPr>
+              <a:t>repack</a:t>
+            </a:r>
+            <a:r>
+              <a:rPr lang="cs-CZ" sz="3000" dirty="0">
+                <a:solidFill>
+                  <a:schemeClr val="bg1"/>
+                </a:solidFill>
+                <a:latin typeface="Franklin Gothic Demi Cond" panose="020B0706030402020204" pitchFamily="34" charset="0"/>
+              </a:rPr>
+              <a:t> </a:t>
+            </a:r>
+          </a:p>
+          <a:p>
+            <a:r>
+              <a:rPr lang="cs-CZ" sz="3000" dirty="0">
+                <a:solidFill>
+                  <a:schemeClr val="bg1"/>
+                </a:solidFill>
+                <a:latin typeface="Franklin Gothic Demi Cond" panose="020B0706030402020204" pitchFamily="34" charset="0"/>
+              </a:rPr>
+              <a:t>(viz. zařízení vlevo)</a:t>
+            </a:r>
+          </a:p>
+        </p:txBody>
+      </p:sp>
+    </p:spTree>
+    <p:extLst>
+      <p:ext uri="{BB962C8B-B14F-4D97-AF65-F5344CB8AC3E}">
+        <p14:creationId xmlns:p14="http://schemas.microsoft.com/office/powerpoint/2010/main" val="4258935429"/>
+      </p:ext>
+    </p:extLst>
+  </p:cSld>
+  <p:clrMapOvr>
+    <a:masterClrMapping/>
+  </p:clrMapOvr>
+  <mc:AlternateContent xmlns:mc="http://schemas.openxmlformats.org/markup-compatibility/2006">
+    <mc:Choice xmlns:p159="http://schemas.microsoft.com/office/powerpoint/2015/09/main" Requires="p159">
+      <p:transition xmlns:p14="http://schemas.microsoft.com/office/powerpoint/2010/main" spd="slow" p14:dur="2000">
+        <p159:morph option="byObject"/>
+      </p:transition>
+    </mc:Choice>
+    <mc:Fallback>
+      <p:transition spd="slow">
+        <p:fade/>
+      </p:transition>
+    </mc:Fallback>
+  </mc:AlternateContent>
+  <p:timing>
+    <p:tnLst>
+      <p:par>
+        <p:cTn id="1" dur="indefinite" restart="never" nodeType="tmRoot">
+          <p:childTnLst>
+            <p:seq concurrent="1" nextAc="seek">
+              <p:cTn id="2" dur="indefinite" nodeType="mainSeq">
+                <p:childTnLst>
+                  <p:par>
+                    <p:cTn id="3" fill="hold">
+                      <p:stCondLst>
+                        <p:cond delay="indefinite"/>
+                        <p:cond evt="onBegin" delay="0">
+                          <p:tn val="2"/>
+                        </p:cond>
+                      </p:stCondLst>
+                      <p:childTnLst>
+                        <p:par>
+                          <p:cTn id="4" fill="hold">
+                            <p:stCondLst>
+                              <p:cond delay="0"/>
+                            </p:stCondLst>
+                            <p:childTnLst>
+                              <p:par>
+                                <p:cTn id="5" presetID="14" presetClass="entr" presetSubtype="10" fill="hold" nodeType="withEffect">
+                                  <p:stCondLst>
+                                    <p:cond delay="0"/>
+                                  </p:stCondLst>
+                                  <p:childTnLst>
+                                    <p:set>
+                                      <p:cBhvr>
+                                        <p:cTn id="6" dur="1" fill="hold">
+                                          <p:stCondLst>
+                                            <p:cond delay="0"/>
+                                          </p:stCondLst>
+                                        </p:cTn>
+                                        <p:tgtEl>
+                                          <p:spTgt spid="71">
+                                            <p:txEl>
+                                              <p:pRg st="0" end="0"/>
+                                            </p:txEl>
+                                          </p:spTgt>
+                                        </p:tgtEl>
+                                        <p:attrNameLst>
+                                          <p:attrName>style.visibility</p:attrName>
+                                        </p:attrNameLst>
+                                      </p:cBhvr>
+                                      <p:to>
+                                        <p:strVal val="visible"/>
+                                      </p:to>
+                                    </p:set>
+                                    <p:animEffect transition="in" filter="randombar(horizontal)">
+                                      <p:cBhvr>
+                                        <p:cTn id="7" dur="500"/>
+                                        <p:tgtEl>
+                                          <p:spTgt spid="71">
+                                            <p:txEl>
+                                              <p:pRg st="0" end="0"/>
+                                            </p:txEl>
+                                          </p:spTgt>
+                                        </p:tgtEl>
+                                      </p:cBhvr>
+                                    </p:animEffect>
+                                  </p:childTnLst>
+                                </p:cTn>
+                              </p:par>
+                              <p:par>
+                                <p:cTn id="8" presetID="10" presetClass="entr" presetSubtype="0" fill="hold" grpId="0" nodeType="withEffect">
+                                  <p:stCondLst>
+                                    <p:cond delay="300"/>
+                                  </p:stCondLst>
+                                  <p:childTnLst>
+                                    <p:set>
+                                      <p:cBhvr>
+                                        <p:cTn id="9" dur="1" fill="hold">
+                                          <p:stCondLst>
+                                            <p:cond delay="0"/>
+                                          </p:stCondLst>
+                                        </p:cTn>
+                                        <p:tgtEl>
+                                          <p:spTgt spid="96"/>
+                                        </p:tgtEl>
+                                        <p:attrNameLst>
+                                          <p:attrName>style.visibility</p:attrName>
+                                        </p:attrNameLst>
+                                      </p:cBhvr>
+                                      <p:to>
+                                        <p:strVal val="visible"/>
+                                      </p:to>
+                                    </p:set>
+                                    <p:animEffect transition="in" filter="fade">
+                                      <p:cBhvr>
+                                        <p:cTn id="10" dur="500"/>
+                                        <p:tgtEl>
+                                          <p:spTgt spid="96"/>
+                                        </p:tgtEl>
+                                      </p:cBhvr>
+                                    </p:animEffect>
+                                  </p:childTnLst>
+                                </p:cTn>
+                              </p:par>
+                              <p:par>
+                                <p:cTn id="11" presetID="10" presetClass="entr" presetSubtype="0" fill="hold" grpId="0" nodeType="withEffect">
+                                  <p:stCondLst>
+                                    <p:cond delay="600"/>
+                                  </p:stCondLst>
+                                  <p:childTnLst>
+                                    <p:set>
+                                      <p:cBhvr>
+                                        <p:cTn id="12" dur="1" fill="hold">
+                                          <p:stCondLst>
+                                            <p:cond delay="0"/>
+                                          </p:stCondLst>
+                                        </p:cTn>
+                                        <p:tgtEl>
+                                          <p:spTgt spid="95"/>
+                                        </p:tgtEl>
+                                        <p:attrNameLst>
+                                          <p:attrName>style.visibility</p:attrName>
+                                        </p:attrNameLst>
+                                      </p:cBhvr>
+                                      <p:to>
+                                        <p:strVal val="visible"/>
+                                      </p:to>
+                                    </p:set>
+                                    <p:animEffect transition="in" filter="fade">
+                                      <p:cBhvr>
+                                        <p:cTn id="13" dur="500"/>
+                                        <p:tgtEl>
+                                          <p:spTgt spid="95"/>
+                                        </p:tgtEl>
+                                      </p:cBhvr>
+                                    </p:animEffect>
+                                  </p:childTnLst>
+                                </p:cTn>
+                              </p:par>
+                              <p:par>
+                                <p:cTn id="14" presetID="10" presetClass="entr" presetSubtype="0" fill="hold" grpId="0" nodeType="withEffect">
+                                  <p:stCondLst>
+                                    <p:cond delay="300"/>
+                                  </p:stCondLst>
+                                  <p:childTnLst>
+                                    <p:set>
+                                      <p:cBhvr>
+                                        <p:cTn id="15" dur="1" fill="hold">
+                                          <p:stCondLst>
+                                            <p:cond delay="0"/>
+                                          </p:stCondLst>
+                                        </p:cTn>
+                                        <p:tgtEl>
+                                          <p:spTgt spid="97"/>
+                                        </p:tgtEl>
+                                        <p:attrNameLst>
+                                          <p:attrName>style.visibility</p:attrName>
+                                        </p:attrNameLst>
+                                      </p:cBhvr>
+                                      <p:to>
+                                        <p:strVal val="visible"/>
+                                      </p:to>
+                                    </p:set>
+                                    <p:animEffect transition="in" filter="fade">
+                                      <p:cBhvr>
+                                        <p:cTn id="16" dur="500"/>
+                                        <p:tgtEl>
+                                          <p:spTgt spid="97"/>
+                                        </p:tgtEl>
+                                      </p:cBhvr>
+                                    </p:animEffect>
+                                  </p:childTnLst>
+                                </p:cTn>
+                              </p:par>
+                              <p:par>
+                                <p:cTn id="17" presetID="10" presetClass="entr" presetSubtype="0" fill="hold" grpId="0" nodeType="withEffect">
+                                  <p:stCondLst>
+                                    <p:cond delay="600"/>
+                                  </p:stCondLst>
+                                  <p:childTnLst>
+                                    <p:set>
+                                      <p:cBhvr>
+                                        <p:cTn id="18" dur="1" fill="hold">
+                                          <p:stCondLst>
+                                            <p:cond delay="0"/>
+                                          </p:stCondLst>
+                                        </p:cTn>
+                                        <p:tgtEl>
+                                          <p:spTgt spid="99"/>
+                                        </p:tgtEl>
+                                        <p:attrNameLst>
+                                          <p:attrName>style.visibility</p:attrName>
+                                        </p:attrNameLst>
+                                      </p:cBhvr>
+                                      <p:to>
+                                        <p:strVal val="visible"/>
+                                      </p:to>
+                                    </p:set>
+                                    <p:animEffect transition="in" filter="fade">
+                                      <p:cBhvr>
+                                        <p:cTn id="19" dur="500"/>
+                                        <p:tgtEl>
+                                          <p:spTgt spid="99"/>
+                                        </p:tgtEl>
+                                      </p:cBhvr>
+                                    </p:animEffect>
+                                  </p:childTnLst>
+                                </p:cTn>
+                              </p:par>
+                            </p:childTnLst>
+                          </p:cTn>
+                        </p:par>
+                      </p:childTnLst>
+                    </p:cTn>
+                  </p:par>
+                </p:childTnLst>
+              </p:cTn>
+              <p:prevCondLst>
+                <p:cond evt="onPrev" delay="0">
+                  <p:tgtEl>
+                    <p:sldTgt/>
+                  </p:tgtEl>
+                </p:cond>
+              </p:prevCondLst>
+              <p:nextCondLst>
+                <p:cond evt="onNext" delay="0">
+                  <p:tgtEl>
+                    <p:sldTgt/>
+                  </p:tgtEl>
+                </p:cond>
+              </p:nextCondLst>
+            </p:seq>
+          </p:childTnLst>
+        </p:cTn>
+      </p:par>
+    </p:tnLst>
+    <p:bldLst>
+      <p:bldP spid="99" grpId="0" animBg="1"/>
+      <p:bldP spid="97" grpId="0" animBg="1"/>
+      <p:bldP spid="95" grpId="0"/>
+      <p:bldP spid="96" grpId="0"/>
+    </p:bldLst>
+  </p:timing>
+</p:sld>
+</file>
+
+<file path=ppt/slides/slide6.xml><?xml version="1.0" encoding="utf-8"?>
+<p:sld xmlns:a="http://schemas.openxmlformats.org/drawingml/2006/main" xmlns:r="http://schemas.openxmlformats.org/officeDocument/2006/relationships" xmlns:p="http://schemas.openxmlformats.org/presentationml/2006/main">
+  <p:cSld>
+    <p:bg>
+      <p:bgPr>
+        <a:pattFill prst="pct5">
+          <a:fgClr>
+            <a:schemeClr val="bg2">
+              <a:lumMod val="10000"/>
+            </a:schemeClr>
+          </a:fgClr>
+          <a:bgClr>
+            <a:srgbClr val="FFFFFF"/>
+          </a:bgClr>
+        </a:pattFill>
+        <a:effectLst/>
+      </p:bgPr>
+    </p:bg>
+    <p:spTree>
+      <p:nvGrpSpPr>
+        <p:cNvPr id="1" name=""/>
+        <p:cNvGrpSpPr/>
+        <p:nvPr/>
+      </p:nvGrpSpPr>
+      <p:grpSpPr>
+        <a:xfrm>
+          <a:off x="0" y="0"/>
+          <a:ext cx="0" cy="0"/>
+          <a:chOff x="0" y="0"/>
+          <a:chExt cx="0" cy="0"/>
+        </a:xfrm>
+      </p:grpSpPr>
+      <p:sp>
+        <p:nvSpPr>
+          <p:cNvPr id="6" name="Obdélník: se zakulacenými rohy 5">
+            <a:extLst>
+              <a:ext uri="{FF2B5EF4-FFF2-40B4-BE49-F238E27FC236}">
+                <a16:creationId xmlns:a16="http://schemas.microsoft.com/office/drawing/2014/main" id="{037FEB7D-8C4A-837E-1B31-78487E1759A5}"/>
+              </a:ext>
+            </a:extLst>
+          </p:cNvPr>
+          <p:cNvSpPr/>
+          <p:nvPr/>
+        </p:nvSpPr>
+        <p:spPr>
+          <a:xfrm>
+            <a:off x="-6469724" y="-405015"/>
+            <a:ext cx="2581812" cy="998163"/>
+          </a:xfrm>
+          <a:prstGeom prst="roundRect">
+            <a:avLst>
+              <a:gd name="adj" fmla="val 26794"/>
+            </a:avLst>
+          </a:prstGeom>
+          <a:solidFill>
+            <a:srgbClr val="064C8C"/>
+          </a:solidFill>
+          <a:ln>
+            <a:noFill/>
+          </a:ln>
+        </p:spPr>
+        <p:style>
+          <a:lnRef idx="2">
+            <a:schemeClr val="accent1">
+              <a:shade val="50000"/>
+            </a:schemeClr>
+          </a:lnRef>
+          <a:fillRef idx="1">
+            <a:schemeClr val="accent1"/>
+          </a:fillRef>
+          <a:effectRef idx="0">
+            <a:schemeClr val="accent1"/>
+          </a:effectRef>
+          <a:fontRef idx="minor">
+            <a:schemeClr val="lt1"/>
+          </a:fontRef>
+        </p:style>
+        <p:txBody>
+          <a:bodyPr rtlCol="0" anchor="ctr"/>
+          <a:lstStyle/>
+          <a:p>
+            <a:pPr algn="ctr"/>
+            <a:endParaRPr lang="cs-CZ"/>
+          </a:p>
+        </p:txBody>
+      </p:sp>
+      <p:sp>
+        <p:nvSpPr>
+          <p:cNvPr id="7" name="TextovéPole 6">
+            <a:extLst>
+              <a:ext uri="{FF2B5EF4-FFF2-40B4-BE49-F238E27FC236}">
+                <a16:creationId xmlns:a16="http://schemas.microsoft.com/office/drawing/2014/main" id="{E26B03E6-C559-9BF7-FAEC-4A67001CF354}"/>
+              </a:ext>
+            </a:extLst>
+          </p:cNvPr>
+          <p:cNvSpPr txBox="1"/>
+          <p:nvPr/>
+        </p:nvSpPr>
+        <p:spPr>
+          <a:xfrm>
+            <a:off x="-6124982" y="-335886"/>
+            <a:ext cx="3986621" cy="815608"/>
+          </a:xfrm>
+          <a:prstGeom prst="rect">
+            <a:avLst/>
+          </a:prstGeom>
+          <a:noFill/>
+        </p:spPr>
+        <p:txBody>
+          <a:bodyPr wrap="square" rtlCol="0">
+            <a:spAutoFit/>
+          </a:bodyPr>
+          <a:lstStyle/>
+          <a:p>
+            <a:r>
+              <a:rPr lang="cs-CZ" sz="4700" dirty="0">
+                <a:solidFill>
+                  <a:srgbClr val="FFFFFF"/>
+                </a:solidFill>
+                <a:latin typeface="Franklin Gothic Demi Cond" panose="020B0706030402020204" pitchFamily="34" charset="0"/>
+              </a:rPr>
+              <a:t>Pohodlí</a:t>
+            </a:r>
+          </a:p>
+        </p:txBody>
+      </p:sp>
+      <p:sp>
+        <p:nvSpPr>
+          <p:cNvPr id="12" name="Ovál 11">
+            <a:extLst>
+              <a:ext uri="{FF2B5EF4-FFF2-40B4-BE49-F238E27FC236}">
+                <a16:creationId xmlns:a16="http://schemas.microsoft.com/office/drawing/2014/main" id="{C35D3084-993A-AE6B-2C3E-B79E196A514F}"/>
+              </a:ext>
+            </a:extLst>
+          </p:cNvPr>
+          <p:cNvSpPr/>
+          <p:nvPr/>
+        </p:nvSpPr>
+        <p:spPr>
+          <a:xfrm>
+            <a:off x="-10927574" y="-504572"/>
+            <a:ext cx="1107230" cy="1097720"/>
+          </a:xfrm>
+          <a:prstGeom prst="ellipse">
+            <a:avLst/>
+          </a:prstGeom>
+          <a:solidFill>
+            <a:srgbClr val="064C8C"/>
+          </a:solidFill>
+          <a:ln>
+            <a:noFill/>
+          </a:ln>
+        </p:spPr>
+        <p:style>
+          <a:lnRef idx="2">
+            <a:schemeClr val="accent1">
+              <a:shade val="50000"/>
+            </a:schemeClr>
+          </a:lnRef>
+          <a:fillRef idx="1">
+            <a:schemeClr val="accent1"/>
+          </a:fillRef>
+          <a:effectRef idx="0">
+            <a:schemeClr val="accent1"/>
+          </a:effectRef>
+          <a:fontRef idx="minor">
+            <a:schemeClr val="lt1"/>
+          </a:fontRef>
+        </p:style>
+        <p:txBody>
+          <a:bodyPr rtlCol="0" anchor="ctr"/>
+          <a:lstStyle/>
+          <a:p>
+            <a:pPr algn="ctr"/>
+            <a:endParaRPr lang="cs-CZ"/>
+          </a:p>
+        </p:txBody>
+      </p:sp>
+      <p:pic>
+        <p:nvPicPr>
+          <p:cNvPr id="13" name="Grafický objekt 12" descr="Spánek obrys">
+            <a:extLst>
+              <a:ext uri="{FF2B5EF4-FFF2-40B4-BE49-F238E27FC236}">
+                <a16:creationId xmlns:a16="http://schemas.microsoft.com/office/drawing/2014/main" id="{7F3E4546-0684-536C-9A27-A908107314B8}"/>
+              </a:ext>
+            </a:extLst>
+          </p:cNvPr>
+          <p:cNvPicPr>
+            <a:picLocks noChangeAspect="1"/>
+          </p:cNvPicPr>
+          <p:nvPr/>
+        </p:nvPicPr>
+        <p:blipFill>
+          <a:blip r:embed="rId2">
+            <a:extLst>
+              <a:ext uri="{28A0092B-C50C-407E-A947-70E740481C1C}">
+                <a14:useLocalDpi xmlns:a14="http://schemas.microsoft.com/office/drawing/2010/main" val="0"/>
+              </a:ext>
+              <a:ext uri="{96DAC541-7B7A-43D3-8B79-37D633B846F1}">
+                <asvg:svgBlip xmlns:asvg="http://schemas.microsoft.com/office/drawing/2016/SVG/main" r:embed="rId3"/>
+              </a:ext>
+            </a:extLst>
+          </a:blip>
+          <a:stretch>
+            <a:fillRect/>
+          </a:stretch>
+        </p:blipFill>
+        <p:spPr>
+          <a:xfrm>
+            <a:off x="-10831159" y="-405015"/>
+            <a:ext cx="914400" cy="914400"/>
+          </a:xfrm>
+          <a:prstGeom prst="rect">
+            <a:avLst/>
+          </a:prstGeom>
+        </p:spPr>
+      </p:pic>
+      <p:sp>
+        <p:nvSpPr>
+          <p:cNvPr id="19" name="Obdélník: se zakulacenými rohy 18">
+            <a:extLst>
+              <a:ext uri="{FF2B5EF4-FFF2-40B4-BE49-F238E27FC236}">
+                <a16:creationId xmlns:a16="http://schemas.microsoft.com/office/drawing/2014/main" id="{71C6EE45-6FD3-C9B6-5DB1-7BC95FEB6EC1}"/>
+              </a:ext>
+            </a:extLst>
+          </p:cNvPr>
+          <p:cNvSpPr/>
+          <p:nvPr/>
+        </p:nvSpPr>
+        <p:spPr>
+          <a:xfrm>
+            <a:off x="1326676" y="1862378"/>
+            <a:ext cx="9855200" cy="1400039"/>
+          </a:xfrm>
+          <a:prstGeom prst="roundRect">
+            <a:avLst>
+              <a:gd name="adj" fmla="val 15413"/>
+            </a:avLst>
+          </a:prstGeom>
+          <a:solidFill>
+            <a:schemeClr val="tx2">
+              <a:lumMod val="75000"/>
+            </a:schemeClr>
+          </a:solidFill>
+          <a:ln>
+            <a:solidFill>
+              <a:srgbClr val="FFFFFF"/>
+            </a:solidFill>
+          </a:ln>
+        </p:spPr>
+        <p:style>
+          <a:lnRef idx="2">
+            <a:schemeClr val="accent3">
+              <a:shade val="50000"/>
+            </a:schemeClr>
+          </a:lnRef>
+          <a:fillRef idx="1">
+            <a:schemeClr val="accent3"/>
+          </a:fillRef>
+          <a:effectRef idx="0">
+            <a:schemeClr val="accent3"/>
+          </a:effectRef>
+          <a:fontRef idx="minor">
+            <a:schemeClr val="lt1"/>
+          </a:fontRef>
+        </p:style>
+        <p:txBody>
+          <a:bodyPr rtlCol="0" anchor="ctr"/>
+          <a:lstStyle/>
+          <a:p>
+            <a:pPr algn="ctr"/>
+            <a:endParaRPr lang="cs-CZ"/>
+          </a:p>
+        </p:txBody>
+      </p:sp>
+      <p:sp>
+        <p:nvSpPr>
+          <p:cNvPr id="20" name="Ovál 19">
+            <a:extLst>
+              <a:ext uri="{FF2B5EF4-FFF2-40B4-BE49-F238E27FC236}">
+                <a16:creationId xmlns:a16="http://schemas.microsoft.com/office/drawing/2014/main" id="{E2F071C3-5029-9D13-6BE8-746D82FE8169}"/>
+              </a:ext>
+            </a:extLst>
+          </p:cNvPr>
+          <p:cNvSpPr/>
+          <p:nvPr/>
+        </p:nvSpPr>
+        <p:spPr>
+          <a:xfrm>
+            <a:off x="96264" y="325616"/>
+            <a:ext cx="1078146" cy="1068056"/>
+          </a:xfrm>
+          <a:prstGeom prst="ellipse">
+            <a:avLst/>
+          </a:prstGeom>
+          <a:solidFill>
+            <a:srgbClr val="007614"/>
+          </a:solidFill>
+          <a:ln>
+            <a:noFill/>
+          </a:ln>
+        </p:spPr>
+        <p:style>
+          <a:lnRef idx="2">
+            <a:schemeClr val="accent1">
+              <a:shade val="50000"/>
+            </a:schemeClr>
+          </a:lnRef>
+          <a:fillRef idx="1">
+            <a:schemeClr val="accent1"/>
+          </a:fillRef>
+          <a:effectRef idx="0">
+            <a:schemeClr val="accent1"/>
+          </a:effectRef>
+          <a:fontRef idx="minor">
+            <a:schemeClr val="lt1"/>
+          </a:fontRef>
+        </p:style>
+        <p:txBody>
+          <a:bodyPr rtlCol="0" anchor="ctr"/>
+          <a:lstStyle/>
+          <a:p>
+            <a:pPr algn="ctr"/>
+            <a:endParaRPr lang="cs-CZ"/>
+          </a:p>
+        </p:txBody>
+      </p:sp>
+      <p:pic>
+        <p:nvPicPr>
+          <p:cNvPr id="21" name="Grafický objekt 20" descr="Plná baterie se souvislou výplní">
+            <a:extLst>
+              <a:ext uri="{FF2B5EF4-FFF2-40B4-BE49-F238E27FC236}">
+                <a16:creationId xmlns:a16="http://schemas.microsoft.com/office/drawing/2014/main" id="{156C6F2F-0ECE-B3F3-5171-F62371E85757}"/>
+              </a:ext>
+            </a:extLst>
+          </p:cNvPr>
+          <p:cNvPicPr>
+            <a:picLocks noChangeAspect="1"/>
+          </p:cNvPicPr>
+          <p:nvPr/>
+        </p:nvPicPr>
+        <p:blipFill>
+          <a:blip r:embed="rId4">
+            <a:extLst>
+              <a:ext uri="{28A0092B-C50C-407E-A947-70E740481C1C}">
+                <a14:useLocalDpi xmlns:a14="http://schemas.microsoft.com/office/drawing/2010/main" val="0"/>
+              </a:ext>
+              <a:ext uri="{96DAC541-7B7A-43D3-8B79-37D633B846F1}">
+                <asvg:svgBlip xmlns:asvg="http://schemas.microsoft.com/office/drawing/2016/SVG/main" r:embed="rId5"/>
+              </a:ext>
+            </a:extLst>
+          </a:blip>
+          <a:stretch>
+            <a:fillRect/>
+          </a:stretch>
+        </p:blipFill>
+        <p:spPr>
+          <a:xfrm>
+            <a:off x="192080" y="392985"/>
+            <a:ext cx="916925" cy="916925"/>
+          </a:xfrm>
+          <a:prstGeom prst="rect">
+            <a:avLst/>
+          </a:prstGeom>
+        </p:spPr>
+      </p:pic>
+      <p:sp>
+        <p:nvSpPr>
+          <p:cNvPr id="22" name="Obdélník: se zakulacenými rohy 21">
+            <a:extLst>
+              <a:ext uri="{FF2B5EF4-FFF2-40B4-BE49-F238E27FC236}">
+                <a16:creationId xmlns:a16="http://schemas.microsoft.com/office/drawing/2014/main" id="{0B63B875-B738-0183-F877-3A621CBEAC82}"/>
+              </a:ext>
+            </a:extLst>
+          </p:cNvPr>
+          <p:cNvSpPr/>
+          <p:nvPr/>
+        </p:nvSpPr>
+        <p:spPr>
+          <a:xfrm>
+            <a:off x="4305466" y="418455"/>
+            <a:ext cx="3581068" cy="979739"/>
+          </a:xfrm>
+          <a:prstGeom prst="roundRect">
+            <a:avLst>
+              <a:gd name="adj" fmla="val 26794"/>
+            </a:avLst>
+          </a:prstGeom>
+          <a:solidFill>
+            <a:srgbClr val="007614"/>
+          </a:solidFill>
+          <a:ln>
+            <a:noFill/>
+          </a:ln>
+        </p:spPr>
+        <p:style>
+          <a:lnRef idx="2">
+            <a:schemeClr val="accent1">
+              <a:shade val="50000"/>
+            </a:schemeClr>
+          </a:lnRef>
+          <a:fillRef idx="1">
+            <a:schemeClr val="accent1"/>
+          </a:fillRef>
+          <a:effectRef idx="0">
+            <a:schemeClr val="accent1"/>
+          </a:effectRef>
+          <a:fontRef idx="minor">
+            <a:schemeClr val="lt1"/>
+          </a:fontRef>
+        </p:style>
+        <p:txBody>
+          <a:bodyPr rtlCol="0" anchor="ctr"/>
+          <a:lstStyle/>
+          <a:p>
+            <a:pPr algn="ctr"/>
+            <a:endParaRPr lang="cs-CZ"/>
+          </a:p>
+        </p:txBody>
+      </p:sp>
+      <p:sp>
+        <p:nvSpPr>
+          <p:cNvPr id="23" name="TextovéPole 22">
+            <a:extLst>
+              <a:ext uri="{FF2B5EF4-FFF2-40B4-BE49-F238E27FC236}">
+                <a16:creationId xmlns:a16="http://schemas.microsoft.com/office/drawing/2014/main" id="{58FC16FB-9288-0E41-F64B-8ED74BC985BD}"/>
+              </a:ext>
+            </a:extLst>
+          </p:cNvPr>
+          <p:cNvSpPr txBox="1"/>
+          <p:nvPr/>
+        </p:nvSpPr>
+        <p:spPr>
+          <a:xfrm>
+            <a:off x="4401880" y="479722"/>
+            <a:ext cx="3986621" cy="1461939"/>
+          </a:xfrm>
+          <a:prstGeom prst="rect">
+            <a:avLst/>
+          </a:prstGeom>
+          <a:noFill/>
+        </p:spPr>
+        <p:txBody>
+          <a:bodyPr wrap="square" rtlCol="0">
+            <a:spAutoFit/>
+          </a:bodyPr>
+          <a:lstStyle/>
+          <a:p>
+            <a:r>
+              <a:rPr lang="cs-CZ" sz="4400" dirty="0">
+                <a:solidFill>
+                  <a:srgbClr val="FFFFFF"/>
+                </a:solidFill>
+                <a:latin typeface="Franklin Gothic Demi Cond" panose="020B0706030402020204" pitchFamily="34" charset="0"/>
+              </a:rPr>
+              <a:t>Úspora energie </a:t>
+            </a:r>
+          </a:p>
+          <a:p>
+            <a:endParaRPr lang="cs-CZ" sz="4500" dirty="0">
+              <a:solidFill>
+                <a:srgbClr val="FFFFFF"/>
+              </a:solidFill>
+              <a:latin typeface="Franklin Gothic Demi Cond" panose="020B0706030402020204" pitchFamily="34" charset="0"/>
+            </a:endParaRPr>
+          </a:p>
+        </p:txBody>
+      </p:sp>
+      <p:sp>
+        <p:nvSpPr>
+          <p:cNvPr id="10" name="Obdélník: se zakulacenými rohy 9">
+            <a:extLst>
+              <a:ext uri="{FF2B5EF4-FFF2-40B4-BE49-F238E27FC236}">
+                <a16:creationId xmlns:a16="http://schemas.microsoft.com/office/drawing/2014/main" id="{85B68AE8-DF90-1360-9D44-40E9E70E69F4}"/>
+              </a:ext>
+            </a:extLst>
+          </p:cNvPr>
+          <p:cNvSpPr/>
+          <p:nvPr/>
+        </p:nvSpPr>
+        <p:spPr>
+          <a:xfrm>
+            <a:off x="1326676" y="3418453"/>
+            <a:ext cx="9855200" cy="1400039"/>
+          </a:xfrm>
+          <a:prstGeom prst="roundRect">
+            <a:avLst>
+              <a:gd name="adj" fmla="val 15413"/>
+            </a:avLst>
+          </a:prstGeom>
+          <a:solidFill>
+            <a:schemeClr val="tx2">
+              <a:lumMod val="75000"/>
+            </a:schemeClr>
+          </a:solidFill>
+          <a:ln>
+            <a:solidFill>
+              <a:srgbClr val="FFFFFF"/>
+            </a:solidFill>
+          </a:ln>
+        </p:spPr>
+        <p:style>
+          <a:lnRef idx="2">
+            <a:schemeClr val="accent3">
+              <a:shade val="50000"/>
+            </a:schemeClr>
+          </a:lnRef>
+          <a:fillRef idx="1">
+            <a:schemeClr val="accent3"/>
+          </a:fillRef>
+          <a:effectRef idx="0">
+            <a:schemeClr val="accent3"/>
+          </a:effectRef>
+          <a:fontRef idx="minor">
+            <a:schemeClr val="lt1"/>
+          </a:fontRef>
+        </p:style>
+        <p:txBody>
+          <a:bodyPr rtlCol="0" anchor="ctr"/>
+          <a:lstStyle/>
+          <a:p>
+            <a:pPr algn="ctr"/>
+            <a:endParaRPr lang="cs-CZ"/>
+          </a:p>
+        </p:txBody>
+      </p:sp>
+      <p:sp>
+        <p:nvSpPr>
+          <p:cNvPr id="18" name="TextovéPole 17">
+            <a:extLst>
+              <a:ext uri="{FF2B5EF4-FFF2-40B4-BE49-F238E27FC236}">
+                <a16:creationId xmlns:a16="http://schemas.microsoft.com/office/drawing/2014/main" id="{16E27135-B1FE-439C-252E-DEF694E4C41D}"/>
+              </a:ext>
+            </a:extLst>
+          </p:cNvPr>
+          <p:cNvSpPr txBox="1"/>
+          <p:nvPr/>
+        </p:nvSpPr>
+        <p:spPr>
+          <a:xfrm>
+            <a:off x="2206884" y="2018414"/>
+            <a:ext cx="8376612" cy="1338928"/>
+          </a:xfrm>
+          <a:prstGeom prst="rect">
+            <a:avLst/>
+          </a:prstGeom>
+        </p:spPr>
+        <p:txBody>
+          <a:bodyPr vert="horz" lIns="91440" tIns="45720" rIns="91440" bIns="45720" rtlCol="0" anchor="t">
+            <a:noAutofit/>
+          </a:bodyPr>
+          <a:lstStyle/>
+          <a:p>
+            <a:r>
+              <a:rPr lang="cs-CZ" sz="3500" dirty="0">
+                <a:solidFill>
+                  <a:schemeClr val="bg1"/>
+                </a:solidFill>
+                <a:latin typeface="Franklin Gothic Demi Cond" panose="020B0706030402020204" pitchFamily="34" charset="0"/>
+              </a:rPr>
+              <a:t>Díky chytré domácnosti můžete ušetřit jak elektřinu, tak i peníze.</a:t>
+            </a:r>
+          </a:p>
+        </p:txBody>
+      </p:sp>
+      <p:sp>
+        <p:nvSpPr>
+          <p:cNvPr id="11" name="TextovéPole 10">
+            <a:extLst>
+              <a:ext uri="{FF2B5EF4-FFF2-40B4-BE49-F238E27FC236}">
+                <a16:creationId xmlns:a16="http://schemas.microsoft.com/office/drawing/2014/main" id="{80DC36AF-4B56-5F9A-A79A-168FE7CE50AA}"/>
+              </a:ext>
+            </a:extLst>
+          </p:cNvPr>
+          <p:cNvSpPr txBox="1"/>
+          <p:nvPr/>
+        </p:nvSpPr>
+        <p:spPr>
+          <a:xfrm>
+            <a:off x="1929753" y="3546972"/>
+            <a:ext cx="8376612" cy="1456267"/>
+          </a:xfrm>
+          <a:prstGeom prst="rect">
+            <a:avLst/>
+          </a:prstGeom>
+        </p:spPr>
+        <p:txBody>
+          <a:bodyPr vert="horz" lIns="91440" tIns="45720" rIns="91440" bIns="45720" rtlCol="0" anchor="t">
+            <a:noAutofit/>
+          </a:bodyPr>
+          <a:lstStyle/>
+          <a:p>
+            <a:r>
+              <a:rPr lang="cs-CZ" sz="3500" dirty="0">
+                <a:solidFill>
+                  <a:schemeClr val="bg1"/>
+                </a:solidFill>
+                <a:latin typeface="Franklin Gothic Demi Cond" panose="020B0706030402020204" pitchFamily="34" charset="0"/>
+              </a:rPr>
+              <a:t>Chytré termostaty -  regulují automaticky teplotu na závislosti, zdali se někdo v místnosti nachází</a:t>
+            </a:r>
+          </a:p>
+        </p:txBody>
+      </p:sp>
+      <p:sp>
+        <p:nvSpPr>
+          <p:cNvPr id="14" name="Obdélník: se zakulacenými rohy 13">
+            <a:extLst>
+              <a:ext uri="{FF2B5EF4-FFF2-40B4-BE49-F238E27FC236}">
+                <a16:creationId xmlns:a16="http://schemas.microsoft.com/office/drawing/2014/main" id="{CFEEE6E7-BA2F-D9EA-4D04-60D480D4941C}"/>
+              </a:ext>
+            </a:extLst>
+          </p:cNvPr>
+          <p:cNvSpPr/>
+          <p:nvPr/>
+        </p:nvSpPr>
+        <p:spPr>
+          <a:xfrm>
+            <a:off x="1326676" y="4980554"/>
+            <a:ext cx="9855200" cy="1397724"/>
+          </a:xfrm>
+          <a:prstGeom prst="roundRect">
+            <a:avLst>
+              <a:gd name="adj" fmla="val 15413"/>
+            </a:avLst>
+          </a:prstGeom>
+          <a:solidFill>
+            <a:schemeClr val="tx2">
+              <a:lumMod val="75000"/>
+            </a:schemeClr>
+          </a:solidFill>
+          <a:ln>
+            <a:solidFill>
+              <a:srgbClr val="FFFFFF"/>
+            </a:solidFill>
+          </a:ln>
+        </p:spPr>
+        <p:style>
+          <a:lnRef idx="2">
+            <a:schemeClr val="accent3">
+              <a:shade val="50000"/>
+            </a:schemeClr>
+          </a:lnRef>
+          <a:fillRef idx="1">
+            <a:schemeClr val="accent3"/>
+          </a:fillRef>
+          <a:effectRef idx="0">
+            <a:schemeClr val="accent3"/>
+          </a:effectRef>
+          <a:fontRef idx="minor">
+            <a:schemeClr val="lt1"/>
+          </a:fontRef>
+        </p:style>
+        <p:txBody>
+          <a:bodyPr rtlCol="0" anchor="ctr"/>
+          <a:lstStyle/>
+          <a:p>
+            <a:pPr algn="ctr"/>
+            <a:endParaRPr lang="cs-CZ"/>
+          </a:p>
+        </p:txBody>
+      </p:sp>
+      <p:sp>
+        <p:nvSpPr>
+          <p:cNvPr id="27" name="Ovál 26">
+            <a:extLst>
+              <a:ext uri="{FF2B5EF4-FFF2-40B4-BE49-F238E27FC236}">
+                <a16:creationId xmlns:a16="http://schemas.microsoft.com/office/drawing/2014/main" id="{0C94AC05-7C02-6A1A-62EC-65C64378906B}"/>
+              </a:ext>
+            </a:extLst>
+          </p:cNvPr>
+          <p:cNvSpPr/>
+          <p:nvPr/>
+        </p:nvSpPr>
+        <p:spPr>
+          <a:xfrm>
+            <a:off x="101543" y="3546972"/>
+            <a:ext cx="1078146" cy="1068056"/>
+          </a:xfrm>
+          <a:prstGeom prst="ellipse">
+            <a:avLst/>
+          </a:prstGeom>
+          <a:solidFill>
+            <a:srgbClr val="007614"/>
+          </a:solidFill>
+          <a:ln>
+            <a:noFill/>
+          </a:ln>
+        </p:spPr>
+        <p:style>
+          <a:lnRef idx="0">
+            <a:scrgbClr r="0" g="0" b="0"/>
+          </a:lnRef>
+          <a:fillRef idx="0">
+            <a:scrgbClr r="0" g="0" b="0"/>
+          </a:fillRef>
+          <a:effectRef idx="0">
+            <a:scrgbClr r="0" g="0" b="0"/>
+          </a:effectRef>
+          <a:fontRef idx="minor">
+            <a:schemeClr val="lt1"/>
+          </a:fontRef>
+        </p:style>
+        <p:txBody>
+          <a:bodyPr rtlCol="0" anchor="ctr"/>
+          <a:lstStyle/>
+          <a:p>
+            <a:pPr algn="ctr"/>
+            <a:endParaRPr lang="cs-CZ"/>
+          </a:p>
+        </p:txBody>
+      </p:sp>
+      <p:pic>
+        <p:nvPicPr>
+          <p:cNvPr id="17" name="Grafický objekt 16" descr="Vysoká teplota obrys">
+            <a:extLst>
+              <a:ext uri="{FF2B5EF4-FFF2-40B4-BE49-F238E27FC236}">
+                <a16:creationId xmlns:a16="http://schemas.microsoft.com/office/drawing/2014/main" id="{E824B101-615F-7355-85CB-494EF1110433}"/>
+              </a:ext>
+            </a:extLst>
+          </p:cNvPr>
+          <p:cNvPicPr>
+            <a:picLocks noChangeAspect="1"/>
+          </p:cNvPicPr>
+          <p:nvPr/>
+        </p:nvPicPr>
+        <p:blipFill>
+          <a:blip r:embed="rId6">
+            <a:extLst>
+              <a:ext uri="{28A0092B-C50C-407E-A947-70E740481C1C}">
+                <a14:useLocalDpi xmlns:a14="http://schemas.microsoft.com/office/drawing/2010/main" val="0"/>
+              </a:ext>
+              <a:ext uri="{96DAC541-7B7A-43D3-8B79-37D633B846F1}">
+                <asvg:svgBlip xmlns:asvg="http://schemas.microsoft.com/office/drawing/2016/SVG/main" r:embed="rId7"/>
+              </a:ext>
+            </a:extLst>
+          </a:blip>
+          <a:stretch>
+            <a:fillRect/>
+          </a:stretch>
+        </p:blipFill>
+        <p:spPr>
+          <a:xfrm>
+            <a:off x="192080" y="3563956"/>
+            <a:ext cx="897072" cy="897072"/>
+          </a:xfrm>
+          <a:prstGeom prst="rect">
+            <a:avLst/>
+          </a:prstGeom>
+        </p:spPr>
+      </p:pic>
+      <p:sp>
+        <p:nvSpPr>
+          <p:cNvPr id="32" name="Ovál 31">
+            <a:extLst>
+              <a:ext uri="{FF2B5EF4-FFF2-40B4-BE49-F238E27FC236}">
+                <a16:creationId xmlns:a16="http://schemas.microsoft.com/office/drawing/2014/main" id="{3E8CAEB4-0BC6-8586-70CB-04CCE502080B}"/>
+              </a:ext>
+            </a:extLst>
+          </p:cNvPr>
+          <p:cNvSpPr/>
+          <p:nvPr/>
+        </p:nvSpPr>
+        <p:spPr>
+          <a:xfrm>
+            <a:off x="101543" y="5145388"/>
+            <a:ext cx="1078146" cy="1068056"/>
+          </a:xfrm>
+          <a:prstGeom prst="ellipse">
+            <a:avLst/>
+          </a:prstGeom>
+          <a:solidFill>
+            <a:srgbClr val="007614"/>
+          </a:solidFill>
+          <a:ln>
+            <a:noFill/>
+          </a:ln>
+        </p:spPr>
+        <p:style>
+          <a:lnRef idx="2">
+            <a:schemeClr val="accent1">
+              <a:shade val="50000"/>
+            </a:schemeClr>
+          </a:lnRef>
+          <a:fillRef idx="1">
+            <a:schemeClr val="accent1"/>
+          </a:fillRef>
+          <a:effectRef idx="0">
+            <a:schemeClr val="accent1"/>
+          </a:effectRef>
+          <a:fontRef idx="minor">
+            <a:schemeClr val="lt1"/>
+          </a:fontRef>
+        </p:style>
+        <p:txBody>
+          <a:bodyPr rtlCol="0" anchor="ctr"/>
+          <a:lstStyle/>
+          <a:p>
+            <a:pPr algn="ctr"/>
+            <a:endParaRPr lang="cs-CZ"/>
+          </a:p>
+        </p:txBody>
+      </p:sp>
+      <p:pic>
+        <p:nvPicPr>
+          <p:cNvPr id="25" name="Grafický objekt 24" descr="Žárovka obrys">
+            <a:extLst>
+              <a:ext uri="{FF2B5EF4-FFF2-40B4-BE49-F238E27FC236}">
+                <a16:creationId xmlns:a16="http://schemas.microsoft.com/office/drawing/2014/main" id="{99F31035-0483-A4EB-BC7A-CE841BD47F21}"/>
+              </a:ext>
+            </a:extLst>
+          </p:cNvPr>
+          <p:cNvPicPr>
+            <a:picLocks noChangeAspect="1"/>
+          </p:cNvPicPr>
+          <p:nvPr/>
+        </p:nvPicPr>
+        <p:blipFill>
+          <a:blip r:embed="rId8">
+            <a:extLst>
+              <a:ext uri="{28A0092B-C50C-407E-A947-70E740481C1C}">
+                <a14:useLocalDpi xmlns:a14="http://schemas.microsoft.com/office/drawing/2010/main" val="0"/>
+              </a:ext>
+              <a:ext uri="{96DAC541-7B7A-43D3-8B79-37D633B846F1}">
+                <asvg:svgBlip xmlns:asvg="http://schemas.microsoft.com/office/drawing/2016/SVG/main" r:embed="rId9"/>
+              </a:ext>
+            </a:extLst>
+          </a:blip>
+          <a:stretch>
+            <a:fillRect/>
+          </a:stretch>
+        </p:blipFill>
+        <p:spPr>
+          <a:xfrm>
+            <a:off x="173937" y="5222216"/>
+            <a:ext cx="914400" cy="914400"/>
+          </a:xfrm>
+          <a:prstGeom prst="rect">
+            <a:avLst/>
+          </a:prstGeom>
+        </p:spPr>
+      </p:pic>
+      <p:sp>
+        <p:nvSpPr>
+          <p:cNvPr id="33" name="TextovéPole 32">
+            <a:extLst>
+              <a:ext uri="{FF2B5EF4-FFF2-40B4-BE49-F238E27FC236}">
+                <a16:creationId xmlns:a16="http://schemas.microsoft.com/office/drawing/2014/main" id="{D2CD74AD-68A3-15DE-5A01-755256E9D268}"/>
+              </a:ext>
+            </a:extLst>
+          </p:cNvPr>
+          <p:cNvSpPr txBox="1"/>
+          <p:nvPr/>
+        </p:nvSpPr>
+        <p:spPr>
+          <a:xfrm>
+            <a:off x="1907694" y="5145388"/>
+            <a:ext cx="8376612" cy="1456267"/>
+          </a:xfrm>
+          <a:prstGeom prst="rect">
+            <a:avLst/>
+          </a:prstGeom>
+        </p:spPr>
+        <p:txBody>
+          <a:bodyPr vert="horz" lIns="91440" tIns="45720" rIns="91440" bIns="45720" rtlCol="0" anchor="t">
+            <a:noAutofit/>
+          </a:bodyPr>
+          <a:lstStyle/>
+          <a:p>
+            <a:r>
+              <a:rPr lang="cs-CZ" sz="3500" dirty="0">
+                <a:solidFill>
+                  <a:schemeClr val="bg1"/>
+                </a:solidFill>
+                <a:latin typeface="Franklin Gothic Demi Cond" panose="020B0706030402020204" pitchFamily="34" charset="0"/>
+              </a:rPr>
+              <a:t>Chytré žárovky -  </a:t>
+            </a:r>
+            <a:r>
+              <a:rPr lang="cs-CZ" sz="3600" dirty="0">
+                <a:solidFill>
+                  <a:schemeClr val="bg1"/>
+                </a:solidFill>
+                <a:latin typeface="Franklin Gothic Demi Cond" panose="020B0706030402020204" pitchFamily="34" charset="0"/>
+              </a:rPr>
+              <a:t>vypnou se v době, když jsou všechny místnosti nevyužívány</a:t>
+            </a:r>
+            <a:endParaRPr lang="cs-CZ" sz="3500" dirty="0">
+              <a:solidFill>
+                <a:schemeClr val="bg1"/>
+              </a:solidFill>
+              <a:latin typeface="Franklin Gothic Demi Cond" panose="020B0706030402020204" pitchFamily="34" charset="0"/>
+            </a:endParaRPr>
+          </a:p>
+        </p:txBody>
+      </p:sp>
+    </p:spTree>
+    <p:extLst>
+      <p:ext uri="{BB962C8B-B14F-4D97-AF65-F5344CB8AC3E}">
+        <p14:creationId xmlns:p14="http://schemas.microsoft.com/office/powerpoint/2010/main" val="3718129693"/>
+      </p:ext>
+    </p:extLst>
+  </p:cSld>
+  <p:clrMapOvr>
+    <a:masterClrMapping/>
+  </p:clrMapOvr>
+  <mc:AlternateContent xmlns:mc="http://schemas.openxmlformats.org/markup-compatibility/2006">
+    <mc:Choice xmlns:p14="http://schemas.microsoft.com/office/powerpoint/2010/main" Requires="p14">
+      <p:transition p14:dur="100">
+        <p:cut/>
+      </p:transition>
+    </mc:Choice>
+    <mc:Fallback>
+      <p:transition>
+        <p:cut/>
+      </p:transition>
+    </mc:Fallback>
+  </mc:AlternateContent>
+</p:sld>
+</file>
+
+<file path=ppt/slides/slide7.xml><?xml version="1.0" encoding="utf-8"?>
+<p:sld xmlns:a="http://schemas.openxmlformats.org/drawingml/2006/main" xmlns:r="http://schemas.openxmlformats.org/officeDocument/2006/relationships" xmlns:p="http://schemas.openxmlformats.org/presentationml/2006/main">
+  <p:cSld>
+    <p:spTree>
+      <p:nvGrpSpPr>
+        <p:cNvPr id="1" name=""/>
+        <p:cNvGrpSpPr/>
+        <p:nvPr/>
+      </p:nvGrpSpPr>
+      <p:grpSpPr>
+        <a:xfrm>
+          <a:off x="0" y="0"/>
+          <a:ext cx="0" cy="0"/>
+          <a:chOff x="0" y="0"/>
+          <a:chExt cx="0" cy="0"/>
+        </a:xfrm>
+      </p:grpSpPr>
+      <p:sp>
+        <p:nvSpPr>
+          <p:cNvPr id="2" name="TextovéPole 1">
+            <a:extLst>
+              <a:ext uri="{FF2B5EF4-FFF2-40B4-BE49-F238E27FC236}">
+                <a16:creationId xmlns:a16="http://schemas.microsoft.com/office/drawing/2014/main" id="{A4EE4AC1-520B-C152-19D6-F490D916489B}"/>
+              </a:ext>
+            </a:extLst>
+          </p:cNvPr>
+          <p:cNvSpPr txBox="1"/>
+          <p:nvPr/>
+        </p:nvSpPr>
+        <p:spPr>
+          <a:xfrm>
+            <a:off x="225906" y="350334"/>
+            <a:ext cx="8610600" cy="707886"/>
+          </a:xfrm>
+          <a:prstGeom prst="rect">
+            <a:avLst/>
+          </a:prstGeom>
+          <a:noFill/>
+        </p:spPr>
+        <p:txBody>
+          <a:bodyPr wrap="square" rtlCol="0">
+            <a:spAutoFit/>
+          </a:bodyPr>
+          <a:lstStyle/>
+          <a:p>
+            <a:r>
+              <a:rPr lang="cs-CZ" sz="4000" dirty="0"/>
+              <a:t>Chytrá žárovka zde jako příklad</a:t>
+            </a:r>
+          </a:p>
+        </p:txBody>
+      </p:sp>
+      <p:sp>
+        <p:nvSpPr>
+          <p:cNvPr id="3" name="TextovéPole 2">
+            <a:extLst>
+              <a:ext uri="{FF2B5EF4-FFF2-40B4-BE49-F238E27FC236}">
+                <a16:creationId xmlns:a16="http://schemas.microsoft.com/office/drawing/2014/main" id="{EF608349-B8E9-61D6-8586-D0E6671F9B66}"/>
+              </a:ext>
+            </a:extLst>
+          </p:cNvPr>
+          <p:cNvSpPr txBox="1"/>
+          <p:nvPr/>
+        </p:nvSpPr>
+        <p:spPr>
+          <a:xfrm>
+            <a:off x="2724150" y="1058220"/>
+            <a:ext cx="8376612" cy="9148234"/>
+          </a:xfrm>
+          <a:prstGeom prst="rect">
+            <a:avLst/>
+          </a:prstGeom>
+        </p:spPr>
+        <p:txBody>
+          <a:bodyPr vert="horz" lIns="91440" tIns="45720" rIns="91440" bIns="45720" rtlCol="0" anchor="t">
+            <a:noAutofit/>
+          </a:bodyPr>
+          <a:lstStyle/>
+          <a:p>
+            <a:r>
+              <a:rPr lang="cs-CZ" sz="3500" dirty="0">
+                <a:latin typeface="Franklin Gothic Demi Cond" panose="020B0706030402020204" pitchFamily="34" charset="0"/>
+              </a:rPr>
+              <a:t>Chytré žárovky -  </a:t>
+            </a:r>
+            <a:r>
+              <a:rPr lang="cs-CZ" sz="3600" dirty="0">
+                <a:latin typeface="Franklin Gothic Demi Cond" panose="020B0706030402020204" pitchFamily="34" charset="0"/>
+              </a:rPr>
+              <a:t>vypnou se v době, když jsou všechny místnosti nevyužívány</a:t>
+            </a:r>
+            <a:r>
+              <a:rPr lang="cs-CZ" sz="3600" dirty="0"/>
+              <a:t>. Tyto žárovky také umožňují nastavit programy pro různé dny v týdnu nebo pro různé časy dne, aby se optimalizovala spotřeba energie.</a:t>
+            </a:r>
+          </a:p>
+          <a:p>
+            <a:endParaRPr lang="cs-CZ" sz="3600" dirty="0"/>
+          </a:p>
+          <a:p>
+            <a:r>
+              <a:rPr lang="cs-CZ" sz="3600" dirty="0"/>
+              <a:t>Chytré žárovky také poskytují uživatelům možnost nastavit teplotu světla a barevnou teplotu, což umožňuje lepší kontrolovat atmosféru v místnosti.</a:t>
+            </a:r>
+            <a:endParaRPr lang="cs-CZ" sz="3500" dirty="0">
+              <a:latin typeface="Franklin Gothic Demi Cond" panose="020B0706030402020204" pitchFamily="34" charset="0"/>
+            </a:endParaRPr>
+          </a:p>
+        </p:txBody>
+      </p:sp>
+    </p:spTree>
+    <p:extLst>
+      <p:ext uri="{BB962C8B-B14F-4D97-AF65-F5344CB8AC3E}">
+        <p14:creationId xmlns:p14="http://schemas.microsoft.com/office/powerpoint/2010/main" val="2474275139"/>
+      </p:ext>
+    </p:extLst>
+  </p:cSld>
+  <p:clrMapOvr>
+    <a:masterClrMapping/>
+  </p:clrMapOvr>
+  <mc:AlternateContent xmlns:mc="http://schemas.openxmlformats.org/markup-compatibility/2006" xmlns:p14="http://schemas.microsoft.com/office/powerpoint/2010/main">
+    <mc:Choice Requires="p14">
+      <p:transition spd="slow" p14:dur="800">
+        <p:circle/>
+      </p:transition>
+    </mc:Choice>
+    <mc:Fallback xmlns="">
+      <p:transition spd="slow">
+        <p:circle/>
+      </p:transition>
+    </mc:Fallback>
+  </mc:AlternateContent>
+</p:sld>
+</file>
+
+<file path=ppt/slides/slide8.xml><?xml version="1.0" encoding="utf-8"?>
+<p:sld xmlns:a="http://schemas.openxmlformats.org/drawingml/2006/main" xmlns:r="http://schemas.openxmlformats.org/officeDocument/2006/relationships" xmlns:p="http://schemas.openxmlformats.org/presentationml/2006/main">
+  <p:cSld>
+    <p:bg>
+      <p:bgPr>
+        <a:solidFill>
+          <a:schemeClr val="bg1">
+            <a:tint val="95000"/>
+            <a:satMod val="170000"/>
+          </a:schemeClr>
+        </a:solidFill>
+        <a:effectLst/>
+      </p:bgPr>
+    </p:bg>
+    <p:spTree>
+      <p:nvGrpSpPr>
+        <p:cNvPr id="1" name=""/>
+        <p:cNvGrpSpPr/>
+        <p:nvPr/>
+      </p:nvGrpSpPr>
+      <p:grpSpPr>
+        <a:xfrm>
+          <a:off x="0" y="0"/>
+          <a:ext cx="0" cy="0"/>
+          <a:chOff x="0" y="0"/>
+          <a:chExt cx="0" cy="0"/>
+        </a:xfrm>
+      </p:grpSpPr>
+      <p:sp>
+        <p:nvSpPr>
+          <p:cNvPr id="4" name="TextovéPole 3">
+            <a:extLst>
+              <a:ext uri="{FF2B5EF4-FFF2-40B4-BE49-F238E27FC236}">
+                <a16:creationId xmlns:a16="http://schemas.microsoft.com/office/drawing/2014/main" id="{6AEF58D9-89CB-0C27-BF7C-BC5424A3B7B0}"/>
+              </a:ext>
+            </a:extLst>
+          </p:cNvPr>
+          <p:cNvSpPr txBox="1"/>
+          <p:nvPr/>
+        </p:nvSpPr>
+        <p:spPr>
+          <a:xfrm>
+            <a:off x="594166" y="2043898"/>
+            <a:ext cx="5272888" cy="3181684"/>
+          </a:xfrm>
+          <a:prstGeom prst="rect">
+            <a:avLst/>
+          </a:prstGeom>
+        </p:spPr>
+        <p:txBody>
+          <a:bodyPr vert="horz" lIns="91440" tIns="45720" rIns="91440" bIns="45720" rtlCol="0" anchor="t">
+            <a:normAutofit/>
+          </a:bodyPr>
+          <a:lstStyle/>
+          <a:p>
+            <a:pPr marL="342900" indent="-342900">
+              <a:buAutoNum type="arabicPeriod"/>
+            </a:pPr>
+            <a:r>
+              <a:rPr lang="cs-CZ" dirty="0"/>
+              <a:t>Pohodlí:</a:t>
+            </a:r>
+          </a:p>
+          <a:p>
+            <a:pPr marL="285750" indent="-285750">
+              <a:buFontTx/>
+              <a:buChar char="-"/>
+            </a:pPr>
+            <a:r>
+              <a:rPr lang="cs-CZ" dirty="0"/>
+              <a:t>Zařízení můžeme ovládat na dálku </a:t>
+            </a:r>
+            <a:r>
+              <a:rPr lang="cs-CZ" dirty="0" err="1"/>
+              <a:t>napr</a:t>
+            </a:r>
+            <a:r>
+              <a:rPr lang="cs-CZ" dirty="0"/>
+              <a:t>. Pomocí telefonu, hlasového asistenta, </a:t>
+            </a:r>
+          </a:p>
+          <a:p>
+            <a:pPr marL="285750" indent="-285750">
+              <a:buFontTx/>
+              <a:buChar char="-"/>
+            </a:pPr>
+            <a:r>
+              <a:rPr lang="cs-CZ" dirty="0"/>
+              <a:t>detekce pohybu (rozsvícení světla), časování (topení se zapne v určitý čas)</a:t>
+            </a:r>
+          </a:p>
+          <a:p>
+            <a:pPr marL="342900" indent="-342900">
+              <a:buAutoNum type="arabicPeriod"/>
+            </a:pPr>
+            <a:r>
+              <a:rPr lang="cs-CZ" dirty="0"/>
+              <a:t> Úspora energie</a:t>
+            </a:r>
+          </a:p>
+        </p:txBody>
+      </p:sp>
+      <p:sp>
+        <p:nvSpPr>
+          <p:cNvPr id="23" name="Freeform 49">
+            <a:extLst>
+              <a:ext uri="{FF2B5EF4-FFF2-40B4-BE49-F238E27FC236}">
+                <a16:creationId xmlns:a16="http://schemas.microsoft.com/office/drawing/2014/main" id="{EF9B8DF2-C3F5-49A2-94D2-F7B65A0F1F15}"/>
+              </a:ext>
+              <a:ext uri="{C183D7F6-B498-43B3-948B-1728B52AA6E4}">
+                <adec:decorative xmlns:adec="http://schemas.microsoft.com/office/drawing/2017/decorative" val="1"/>
+              </a:ext>
+            </a:extLst>
+          </p:cNvPr>
+          <p:cNvSpPr>
+            <a:spLocks noGrp="1" noRot="1" noChangeAspect="1" noMove="1" noResize="1" noEditPoints="1" noAdjustHandles="1" noChangeArrowheads="1" noChangeShapeType="1" noTextEdit="1"/>
+          </p:cNvSpPr>
+          <p:nvPr>
+            <p:extLst>
+              <p:ext uri="{386F3935-93C4-4BCD-93E2-E3B085C9AB24}">
+                <p16:designElem xmlns:p16="http://schemas.microsoft.com/office/powerpoint/2015/main" val="1"/>
+              </p:ext>
+            </p:extLst>
+          </p:nvPr>
+        </p:nvSpPr>
+        <p:spPr>
+          <a:xfrm flipH="1">
+            <a:off x="6713914" y="581159"/>
+            <a:ext cx="5478085" cy="6276841"/>
+          </a:xfrm>
+          <a:custGeom>
+            <a:avLst/>
+            <a:gdLst>
+              <a:gd name="connsiteX0" fmla="*/ 2178155 w 5478085"/>
+              <a:gd name="connsiteY0" fmla="*/ 0 h 6276841"/>
+              <a:gd name="connsiteX1" fmla="*/ 5478085 w 5478085"/>
+              <a:gd name="connsiteY1" fmla="*/ 3299930 h 6276841"/>
+              <a:gd name="connsiteX2" fmla="*/ 3751098 w 5478085"/>
+              <a:gd name="connsiteY2" fmla="*/ 6201577 h 6276841"/>
+              <a:gd name="connsiteX3" fmla="*/ 3594858 w 5478085"/>
+              <a:gd name="connsiteY3" fmla="*/ 6276841 h 6276841"/>
+              <a:gd name="connsiteX4" fmla="*/ 761453 w 5478085"/>
+              <a:gd name="connsiteY4" fmla="*/ 6276841 h 6276841"/>
+              <a:gd name="connsiteX5" fmla="*/ 605213 w 5478085"/>
+              <a:gd name="connsiteY5" fmla="*/ 6201577 h 6276841"/>
+              <a:gd name="connsiteX6" fmla="*/ 79093 w 5478085"/>
+              <a:gd name="connsiteY6" fmla="*/ 5846317 h 6276841"/>
+              <a:gd name="connsiteX7" fmla="*/ 0 w 5478085"/>
+              <a:gd name="connsiteY7" fmla="*/ 5774432 h 6276841"/>
+              <a:gd name="connsiteX8" fmla="*/ 0 w 5478085"/>
+              <a:gd name="connsiteY8" fmla="*/ 825429 h 6276841"/>
+              <a:gd name="connsiteX9" fmla="*/ 79093 w 5478085"/>
+              <a:gd name="connsiteY9" fmla="*/ 753544 h 6276841"/>
+              <a:gd name="connsiteX10" fmla="*/ 2178155 w 5478085"/>
+              <a:gd name="connsiteY10" fmla="*/ 0 h 6276841"/>
+            </a:gdLst>
+            <a:ahLst/>
+            <a:cxnLst>
+              <a:cxn ang="0">
+                <a:pos x="connsiteX0" y="connsiteY0"/>
+              </a:cxn>
+              <a:cxn ang="0">
+                <a:pos x="connsiteX1" y="connsiteY1"/>
+              </a:cxn>
+              <a:cxn ang="0">
+                <a:pos x="connsiteX2" y="connsiteY2"/>
+              </a:cxn>
+              <a:cxn ang="0">
+                <a:pos x="connsiteX3" y="connsiteY3"/>
+              </a:cxn>
+              <a:cxn ang="0">
+                <a:pos x="connsiteX4" y="connsiteY4"/>
+              </a:cxn>
+              <a:cxn ang="0">
+                <a:pos x="connsiteX5" y="connsiteY5"/>
+              </a:cxn>
+              <a:cxn ang="0">
+                <a:pos x="connsiteX6" y="connsiteY6"/>
+              </a:cxn>
+              <a:cxn ang="0">
+                <a:pos x="connsiteX7" y="connsiteY7"/>
+              </a:cxn>
+              <a:cxn ang="0">
+                <a:pos x="connsiteX8" y="connsiteY8"/>
+              </a:cxn>
+              <a:cxn ang="0">
+                <a:pos x="connsiteX9" y="connsiteY9"/>
+              </a:cxn>
+              <a:cxn ang="0">
+                <a:pos x="connsiteX10" y="connsiteY10"/>
+              </a:cxn>
+            </a:cxnLst>
+            <a:rect l="l" t="t" r="r" b="b"/>
+            <a:pathLst>
+              <a:path w="5478085" h="6276841">
+                <a:moveTo>
+                  <a:pt x="2178155" y="0"/>
+                </a:moveTo>
+                <a:cubicBezTo>
+                  <a:pt x="4000656" y="0"/>
+                  <a:pt x="5478085" y="1477429"/>
+                  <a:pt x="5478085" y="3299930"/>
+                </a:cubicBezTo>
+                <a:cubicBezTo>
+                  <a:pt x="5478085" y="4552900"/>
+                  <a:pt x="4779769" y="5642769"/>
+                  <a:pt x="3751098" y="6201577"/>
+                </a:cubicBezTo>
+                <a:lnTo>
+                  <a:pt x="3594858" y="6276841"/>
+                </a:lnTo>
+                <a:lnTo>
+                  <a:pt x="761453" y="6276841"/>
+                </a:lnTo>
+                <a:lnTo>
+                  <a:pt x="605213" y="6201577"/>
+                </a:lnTo>
+                <a:cubicBezTo>
+                  <a:pt x="418182" y="6099975"/>
+                  <a:pt x="242071" y="5980818"/>
+                  <a:pt x="79093" y="5846317"/>
+                </a:cubicBezTo>
+                <a:lnTo>
+                  <a:pt x="0" y="5774432"/>
+                </a:lnTo>
+                <a:lnTo>
+                  <a:pt x="0" y="825429"/>
+                </a:lnTo>
+                <a:lnTo>
+                  <a:pt x="79093" y="753544"/>
+                </a:lnTo>
+                <a:cubicBezTo>
+                  <a:pt x="649516" y="282789"/>
+                  <a:pt x="1380811" y="0"/>
+                  <a:pt x="2178155" y="0"/>
+                </a:cubicBezTo>
+                <a:close/>
+              </a:path>
+            </a:pathLst>
+          </a:custGeom>
+          <a:solidFill>
+            <a:srgbClr val="FFFFFF">
+              <a:alpha val="80000"/>
+            </a:srgbClr>
+          </a:solidFill>
+          <a:ln w="31750">
+            <a:noFill/>
+          </a:ln>
+        </p:spPr>
+        <p:style>
+          <a:lnRef idx="2">
+            <a:schemeClr val="accent1">
+              <a:shade val="50000"/>
+            </a:schemeClr>
+          </a:lnRef>
+          <a:fillRef idx="1">
+            <a:schemeClr val="accent1"/>
+          </a:fillRef>
+          <a:effectRef idx="0">
+            <a:schemeClr val="accent1"/>
+          </a:effectRef>
+          <a:fontRef idx="minor">
+            <a:schemeClr val="lt1"/>
+          </a:fontRef>
+        </p:style>
+        <p:txBody>
+          <a:bodyPr wrap="square" rtlCol="0" anchor="ctr">
+            <a:noAutofit/>
+          </a:bodyPr>
+          <a:lstStyle/>
+          <a:p>
+            <a:pPr marL="0" marR="0" lvl="0" indent="0" algn="ctr" defTabSz="914400" rtl="0" eaLnBrk="1" fontAlgn="auto" latinLnBrk="0" hangingPunct="1">
+              <a:lnSpc>
+                <a:spcPct val="100000"/>
+              </a:lnSpc>
+              <a:spcBef>
+                <a:spcPts val="0"/>
+              </a:spcBef>
+              <a:spcAft>
+                <a:spcPts val="0"/>
+              </a:spcAft>
+              <a:buClrTx/>
+              <a:buSzTx/>
+              <a:buFontTx/>
+              <a:buNone/>
+              <a:tabLst/>
+              <a:defRPr/>
+            </a:pPr>
+            <a:endParaRPr kumimoji="0" lang="en-US" sz="1800" b="0" i="0" u="none" strike="noStrike" kern="1200" cap="none" spc="0" normalizeH="0" baseline="0" noProof="0">
+              <a:ln>
+                <a:noFill/>
+              </a:ln>
+              <a:solidFill>
+                <a:prstClr val="white"/>
+              </a:solidFill>
+              <a:effectLst/>
+              <a:uLnTx/>
+              <a:uFillTx/>
+              <a:latin typeface="Calibri" panose="020F0502020204030204"/>
+              <a:ea typeface="+mn-ea"/>
+              <a:cs typeface="+mn-cs"/>
+            </a:endParaRPr>
+          </a:p>
+        </p:txBody>
+      </p:sp>
+      <p:sp>
+        <p:nvSpPr>
+          <p:cNvPr id="24" name="Freeform: Shape 20">
+            <a:extLst>
+              <a:ext uri="{FF2B5EF4-FFF2-40B4-BE49-F238E27FC236}">
+                <a16:creationId xmlns:a16="http://schemas.microsoft.com/office/drawing/2014/main" id="{4330B6AC-E6AB-45E4-A303-C8DE90EB2AAC}"/>
+              </a:ext>
+              <a:ext uri="{C183D7F6-B498-43B3-948B-1728B52AA6E4}">
+                <adec:decorative xmlns:adec="http://schemas.microsoft.com/office/drawing/2017/decorative" val="1"/>
+              </a:ext>
+            </a:extLst>
+          </p:cNvPr>
+          <p:cNvSpPr>
+            <a:spLocks noGrp="1" noRot="1" noChangeAspect="1" noMove="1" noResize="1" noEditPoints="1" noAdjustHandles="1" noChangeArrowheads="1" noChangeShapeType="1" noTextEdit="1"/>
+          </p:cNvSpPr>
+          <p:nvPr>
+            <p:extLst>
+              <p:ext uri="{386F3935-93C4-4BCD-93E2-E3B085C9AB24}">
+                <p16:designElem xmlns:p16="http://schemas.microsoft.com/office/powerpoint/2015/main" val="1"/>
+              </p:ext>
+            </p:extLst>
+          </p:nvPr>
+        </p:nvSpPr>
+        <p:spPr>
+          <a:xfrm>
+            <a:off x="6893318" y="760562"/>
+            <a:ext cx="5298683" cy="6097438"/>
+          </a:xfrm>
+          <a:custGeom>
+            <a:avLst/>
+            <a:gdLst>
+              <a:gd name="connsiteX0" fmla="*/ 3120528 w 5298683"/>
+              <a:gd name="connsiteY0" fmla="*/ 0 h 6097438"/>
+              <a:gd name="connsiteX1" fmla="*/ 5105473 w 5298683"/>
+              <a:gd name="connsiteY1" fmla="*/ 712577 h 6097438"/>
+              <a:gd name="connsiteX2" fmla="*/ 5298683 w 5298683"/>
+              <a:gd name="connsiteY2" fmla="*/ 888178 h 6097438"/>
+              <a:gd name="connsiteX3" fmla="*/ 5298683 w 5298683"/>
+              <a:gd name="connsiteY3" fmla="*/ 5352876 h 6097438"/>
+              <a:gd name="connsiteX4" fmla="*/ 5105473 w 5298683"/>
+              <a:gd name="connsiteY4" fmla="*/ 5528477 h 6097438"/>
+              <a:gd name="connsiteX5" fmla="*/ 4335177 w 5298683"/>
+              <a:gd name="connsiteY5" fmla="*/ 5995828 h 6097438"/>
+              <a:gd name="connsiteX6" fmla="*/ 4057556 w 5298683"/>
+              <a:gd name="connsiteY6" fmla="*/ 6097438 h 6097438"/>
+              <a:gd name="connsiteX7" fmla="*/ 2183499 w 5298683"/>
+              <a:gd name="connsiteY7" fmla="*/ 6097438 h 6097438"/>
+              <a:gd name="connsiteX8" fmla="*/ 1905878 w 5298683"/>
+              <a:gd name="connsiteY8" fmla="*/ 5995828 h 6097438"/>
+              <a:gd name="connsiteX9" fmla="*/ 0 w 5298683"/>
+              <a:gd name="connsiteY9" fmla="*/ 3120527 h 6097438"/>
+              <a:gd name="connsiteX10" fmla="*/ 3120528 w 5298683"/>
+              <a:gd name="connsiteY10" fmla="*/ 0 h 6097438"/>
+            </a:gdLst>
+            <a:ahLst/>
+            <a:cxnLst>
+              <a:cxn ang="0">
+                <a:pos x="connsiteX0" y="connsiteY0"/>
+              </a:cxn>
+              <a:cxn ang="0">
+                <a:pos x="connsiteX1" y="connsiteY1"/>
+              </a:cxn>
+              <a:cxn ang="0">
+                <a:pos x="connsiteX2" y="connsiteY2"/>
+              </a:cxn>
+              <a:cxn ang="0">
+                <a:pos x="connsiteX3" y="connsiteY3"/>
+              </a:cxn>
+              <a:cxn ang="0">
+                <a:pos x="connsiteX4" y="connsiteY4"/>
+              </a:cxn>
+              <a:cxn ang="0">
+                <a:pos x="connsiteX5" y="connsiteY5"/>
+              </a:cxn>
+              <a:cxn ang="0">
+                <a:pos x="connsiteX6" y="connsiteY6"/>
+              </a:cxn>
+              <a:cxn ang="0">
+                <a:pos x="connsiteX7" y="connsiteY7"/>
+              </a:cxn>
+              <a:cxn ang="0">
+                <a:pos x="connsiteX8" y="connsiteY8"/>
+              </a:cxn>
+              <a:cxn ang="0">
+                <a:pos x="connsiteX9" y="connsiteY9"/>
+              </a:cxn>
+              <a:cxn ang="0">
+                <a:pos x="connsiteX10" y="connsiteY10"/>
+              </a:cxn>
+            </a:cxnLst>
+            <a:rect l="l" t="t" r="r" b="b"/>
+            <a:pathLst>
+              <a:path w="5298683" h="6097438">
+                <a:moveTo>
+                  <a:pt x="3120528" y="0"/>
+                </a:moveTo>
+                <a:cubicBezTo>
+                  <a:pt x="3874524" y="0"/>
+                  <a:pt x="4566062" y="267415"/>
+                  <a:pt x="5105473" y="712577"/>
+                </a:cubicBezTo>
+                <a:lnTo>
+                  <a:pt x="5298683" y="888178"/>
+                </a:lnTo>
+                <a:lnTo>
+                  <a:pt x="5298683" y="5352876"/>
+                </a:lnTo>
+                <a:lnTo>
+                  <a:pt x="5105473" y="5528477"/>
+                </a:lnTo>
+                <a:cubicBezTo>
+                  <a:pt x="4874296" y="5719261"/>
+                  <a:pt x="4615179" y="5877397"/>
+                  <a:pt x="4335177" y="5995828"/>
+                </a:cubicBezTo>
+                <a:lnTo>
+                  <a:pt x="4057556" y="6097438"/>
+                </a:lnTo>
+                <a:lnTo>
+                  <a:pt x="2183499" y="6097438"/>
+                </a:lnTo>
+                <a:lnTo>
+                  <a:pt x="1905878" y="5995828"/>
+                </a:lnTo>
+                <a:cubicBezTo>
+                  <a:pt x="785873" y="5522106"/>
+                  <a:pt x="0" y="4413092"/>
+                  <a:pt x="0" y="3120527"/>
+                </a:cubicBezTo>
+                <a:cubicBezTo>
+                  <a:pt x="0" y="1397108"/>
+                  <a:pt x="1397108" y="0"/>
+                  <a:pt x="3120528" y="0"/>
+                </a:cubicBezTo>
+                <a:close/>
+              </a:path>
+            </a:pathLst>
+          </a:custGeom>
+          <a:solidFill>
+            <a:schemeClr val="tx1"/>
+          </a:solidFill>
+          <a:ln>
+            <a:noFill/>
+          </a:ln>
+        </p:spPr>
+        <p:style>
+          <a:lnRef idx="2">
+            <a:schemeClr val="accent1">
+              <a:shade val="50000"/>
+            </a:schemeClr>
+          </a:lnRef>
+          <a:fillRef idx="1">
+            <a:schemeClr val="accent1"/>
+          </a:fillRef>
+          <a:effectRef idx="0">
+            <a:schemeClr val="accent1"/>
+          </a:effectRef>
+          <a:fontRef idx="minor">
+            <a:schemeClr val="lt1"/>
+          </a:fontRef>
+        </p:style>
+        <p:txBody>
+          <a:bodyPr rtlCol="0" anchor="ctr"/>
+          <a:lstStyle/>
+          <a:p>
+            <a:pPr marL="0" marR="0" lvl="0" indent="0" algn="ctr" defTabSz="914400" rtl="0" eaLnBrk="1" fontAlgn="auto" latinLnBrk="0" hangingPunct="1">
+              <a:lnSpc>
+                <a:spcPct val="100000"/>
+              </a:lnSpc>
+              <a:spcBef>
+                <a:spcPts val="0"/>
+              </a:spcBef>
+              <a:spcAft>
+                <a:spcPts val="0"/>
+              </a:spcAft>
+              <a:buClrTx/>
+              <a:buSzTx/>
+              <a:buFontTx/>
+              <a:buNone/>
+              <a:tabLst/>
+              <a:defRPr/>
+            </a:pPr>
+            <a:endParaRPr kumimoji="0" lang="en-US" sz="1800" b="0" i="0" u="none" strike="noStrike" kern="1200" cap="none" spc="0" normalizeH="0" baseline="0" noProof="0">
+              <a:ln>
+                <a:noFill/>
+              </a:ln>
+              <a:solidFill>
+                <a:prstClr val="white"/>
+              </a:solidFill>
+              <a:effectLst/>
+              <a:uLnTx/>
+              <a:uFillTx/>
+              <a:latin typeface="Calibri" panose="020F0502020204030204"/>
+              <a:ea typeface="+mn-ea"/>
+              <a:cs typeface="+mn-cs"/>
+            </a:endParaRPr>
+          </a:p>
+        </p:txBody>
+      </p:sp>
+      <p:pic>
+        <p:nvPicPr>
+          <p:cNvPr id="25" name="Graphic 15" descr="Dům">
+            <a:extLst>
+              <a:ext uri="{FF2B5EF4-FFF2-40B4-BE49-F238E27FC236}">
+                <a16:creationId xmlns:a16="http://schemas.microsoft.com/office/drawing/2014/main" id="{F6192561-6715-5F1D-8F4F-B23497A94C3C}"/>
+              </a:ext>
+            </a:extLst>
+          </p:cNvPr>
+          <p:cNvPicPr>
+            <a:picLocks noChangeAspect="1"/>
+          </p:cNvPicPr>
+          <p:nvPr/>
+        </p:nvPicPr>
+        <p:blipFill>
+          <a:blip r:embed="rId2">
+            <a:extLst>
+              <a:ext uri="{28A0092B-C50C-407E-A947-70E740481C1C}">
+                <a14:useLocalDpi xmlns:a14="http://schemas.microsoft.com/office/drawing/2010/main" val="0"/>
+              </a:ext>
+              <a:ext uri="{96DAC541-7B7A-43D3-8B79-37D633B846F1}">
+                <asvg:svgBlip xmlns:asvg="http://schemas.microsoft.com/office/drawing/2016/SVG/main" r:embed="rId3"/>
+              </a:ext>
+            </a:extLst>
+          </a:blip>
+          <a:stretch>
+            <a:fillRect/>
+          </a:stretch>
+        </p:blipFill>
+        <p:spPr>
+          <a:xfrm>
+            <a:off x="7924800" y="1957050"/>
+            <a:ext cx="3945463" cy="3945463"/>
+          </a:xfrm>
+          <a:prstGeom prst="rect">
+            <a:avLst/>
+          </a:prstGeom>
+        </p:spPr>
+      </p:pic>
+      <p:sp>
+        <p:nvSpPr>
+          <p:cNvPr id="2" name="TextovéPole 1">
+            <a:extLst>
+              <a:ext uri="{FF2B5EF4-FFF2-40B4-BE49-F238E27FC236}">
+                <a16:creationId xmlns:a16="http://schemas.microsoft.com/office/drawing/2014/main" id="{6C482F3C-EC65-2DB0-29B1-2BA899A40129}"/>
+              </a:ext>
+            </a:extLst>
+          </p:cNvPr>
+          <p:cNvSpPr txBox="1"/>
+          <p:nvPr/>
+        </p:nvSpPr>
+        <p:spPr>
+          <a:xfrm>
+            <a:off x="6096000" y="1399032"/>
+            <a:ext cx="5501834" cy="4471416"/>
+          </a:xfrm>
+          <a:prstGeom prst="rect">
+            <a:avLst/>
+          </a:prstGeom>
+        </p:spPr>
+        <p:txBody>
+          <a:bodyPr vert="horz" lIns="91440" tIns="45720" rIns="91440" bIns="45720" rtlCol="0" anchor="ctr">
+            <a:normAutofit/>
+          </a:bodyPr>
+          <a:lstStyle/>
+          <a:p>
+            <a:pPr>
+              <a:lnSpc>
+                <a:spcPct val="90000"/>
+              </a:lnSpc>
+              <a:spcAft>
+                <a:spcPts val="600"/>
+              </a:spcAft>
+            </a:pPr>
+            <a:endParaRPr lang="en-US" sz="1500" dirty="0">
+              <a:solidFill>
+                <a:schemeClr val="bg1"/>
+              </a:solidFill>
+            </a:endParaRPr>
+          </a:p>
+        </p:txBody>
+      </p:sp>
+      <p:sp>
+        <p:nvSpPr>
+          <p:cNvPr id="5" name="TextovéPole 4">
+            <a:extLst>
+              <a:ext uri="{FF2B5EF4-FFF2-40B4-BE49-F238E27FC236}">
+                <a16:creationId xmlns:a16="http://schemas.microsoft.com/office/drawing/2014/main" id="{708F0093-A910-CDA8-05CE-C00E7D364B4F}"/>
+              </a:ext>
+            </a:extLst>
+          </p:cNvPr>
+          <p:cNvSpPr txBox="1"/>
+          <p:nvPr/>
+        </p:nvSpPr>
+        <p:spPr>
+          <a:xfrm>
+            <a:off x="262079" y="760562"/>
+            <a:ext cx="10021702" cy="830997"/>
+          </a:xfrm>
+          <a:prstGeom prst="rect">
+            <a:avLst/>
+          </a:prstGeom>
+          <a:noFill/>
+        </p:spPr>
+        <p:txBody>
+          <a:bodyPr wrap="square" rtlCol="0">
+            <a:spAutoFit/>
+          </a:bodyPr>
+          <a:lstStyle/>
+          <a:p>
+            <a:r>
+              <a:rPr lang="cs-CZ" sz="4800" dirty="0"/>
+              <a:t>Přínosy chytré domácnosti</a:t>
+            </a:r>
+          </a:p>
+        </p:txBody>
+      </p:sp>
+      <p:pic>
+        <p:nvPicPr>
+          <p:cNvPr id="6" name="Grafický objekt 5" descr="Robotická ruka obrys">
+            <a:extLst>
+              <a:ext uri="{FF2B5EF4-FFF2-40B4-BE49-F238E27FC236}">
+                <a16:creationId xmlns:a16="http://schemas.microsoft.com/office/drawing/2014/main" id="{44EACE78-8388-2B51-C5BD-8319BEF04E2F}"/>
+              </a:ext>
+            </a:extLst>
+          </p:cNvPr>
+          <p:cNvPicPr>
+            <a:picLocks noChangeAspect="1"/>
+          </p:cNvPicPr>
+          <p:nvPr/>
+        </p:nvPicPr>
+        <p:blipFill>
+          <a:blip r:embed="rId4">
+            <a:extLst>
+              <a:ext uri="{28A0092B-C50C-407E-A947-70E740481C1C}">
+                <a14:useLocalDpi xmlns:a14="http://schemas.microsoft.com/office/drawing/2010/main" val="0"/>
+              </a:ext>
+              <a:ext uri="{96DAC541-7B7A-43D3-8B79-37D633B846F1}">
+                <asvg:svgBlip xmlns:asvg="http://schemas.microsoft.com/office/drawing/2016/SVG/main" r:embed="rId5"/>
+              </a:ext>
+            </a:extLst>
+          </a:blip>
+          <a:stretch>
+            <a:fillRect/>
+          </a:stretch>
+        </p:blipFill>
+        <p:spPr>
+          <a:xfrm>
+            <a:off x="9542659" y="5712570"/>
+            <a:ext cx="914400" cy="914400"/>
+          </a:xfrm>
+          <a:prstGeom prst="rect">
+            <a:avLst/>
+          </a:prstGeom>
+        </p:spPr>
+      </p:pic>
+    </p:spTree>
+    <p:extLst>
+      <p:ext uri="{BB962C8B-B14F-4D97-AF65-F5344CB8AC3E}">
+        <p14:creationId xmlns:p14="http://schemas.microsoft.com/office/powerpoint/2010/main" val="4079144216"/>
+      </p:ext>
+    </p:extLst>
+  </p:cSld>
+  <p:clrMapOvr>
+    <a:overrideClrMapping bg1="dk1" tx1="lt1" bg2="dk2" tx2="lt2" accent1="accent1" accent2="accent2" accent3="accent3" accent4="accent4" accent5="accent5" accent6="accent6" hlink="hlink" folHlink="folHlink"/>
+  </p:clrMapOvr>
+  <mc:AlternateContent xmlns:mc="http://schemas.openxmlformats.org/markup-compatibility/2006" xmlns:p14="http://schemas.microsoft.com/office/powerpoint/2010/main">
+    <mc:Choice Requires="p14">
+      <p:transition p14:dur="350" advClick="0">
+        <p:cover dir="ru"/>
+      </p:transition>
+    </mc:Choice>
+    <mc:Fallback xmlns="">
+      <p:transition advClick="0">
+        <p:cover dir="ru"/>
+      </p:transition>
+    </mc:Fallback>
+  </mc:AlternateContent>
+</p:sld>
+</file>
+
+<file path=ppt/slides/slide9.xml><?xml version="1.0" encoding="utf-8"?>
 <p:sld xmlns:a="http://schemas.openxmlformats.org/drawingml/2006/main" xmlns:r="http://schemas.openxmlformats.org/officeDocument/2006/relationships" xmlns:p="http://schemas.openxmlformats.org/presentationml/2006/main">
   <p:cSld>
     <p:bg>

--- a/Chytrá domácnost prezentace.pptx
+++ b/Chytrá domácnost prezentace.pptx
@@ -5199,6 +5199,45 @@
           </a:p>
         </p:txBody>
       </p:sp>
+      <p:pic>
+        <p:nvPicPr>
+          <p:cNvPr id="3" name="Grafický objekt 2" descr="Odznak 1 se souvislou výplní">
+            <a:extLst>
+              <a:ext uri="{FF2B5EF4-FFF2-40B4-BE49-F238E27FC236}">
+                <a16:creationId xmlns:a16="http://schemas.microsoft.com/office/drawing/2014/main" id="{7610025A-CC08-F74F-D180-B5D2DB2DEA2F}"/>
+              </a:ext>
+            </a:extLst>
+          </p:cNvPr>
+          <p:cNvPicPr>
+            <a:picLocks noChangeAspect="1"/>
+          </p:cNvPicPr>
+          <p:nvPr/>
+        </p:nvPicPr>
+        <p:blipFill>
+          <a:blip r:embed="rId2">
+            <a:extLst>
+              <a:ext uri="{28A0092B-C50C-407E-A947-70E740481C1C}">
+                <a14:useLocalDpi xmlns:a14="http://schemas.microsoft.com/office/drawing/2010/main" val="0"/>
+              </a:ext>
+              <a:ext uri="{96DAC541-7B7A-43D3-8B79-37D633B846F1}">
+                <asvg:svgBlip xmlns:asvg="http://schemas.microsoft.com/office/drawing/2016/SVG/main" r:embed="rId3"/>
+              </a:ext>
+            </a:extLst>
+          </a:blip>
+          <a:stretch>
+            <a:fillRect/>
+          </a:stretch>
+        </p:blipFill>
+        <p:spPr>
+          <a:xfrm>
+            <a:off x="5638800" y="2971800"/>
+            <a:ext cx="914400" cy="914400"/>
+          </a:xfrm>
+          <a:prstGeom prst="rect">
+            <a:avLst/>
+          </a:prstGeom>
+        </p:spPr>
+      </p:pic>
     </p:spTree>
     <p:extLst>
       <p:ext uri="{BB962C8B-B14F-4D97-AF65-F5344CB8AC3E}">
